--- a/doc/꿀잠_todolist_ppt.pptx
+++ b/doc/꿀잠_todolist_ppt.pptx
@@ -5,7 +5,7 @@
     <p:sldMasterId id="2147483648" r:id="rId1"/>
   </p:sldMasterIdLst>
   <p:notesMasterIdLst>
-    <p:notesMasterId r:id="rId24"/>
+    <p:notesMasterId r:id="rId25"/>
   </p:notesMasterIdLst>
   <p:sldIdLst>
     <p:sldId id="256" r:id="rId2"/>
@@ -22,33 +22,34 @@
     <p:sldId id="273" r:id="rId13"/>
     <p:sldId id="274" r:id="rId14"/>
     <p:sldId id="275" r:id="rId15"/>
-    <p:sldId id="280" r:id="rId16"/>
-    <p:sldId id="277" r:id="rId17"/>
-    <p:sldId id="276" r:id="rId18"/>
-    <p:sldId id="278" r:id="rId19"/>
-    <p:sldId id="279" r:id="rId20"/>
-    <p:sldId id="281" r:id="rId21"/>
-    <p:sldId id="269" r:id="rId22"/>
-    <p:sldId id="267" r:id="rId23"/>
+    <p:sldId id="288" r:id="rId16"/>
+    <p:sldId id="280" r:id="rId17"/>
+    <p:sldId id="277" r:id="rId18"/>
+    <p:sldId id="276" r:id="rId19"/>
+    <p:sldId id="278" r:id="rId20"/>
+    <p:sldId id="279" r:id="rId21"/>
+    <p:sldId id="281" r:id="rId22"/>
+    <p:sldId id="269" r:id="rId23"/>
+    <p:sldId id="267" r:id="rId24"/>
   </p:sldIdLst>
   <p:sldSz cx="12192000" cy="6858000"/>
   <p:notesSz cx="6858000" cy="9144000"/>
   <p:embeddedFontLst>
     <p:embeddedFont>
       <p:font typeface="둥근모꼴" panose="020B0500000000000000" pitchFamily="50" charset="-127"/>
-      <p:regular r:id="rId25"/>
+      <p:regular r:id="rId26"/>
     </p:embeddedFont>
     <p:embeddedFont>
       <p:font typeface="Calibri" panose="020F0502020204030204" pitchFamily="34" charset="0"/>
-      <p:regular r:id="rId26"/>
-      <p:bold r:id="rId27"/>
-      <p:italic r:id="rId28"/>
-      <p:boldItalic r:id="rId29"/>
+      <p:regular r:id="rId27"/>
+      <p:bold r:id="rId28"/>
+      <p:italic r:id="rId29"/>
+      <p:boldItalic r:id="rId30"/>
     </p:embeddedFont>
     <p:embeddedFont>
       <p:font typeface="맑은 고딕" panose="020B0503020000020004" pitchFamily="50" charset="-127"/>
-      <p:regular r:id="rId30"/>
-      <p:bold r:id="rId31"/>
+      <p:regular r:id="rId31"/>
+      <p:bold r:id="rId32"/>
     </p:embeddedFont>
   </p:embeddedFontLst>
   <p:defaultTextStyle>
@@ -10460,6 +10461,992 @@
                 <a:latin typeface="+mj-ea"/>
                 <a:ea typeface="+mj-ea"/>
               </a:rPr>
+              <a:t>통계 페이지 </a:t>
+            </a:r>
+            <a:r>
+              <a:rPr lang="en-US" altLang="ko-KR" sz="4000" dirty="0" smtClean="0">
+                <a:solidFill>
+                  <a:schemeClr val="bg1"/>
+                </a:solidFill>
+                <a:latin typeface="+mj-ea"/>
+                <a:ea typeface="+mj-ea"/>
+              </a:rPr>
+              <a:t>&gt;</a:t>
+            </a:r>
+            <a:endParaRPr lang="ko-KR" altLang="en-US" sz="4000" dirty="0">
+              <a:solidFill>
+                <a:schemeClr val="bg1"/>
+              </a:solidFill>
+              <a:latin typeface="+mj-ea"/>
+              <a:ea typeface="+mj-ea"/>
+            </a:endParaRPr>
+          </a:p>
+        </p:txBody>
+      </p:sp>
+      <p:sp>
+        <p:nvSpPr>
+          <p:cNvPr id="15" name="순서도: 연결자 14"/>
+          <p:cNvSpPr/>
+          <p:nvPr/>
+        </p:nvSpPr>
+        <p:spPr>
+          <a:xfrm>
+            <a:off x="9368782" y="403854"/>
+            <a:ext cx="124836" cy="124836"/>
+          </a:xfrm>
+          <a:prstGeom prst="flowChartConnector">
+            <a:avLst/>
+          </a:prstGeom>
+          <a:solidFill>
+            <a:srgbClr val="FFF5D9"/>
+          </a:solidFill>
+          <a:ln>
+            <a:noFill/>
+          </a:ln>
+        </p:spPr>
+        <p:style>
+          <a:lnRef idx="2">
+            <a:schemeClr val="accent1">
+              <a:shade val="50000"/>
+            </a:schemeClr>
+          </a:lnRef>
+          <a:fillRef idx="1">
+            <a:schemeClr val="accent1"/>
+          </a:fillRef>
+          <a:effectRef idx="0">
+            <a:schemeClr val="accent1"/>
+          </a:effectRef>
+          <a:fontRef idx="minor">
+            <a:schemeClr val="lt1"/>
+          </a:fontRef>
+        </p:style>
+        <p:txBody>
+          <a:bodyPr rtlCol="0" anchor="ctr"/>
+          <a:lstStyle/>
+          <a:p>
+            <a:pPr algn="ctr"/>
+            <a:endParaRPr lang="ko-KR" altLang="en-US"/>
+          </a:p>
+        </p:txBody>
+      </p:sp>
+    </p:spTree>
+    <p:extLst>
+      <p:ext uri="{BB962C8B-B14F-4D97-AF65-F5344CB8AC3E}">
+        <p14:creationId xmlns:p14="http://schemas.microsoft.com/office/powerpoint/2010/main" val="3457736727"/>
+      </p:ext>
+    </p:extLst>
+  </p:cSld>
+  <p:clrMapOvr>
+    <a:masterClrMapping/>
+  </p:clrMapOvr>
+  <p:timing>
+    <p:tnLst>
+      <p:par>
+        <p:cTn id="1" dur="indefinite" restart="never" nodeType="tmRoot"/>
+      </p:par>
+    </p:tnLst>
+  </p:timing>
+</p:sld>
+</file>
+
+<file path=ppt/slides/slide16.xml><?xml version="1.0" encoding="utf-8"?>
+<p:sld xmlns:a="http://schemas.openxmlformats.org/drawingml/2006/main" xmlns:r="http://schemas.openxmlformats.org/officeDocument/2006/relationships" xmlns:p="http://schemas.openxmlformats.org/presentationml/2006/main">
+  <p:cSld>
+    <p:spTree>
+      <p:nvGrpSpPr>
+        <p:cNvPr id="1" name=""/>
+        <p:cNvGrpSpPr/>
+        <p:nvPr/>
+      </p:nvGrpSpPr>
+      <p:grpSpPr>
+        <a:xfrm>
+          <a:off x="0" y="0"/>
+          <a:ext cx="0" cy="0"/>
+          <a:chOff x="0" y="0"/>
+          <a:chExt cx="0" cy="0"/>
+        </a:xfrm>
+      </p:grpSpPr>
+      <p:sp>
+        <p:nvSpPr>
+          <p:cNvPr id="2" name="자유형 1"/>
+          <p:cNvSpPr/>
+          <p:nvPr/>
+        </p:nvSpPr>
+        <p:spPr>
+          <a:xfrm rot="900000">
+            <a:off x="10237761" y="444577"/>
+            <a:ext cx="930216" cy="1192199"/>
+          </a:xfrm>
+          <a:custGeom>
+            <a:avLst/>
+            <a:gdLst>
+              <a:gd name="connsiteX0" fmla="*/ 539266 w 1501374"/>
+              <a:gd name="connsiteY0" fmla="*/ 0 h 1924216"/>
+              <a:gd name="connsiteX1" fmla="*/ 1501374 w 1501374"/>
+              <a:gd name="connsiteY1" fmla="*/ 962108 h 1924216"/>
+              <a:gd name="connsiteX2" fmla="*/ 539266 w 1501374"/>
+              <a:gd name="connsiteY2" fmla="*/ 1924216 h 1924216"/>
+              <a:gd name="connsiteX3" fmla="*/ 1342 w 1501374"/>
+              <a:gd name="connsiteY3" fmla="*/ 1759903 h 1924216"/>
+              <a:gd name="connsiteX4" fmla="*/ 0 w 1501374"/>
+              <a:gd name="connsiteY4" fmla="*/ 1758796 h 1924216"/>
+              <a:gd name="connsiteX5" fmla="*/ 65011 w 1501374"/>
+              <a:gd name="connsiteY5" fmla="*/ 1748874 h 1924216"/>
+              <a:gd name="connsiteX6" fmla="*/ 706244 w 1501374"/>
+              <a:gd name="connsiteY6" fmla="*/ 962108 h 1924216"/>
+              <a:gd name="connsiteX7" fmla="*/ 65011 w 1501374"/>
+              <a:gd name="connsiteY7" fmla="*/ 175342 h 1924216"/>
+              <a:gd name="connsiteX8" fmla="*/ 0 w 1501374"/>
+              <a:gd name="connsiteY8" fmla="*/ 165420 h 1924216"/>
+              <a:gd name="connsiteX9" fmla="*/ 1342 w 1501374"/>
+              <a:gd name="connsiteY9" fmla="*/ 164313 h 1924216"/>
+              <a:gd name="connsiteX10" fmla="*/ 539266 w 1501374"/>
+              <a:gd name="connsiteY10" fmla="*/ 0 h 1924216"/>
+            </a:gdLst>
+            <a:ahLst/>
+            <a:cxnLst>
+              <a:cxn ang="0">
+                <a:pos x="connsiteX0" y="connsiteY0"/>
+              </a:cxn>
+              <a:cxn ang="0">
+                <a:pos x="connsiteX1" y="connsiteY1"/>
+              </a:cxn>
+              <a:cxn ang="0">
+                <a:pos x="connsiteX2" y="connsiteY2"/>
+              </a:cxn>
+              <a:cxn ang="0">
+                <a:pos x="connsiteX3" y="connsiteY3"/>
+              </a:cxn>
+              <a:cxn ang="0">
+                <a:pos x="connsiteX4" y="connsiteY4"/>
+              </a:cxn>
+              <a:cxn ang="0">
+                <a:pos x="connsiteX5" y="connsiteY5"/>
+              </a:cxn>
+              <a:cxn ang="0">
+                <a:pos x="connsiteX6" y="connsiteY6"/>
+              </a:cxn>
+              <a:cxn ang="0">
+                <a:pos x="connsiteX7" y="connsiteY7"/>
+              </a:cxn>
+              <a:cxn ang="0">
+                <a:pos x="connsiteX8" y="connsiteY8"/>
+              </a:cxn>
+              <a:cxn ang="0">
+                <a:pos x="connsiteX9" y="connsiteY9"/>
+              </a:cxn>
+              <a:cxn ang="0">
+                <a:pos x="connsiteX10" y="connsiteY10"/>
+              </a:cxn>
+            </a:cxnLst>
+            <a:rect l="l" t="t" r="r" b="b"/>
+            <a:pathLst>
+              <a:path w="1501374" h="1924216">
+                <a:moveTo>
+                  <a:pt x="539266" y="0"/>
+                </a:moveTo>
+                <a:cubicBezTo>
+                  <a:pt x="1070624" y="0"/>
+                  <a:pt x="1501374" y="430750"/>
+                  <a:pt x="1501374" y="962108"/>
+                </a:cubicBezTo>
+                <a:cubicBezTo>
+                  <a:pt x="1501374" y="1493466"/>
+                  <a:pt x="1070624" y="1924216"/>
+                  <a:pt x="539266" y="1924216"/>
+                </a:cubicBezTo>
+                <a:cubicBezTo>
+                  <a:pt x="340007" y="1924216"/>
+                  <a:pt x="154896" y="1863642"/>
+                  <a:pt x="1342" y="1759903"/>
+                </a:cubicBezTo>
+                <a:lnTo>
+                  <a:pt x="0" y="1758796"/>
+                </a:lnTo>
+                <a:lnTo>
+                  <a:pt x="65011" y="1748874"/>
+                </a:lnTo>
+                <a:cubicBezTo>
+                  <a:pt x="430962" y="1673990"/>
+                  <a:pt x="706244" y="1350197"/>
+                  <a:pt x="706244" y="962108"/>
+                </a:cubicBezTo>
+                <a:cubicBezTo>
+                  <a:pt x="706244" y="574019"/>
+                  <a:pt x="430962" y="250226"/>
+                  <a:pt x="65011" y="175342"/>
+                </a:cubicBezTo>
+                <a:lnTo>
+                  <a:pt x="0" y="165420"/>
+                </a:lnTo>
+                <a:lnTo>
+                  <a:pt x="1342" y="164313"/>
+                </a:lnTo>
+                <a:cubicBezTo>
+                  <a:pt x="154896" y="60574"/>
+                  <a:pt x="340007" y="0"/>
+                  <a:pt x="539266" y="0"/>
+                </a:cubicBezTo>
+                <a:close/>
+              </a:path>
+            </a:pathLst>
+          </a:custGeom>
+          <a:solidFill>
+            <a:srgbClr val="FFF5D9"/>
+          </a:solidFill>
+          <a:ln>
+            <a:noFill/>
+          </a:ln>
+        </p:spPr>
+        <p:style>
+          <a:lnRef idx="2">
+            <a:schemeClr val="accent1">
+              <a:shade val="50000"/>
+            </a:schemeClr>
+          </a:lnRef>
+          <a:fillRef idx="1">
+            <a:schemeClr val="accent1"/>
+          </a:fillRef>
+          <a:effectRef idx="0">
+            <a:schemeClr val="accent1"/>
+          </a:effectRef>
+          <a:fontRef idx="minor">
+            <a:schemeClr val="lt1"/>
+          </a:fontRef>
+        </p:style>
+        <p:txBody>
+          <a:bodyPr rtlCol="0" anchor="ctr"/>
+          <a:lstStyle/>
+          <a:p>
+            <a:pPr algn="ctr"/>
+            <a:endParaRPr lang="ko-KR" altLang="en-US"/>
+          </a:p>
+        </p:txBody>
+      </p:sp>
+      <p:sp>
+        <p:nvSpPr>
+          <p:cNvPr id="3" name="순서도: 연결자 2"/>
+          <p:cNvSpPr/>
+          <p:nvPr/>
+        </p:nvSpPr>
+        <p:spPr>
+          <a:xfrm>
+            <a:off x="11611991" y="1206496"/>
+            <a:ext cx="190831" cy="190831"/>
+          </a:xfrm>
+          <a:prstGeom prst="flowChartConnector">
+            <a:avLst/>
+          </a:prstGeom>
+          <a:solidFill>
+            <a:srgbClr val="FFF5D9"/>
+          </a:solidFill>
+          <a:ln>
+            <a:noFill/>
+          </a:ln>
+        </p:spPr>
+        <p:style>
+          <a:lnRef idx="2">
+            <a:schemeClr val="accent1">
+              <a:shade val="50000"/>
+            </a:schemeClr>
+          </a:lnRef>
+          <a:fillRef idx="1">
+            <a:schemeClr val="accent1"/>
+          </a:fillRef>
+          <a:effectRef idx="0">
+            <a:schemeClr val="accent1"/>
+          </a:effectRef>
+          <a:fontRef idx="minor">
+            <a:schemeClr val="lt1"/>
+          </a:fontRef>
+        </p:style>
+        <p:txBody>
+          <a:bodyPr rtlCol="0" anchor="ctr"/>
+          <a:lstStyle/>
+          <a:p>
+            <a:pPr algn="ctr"/>
+            <a:endParaRPr lang="ko-KR" altLang="en-US"/>
+          </a:p>
+        </p:txBody>
+      </p:sp>
+      <p:sp>
+        <p:nvSpPr>
+          <p:cNvPr id="4" name="자유형 3"/>
+          <p:cNvSpPr/>
+          <p:nvPr/>
+        </p:nvSpPr>
+        <p:spPr>
+          <a:xfrm>
+            <a:off x="11167281" y="4988832"/>
+            <a:ext cx="635541" cy="814312"/>
+          </a:xfrm>
+          <a:custGeom>
+            <a:avLst/>
+            <a:gdLst>
+              <a:gd name="connsiteX0" fmla="*/ 601580 w 1185291"/>
+              <a:gd name="connsiteY0" fmla="*/ 0 h 1518700"/>
+              <a:gd name="connsiteX1" fmla="*/ 602381 w 1185291"/>
+              <a:gd name="connsiteY1" fmla="*/ 41 h 1518700"/>
+              <a:gd name="connsiteX2" fmla="*/ 601580 w 1185291"/>
+              <a:gd name="connsiteY2" fmla="*/ 15901 h 1518700"/>
+              <a:gd name="connsiteX3" fmla="*/ 1144063 w 1185291"/>
+              <a:gd name="connsiteY3" fmla="*/ 743832 h 1518700"/>
+              <a:gd name="connsiteX4" fmla="*/ 1185291 w 1185291"/>
+              <a:gd name="connsiteY4" fmla="*/ 751975 h 1518700"/>
+              <a:gd name="connsiteX5" fmla="*/ 1065357 w 1185291"/>
+              <a:gd name="connsiteY5" fmla="*/ 789205 h 1518700"/>
+              <a:gd name="connsiteX6" fmla="*/ 601580 w 1185291"/>
+              <a:gd name="connsiteY6" fmla="*/ 1488881 h 1518700"/>
+              <a:gd name="connsiteX7" fmla="*/ 603079 w 1185291"/>
+              <a:gd name="connsiteY7" fmla="*/ 1518558 h 1518700"/>
+              <a:gd name="connsiteX8" fmla="*/ 601580 w 1185291"/>
+              <a:gd name="connsiteY8" fmla="*/ 1518700 h 1518700"/>
+              <a:gd name="connsiteX9" fmla="*/ 599878 w 1185291"/>
+              <a:gd name="connsiteY9" fmla="*/ 1518614 h 1518700"/>
+              <a:gd name="connsiteX10" fmla="*/ 601580 w 1185291"/>
+              <a:gd name="connsiteY10" fmla="*/ 1484906 h 1518700"/>
+              <a:gd name="connsiteX11" fmla="*/ 137803 w 1185291"/>
+              <a:gd name="connsiteY11" fmla="*/ 785230 h 1518700"/>
+              <a:gd name="connsiteX12" fmla="*/ 0 w 1185291"/>
+              <a:gd name="connsiteY12" fmla="*/ 742453 h 1518700"/>
+              <a:gd name="connsiteX13" fmla="*/ 137803 w 1185291"/>
+              <a:gd name="connsiteY13" fmla="*/ 699677 h 1518700"/>
+              <a:gd name="connsiteX14" fmla="*/ 601580 w 1185291"/>
+              <a:gd name="connsiteY14" fmla="*/ 0 h 1518700"/>
+            </a:gdLst>
+            <a:ahLst/>
+            <a:cxnLst>
+              <a:cxn ang="0">
+                <a:pos x="connsiteX0" y="connsiteY0"/>
+              </a:cxn>
+              <a:cxn ang="0">
+                <a:pos x="connsiteX1" y="connsiteY1"/>
+              </a:cxn>
+              <a:cxn ang="0">
+                <a:pos x="connsiteX2" y="connsiteY2"/>
+              </a:cxn>
+              <a:cxn ang="0">
+                <a:pos x="connsiteX3" y="connsiteY3"/>
+              </a:cxn>
+              <a:cxn ang="0">
+                <a:pos x="connsiteX4" y="connsiteY4"/>
+              </a:cxn>
+              <a:cxn ang="0">
+                <a:pos x="connsiteX5" y="connsiteY5"/>
+              </a:cxn>
+              <a:cxn ang="0">
+                <a:pos x="connsiteX6" y="connsiteY6"/>
+              </a:cxn>
+              <a:cxn ang="0">
+                <a:pos x="connsiteX7" y="connsiteY7"/>
+              </a:cxn>
+              <a:cxn ang="0">
+                <a:pos x="connsiteX8" y="connsiteY8"/>
+              </a:cxn>
+              <a:cxn ang="0">
+                <a:pos x="connsiteX9" y="connsiteY9"/>
+              </a:cxn>
+              <a:cxn ang="0">
+                <a:pos x="connsiteX10" y="connsiteY10"/>
+              </a:cxn>
+              <a:cxn ang="0">
+                <a:pos x="connsiteX11" y="connsiteY11"/>
+              </a:cxn>
+              <a:cxn ang="0">
+                <a:pos x="connsiteX12" y="connsiteY12"/>
+              </a:cxn>
+              <a:cxn ang="0">
+                <a:pos x="connsiteX13" y="connsiteY13"/>
+              </a:cxn>
+              <a:cxn ang="0">
+                <a:pos x="connsiteX14" y="connsiteY14"/>
+              </a:cxn>
+            </a:cxnLst>
+            <a:rect l="l" t="t" r="r" b="b"/>
+            <a:pathLst>
+              <a:path w="1185291" h="1518700">
+                <a:moveTo>
+                  <a:pt x="601580" y="0"/>
+                </a:moveTo>
+                <a:lnTo>
+                  <a:pt x="602381" y="41"/>
+                </a:lnTo>
+                <a:lnTo>
+                  <a:pt x="601580" y="15901"/>
+                </a:lnTo>
+                <a:cubicBezTo>
+                  <a:pt x="601580" y="359921"/>
+                  <a:pt x="830352" y="650510"/>
+                  <a:pt x="1144063" y="743832"/>
+                </a:cubicBezTo>
+                <a:lnTo>
+                  <a:pt x="1185291" y="751975"/>
+                </a:lnTo>
+                <a:lnTo>
+                  <a:pt x="1065357" y="789205"/>
+                </a:lnTo>
+                <a:cubicBezTo>
+                  <a:pt x="792815" y="904480"/>
+                  <a:pt x="601580" y="1174348"/>
+                  <a:pt x="601580" y="1488881"/>
+                </a:cubicBezTo>
+                <a:lnTo>
+                  <a:pt x="603079" y="1518558"/>
+                </a:lnTo>
+                <a:lnTo>
+                  <a:pt x="601580" y="1518700"/>
+                </a:lnTo>
+                <a:lnTo>
+                  <a:pt x="599878" y="1518614"/>
+                </a:lnTo>
+                <a:lnTo>
+                  <a:pt x="601580" y="1484906"/>
+                </a:lnTo>
+                <a:cubicBezTo>
+                  <a:pt x="601580" y="1170373"/>
+                  <a:pt x="410345" y="900505"/>
+                  <a:pt x="137803" y="785230"/>
+                </a:cubicBezTo>
+                <a:lnTo>
+                  <a:pt x="0" y="742453"/>
+                </a:lnTo>
+                <a:lnTo>
+                  <a:pt x="137803" y="699677"/>
+                </a:lnTo>
+                <a:cubicBezTo>
+                  <a:pt x="410345" y="584401"/>
+                  <a:pt x="601580" y="314533"/>
+                  <a:pt x="601580" y="0"/>
+                </a:cubicBezTo>
+                <a:close/>
+              </a:path>
+            </a:pathLst>
+          </a:custGeom>
+          <a:solidFill>
+            <a:srgbClr val="FFF5D9"/>
+          </a:solidFill>
+          <a:ln>
+            <a:noFill/>
+          </a:ln>
+        </p:spPr>
+        <p:style>
+          <a:lnRef idx="2">
+            <a:schemeClr val="accent1">
+              <a:shade val="50000"/>
+            </a:schemeClr>
+          </a:lnRef>
+          <a:fillRef idx="1">
+            <a:schemeClr val="accent1"/>
+          </a:fillRef>
+          <a:effectRef idx="0">
+            <a:schemeClr val="accent1"/>
+          </a:effectRef>
+          <a:fontRef idx="minor">
+            <a:schemeClr val="lt1"/>
+          </a:fontRef>
+        </p:style>
+        <p:txBody>
+          <a:bodyPr rtlCol="0" anchor="ctr"/>
+          <a:lstStyle/>
+          <a:p>
+            <a:pPr algn="ctr"/>
+            <a:endParaRPr lang="ko-KR" altLang="en-US"/>
+          </a:p>
+        </p:txBody>
+      </p:sp>
+      <p:sp>
+        <p:nvSpPr>
+          <p:cNvPr id="5" name="포인트가 4개인 별 4"/>
+          <p:cNvSpPr/>
+          <p:nvPr/>
+        </p:nvSpPr>
+        <p:spPr>
+          <a:xfrm>
+            <a:off x="418754" y="1794426"/>
+            <a:ext cx="535832" cy="535832"/>
+          </a:xfrm>
+          <a:prstGeom prst="star4">
+            <a:avLst>
+              <a:gd name="adj" fmla="val 25487"/>
+            </a:avLst>
+          </a:prstGeom>
+          <a:solidFill>
+            <a:srgbClr val="FFF5D9"/>
+          </a:solidFill>
+          <a:ln>
+            <a:noFill/>
+          </a:ln>
+        </p:spPr>
+        <p:style>
+          <a:lnRef idx="2">
+            <a:schemeClr val="accent1">
+              <a:shade val="50000"/>
+            </a:schemeClr>
+          </a:lnRef>
+          <a:fillRef idx="1">
+            <a:schemeClr val="accent1"/>
+          </a:fillRef>
+          <a:effectRef idx="0">
+            <a:schemeClr val="accent1"/>
+          </a:effectRef>
+          <a:fontRef idx="minor">
+            <a:schemeClr val="lt1"/>
+          </a:fontRef>
+        </p:style>
+        <p:txBody>
+          <a:bodyPr rtlCol="0" anchor="ctr"/>
+          <a:lstStyle/>
+          <a:p>
+            <a:pPr algn="ctr"/>
+            <a:endParaRPr lang="ko-KR" altLang="en-US"/>
+          </a:p>
+        </p:txBody>
+      </p:sp>
+      <p:sp>
+        <p:nvSpPr>
+          <p:cNvPr id="6" name="포인트가 4개인 별 5"/>
+          <p:cNvSpPr/>
+          <p:nvPr/>
+        </p:nvSpPr>
+        <p:spPr>
+          <a:xfrm rot="2556172">
+            <a:off x="11088699" y="2903667"/>
+            <a:ext cx="435422" cy="435422"/>
+          </a:xfrm>
+          <a:prstGeom prst="star4">
+            <a:avLst>
+              <a:gd name="adj" fmla="val 25487"/>
+            </a:avLst>
+          </a:prstGeom>
+          <a:solidFill>
+            <a:srgbClr val="FFF5D9"/>
+          </a:solidFill>
+          <a:ln>
+            <a:noFill/>
+          </a:ln>
+        </p:spPr>
+        <p:style>
+          <a:lnRef idx="2">
+            <a:schemeClr val="accent1">
+              <a:shade val="50000"/>
+            </a:schemeClr>
+          </a:lnRef>
+          <a:fillRef idx="1">
+            <a:schemeClr val="accent1"/>
+          </a:fillRef>
+          <a:effectRef idx="0">
+            <a:schemeClr val="accent1"/>
+          </a:effectRef>
+          <a:fontRef idx="minor">
+            <a:schemeClr val="lt1"/>
+          </a:fontRef>
+        </p:style>
+        <p:txBody>
+          <a:bodyPr rtlCol="0" anchor="ctr"/>
+          <a:lstStyle/>
+          <a:p>
+            <a:pPr algn="ctr"/>
+            <a:endParaRPr lang="ko-KR" altLang="en-US"/>
+          </a:p>
+        </p:txBody>
+      </p:sp>
+      <p:sp>
+        <p:nvSpPr>
+          <p:cNvPr id="7" name="포인트가 4개인 별 6"/>
+          <p:cNvSpPr/>
+          <p:nvPr/>
+        </p:nvSpPr>
+        <p:spPr>
+          <a:xfrm rot="1800000">
+            <a:off x="9779589" y="6214456"/>
+            <a:ext cx="406400" cy="406400"/>
+          </a:xfrm>
+          <a:prstGeom prst="star4">
+            <a:avLst/>
+          </a:prstGeom>
+          <a:solidFill>
+            <a:srgbClr val="FFF5D9"/>
+          </a:solidFill>
+          <a:ln>
+            <a:noFill/>
+          </a:ln>
+        </p:spPr>
+        <p:style>
+          <a:lnRef idx="2">
+            <a:schemeClr val="accent1">
+              <a:shade val="50000"/>
+            </a:schemeClr>
+          </a:lnRef>
+          <a:fillRef idx="1">
+            <a:schemeClr val="accent1"/>
+          </a:fillRef>
+          <a:effectRef idx="0">
+            <a:schemeClr val="accent1"/>
+          </a:effectRef>
+          <a:fontRef idx="minor">
+            <a:schemeClr val="lt1"/>
+          </a:fontRef>
+        </p:style>
+        <p:txBody>
+          <a:bodyPr rtlCol="0" anchor="ctr"/>
+          <a:lstStyle/>
+          <a:p>
+            <a:pPr algn="ctr"/>
+            <a:endParaRPr lang="ko-KR" altLang="en-US"/>
+          </a:p>
+        </p:txBody>
+      </p:sp>
+      <p:sp>
+        <p:nvSpPr>
+          <p:cNvPr id="8" name="포인트가 4개인 별 7"/>
+          <p:cNvSpPr/>
+          <p:nvPr/>
+        </p:nvSpPr>
+        <p:spPr>
+          <a:xfrm rot="2556172">
+            <a:off x="743253" y="5026952"/>
+            <a:ext cx="335777" cy="335777"/>
+          </a:xfrm>
+          <a:prstGeom prst="star4">
+            <a:avLst>
+              <a:gd name="adj" fmla="val 15124"/>
+            </a:avLst>
+          </a:prstGeom>
+          <a:solidFill>
+            <a:srgbClr val="FFF5D9"/>
+          </a:solidFill>
+          <a:ln>
+            <a:noFill/>
+          </a:ln>
+        </p:spPr>
+        <p:style>
+          <a:lnRef idx="2">
+            <a:schemeClr val="accent1">
+              <a:shade val="50000"/>
+            </a:schemeClr>
+          </a:lnRef>
+          <a:fillRef idx="1">
+            <a:schemeClr val="accent1"/>
+          </a:fillRef>
+          <a:effectRef idx="0">
+            <a:schemeClr val="accent1"/>
+          </a:effectRef>
+          <a:fontRef idx="minor">
+            <a:schemeClr val="lt1"/>
+          </a:fontRef>
+        </p:style>
+        <p:txBody>
+          <a:bodyPr rtlCol="0" anchor="ctr"/>
+          <a:lstStyle/>
+          <a:p>
+            <a:pPr algn="ctr"/>
+            <a:endParaRPr lang="ko-KR" altLang="en-US"/>
+          </a:p>
+        </p:txBody>
+      </p:sp>
+      <p:sp>
+        <p:nvSpPr>
+          <p:cNvPr id="9" name="순서도: 연결자 8"/>
+          <p:cNvSpPr/>
+          <p:nvPr/>
+        </p:nvSpPr>
+        <p:spPr>
+          <a:xfrm>
+            <a:off x="1531822" y="6184511"/>
+            <a:ext cx="147132" cy="147132"/>
+          </a:xfrm>
+          <a:prstGeom prst="flowChartConnector">
+            <a:avLst/>
+          </a:prstGeom>
+          <a:solidFill>
+            <a:srgbClr val="FFF5D9"/>
+          </a:solidFill>
+          <a:ln>
+            <a:noFill/>
+          </a:ln>
+        </p:spPr>
+        <p:style>
+          <a:lnRef idx="2">
+            <a:schemeClr val="accent1">
+              <a:shade val="50000"/>
+            </a:schemeClr>
+          </a:lnRef>
+          <a:fillRef idx="1">
+            <a:schemeClr val="accent1"/>
+          </a:fillRef>
+          <a:effectRef idx="0">
+            <a:schemeClr val="accent1"/>
+          </a:effectRef>
+          <a:fontRef idx="minor">
+            <a:schemeClr val="lt1"/>
+          </a:fontRef>
+        </p:style>
+        <p:txBody>
+          <a:bodyPr rtlCol="0" anchor="ctr"/>
+          <a:lstStyle/>
+          <a:p>
+            <a:pPr algn="ctr"/>
+            <a:endParaRPr lang="ko-KR" altLang="en-US"/>
+          </a:p>
+        </p:txBody>
+      </p:sp>
+      <p:sp>
+        <p:nvSpPr>
+          <p:cNvPr id="10" name="순서도: 연결자 9"/>
+          <p:cNvSpPr/>
+          <p:nvPr/>
+        </p:nvSpPr>
+        <p:spPr>
+          <a:xfrm>
+            <a:off x="10774984" y="6137358"/>
+            <a:ext cx="147132" cy="147132"/>
+          </a:xfrm>
+          <a:prstGeom prst="flowChartConnector">
+            <a:avLst/>
+          </a:prstGeom>
+          <a:solidFill>
+            <a:srgbClr val="FFF5D9"/>
+          </a:solidFill>
+          <a:ln>
+            <a:noFill/>
+          </a:ln>
+        </p:spPr>
+        <p:style>
+          <a:lnRef idx="2">
+            <a:schemeClr val="accent1">
+              <a:shade val="50000"/>
+            </a:schemeClr>
+          </a:lnRef>
+          <a:fillRef idx="1">
+            <a:schemeClr val="accent1"/>
+          </a:fillRef>
+          <a:effectRef idx="0">
+            <a:schemeClr val="accent1"/>
+          </a:effectRef>
+          <a:fontRef idx="minor">
+            <a:schemeClr val="lt1"/>
+          </a:fontRef>
+        </p:style>
+        <p:txBody>
+          <a:bodyPr rtlCol="0" anchor="ctr"/>
+          <a:lstStyle/>
+          <a:p>
+            <a:pPr algn="ctr"/>
+            <a:endParaRPr lang="ko-KR" altLang="en-US"/>
+          </a:p>
+        </p:txBody>
+      </p:sp>
+      <p:sp>
+        <p:nvSpPr>
+          <p:cNvPr id="11" name="포인트가 4개인 별 10"/>
+          <p:cNvSpPr/>
+          <p:nvPr/>
+        </p:nvSpPr>
+        <p:spPr>
+          <a:xfrm>
+            <a:off x="2688236" y="6210924"/>
+            <a:ext cx="413467" cy="413467"/>
+          </a:xfrm>
+          <a:prstGeom prst="star4">
+            <a:avLst>
+              <a:gd name="adj" fmla="val 8604"/>
+            </a:avLst>
+          </a:prstGeom>
+          <a:solidFill>
+            <a:srgbClr val="FFF5D9"/>
+          </a:solidFill>
+          <a:ln>
+            <a:noFill/>
+          </a:ln>
+        </p:spPr>
+        <p:style>
+          <a:lnRef idx="2">
+            <a:schemeClr val="accent1">
+              <a:shade val="50000"/>
+            </a:schemeClr>
+          </a:lnRef>
+          <a:fillRef idx="1">
+            <a:schemeClr val="accent1"/>
+          </a:fillRef>
+          <a:effectRef idx="0">
+            <a:schemeClr val="accent1"/>
+          </a:effectRef>
+          <a:fontRef idx="minor">
+            <a:schemeClr val="lt1"/>
+          </a:fontRef>
+        </p:style>
+        <p:txBody>
+          <a:bodyPr rtlCol="0" anchor="ctr"/>
+          <a:lstStyle/>
+          <a:p>
+            <a:pPr algn="ctr"/>
+            <a:endParaRPr lang="ko-KR" altLang="en-US"/>
+          </a:p>
+        </p:txBody>
+      </p:sp>
+      <p:sp>
+        <p:nvSpPr>
+          <p:cNvPr id="12" name="포인트가 4개인 별 11"/>
+          <p:cNvSpPr/>
+          <p:nvPr/>
+        </p:nvSpPr>
+        <p:spPr>
+          <a:xfrm>
+            <a:off x="1148364" y="556169"/>
+            <a:ext cx="464838" cy="464838"/>
+          </a:xfrm>
+          <a:prstGeom prst="star4">
+            <a:avLst/>
+          </a:prstGeom>
+          <a:solidFill>
+            <a:srgbClr val="FFF5D9"/>
+          </a:solidFill>
+          <a:ln>
+            <a:noFill/>
+          </a:ln>
+        </p:spPr>
+        <p:style>
+          <a:lnRef idx="2">
+            <a:schemeClr val="accent1">
+              <a:shade val="50000"/>
+            </a:schemeClr>
+          </a:lnRef>
+          <a:fillRef idx="1">
+            <a:schemeClr val="accent1"/>
+          </a:fillRef>
+          <a:effectRef idx="0">
+            <a:schemeClr val="accent1"/>
+          </a:effectRef>
+          <a:fontRef idx="minor">
+            <a:schemeClr val="lt1"/>
+          </a:fontRef>
+        </p:style>
+        <p:txBody>
+          <a:bodyPr rtlCol="0" anchor="ctr"/>
+          <a:lstStyle/>
+          <a:p>
+            <a:pPr algn="ctr"/>
+            <a:endParaRPr lang="ko-KR" altLang="en-US"/>
+          </a:p>
+        </p:txBody>
+      </p:sp>
+      <p:sp>
+        <p:nvSpPr>
+          <p:cNvPr id="13" name="순서도: 연결자 12"/>
+          <p:cNvSpPr/>
+          <p:nvPr/>
+        </p:nvSpPr>
+        <p:spPr>
+          <a:xfrm>
+            <a:off x="2410579" y="389851"/>
+            <a:ext cx="124836" cy="124836"/>
+          </a:xfrm>
+          <a:prstGeom prst="flowChartConnector">
+            <a:avLst/>
+          </a:prstGeom>
+          <a:solidFill>
+            <a:srgbClr val="FFF5D9"/>
+          </a:solidFill>
+          <a:ln>
+            <a:noFill/>
+          </a:ln>
+        </p:spPr>
+        <p:style>
+          <a:lnRef idx="2">
+            <a:schemeClr val="accent1">
+              <a:shade val="50000"/>
+            </a:schemeClr>
+          </a:lnRef>
+          <a:fillRef idx="1">
+            <a:schemeClr val="accent1"/>
+          </a:fillRef>
+          <a:effectRef idx="0">
+            <a:schemeClr val="accent1"/>
+          </a:effectRef>
+          <a:fontRef idx="minor">
+            <a:schemeClr val="lt1"/>
+          </a:fontRef>
+        </p:style>
+        <p:txBody>
+          <a:bodyPr rtlCol="0" anchor="ctr"/>
+          <a:lstStyle/>
+          <a:p>
+            <a:pPr algn="ctr"/>
+            <a:endParaRPr lang="ko-KR" altLang="en-US"/>
+          </a:p>
+        </p:txBody>
+      </p:sp>
+      <p:sp>
+        <p:nvSpPr>
+          <p:cNvPr id="14" name="TextBox 13"/>
+          <p:cNvSpPr txBox="1"/>
+          <p:nvPr/>
+        </p:nvSpPr>
+        <p:spPr>
+          <a:xfrm>
+            <a:off x="2354198" y="326923"/>
+            <a:ext cx="7004133" cy="1169551"/>
+          </a:xfrm>
+          <a:prstGeom prst="rect">
+            <a:avLst/>
+          </a:prstGeom>
+          <a:noFill/>
+        </p:spPr>
+        <p:txBody>
+          <a:bodyPr wrap="square" rtlCol="0">
+            <a:spAutoFit/>
+          </a:bodyPr>
+          <a:lstStyle/>
+          <a:p>
+            <a:pPr algn="ctr"/>
+            <a:r>
+              <a:rPr lang="ko-KR" altLang="en-US" sz="3000" dirty="0" smtClean="0">
+                <a:solidFill>
+                  <a:srgbClr val="FFF5D9"/>
+                </a:solidFill>
+                <a:latin typeface="+mj-ea"/>
+                <a:ea typeface="+mj-ea"/>
+              </a:rPr>
+              <a:t>프로젝트 </a:t>
+            </a:r>
+            <a:r>
+              <a:rPr lang="ko-KR" altLang="en-US" sz="3000" dirty="0" err="1" smtClean="0">
+                <a:solidFill>
+                  <a:srgbClr val="FFF5D9"/>
+                </a:solidFill>
+                <a:latin typeface="+mj-ea"/>
+                <a:ea typeface="+mj-ea"/>
+              </a:rPr>
+              <a:t>수행결과</a:t>
+            </a:r>
+            <a:endParaRPr lang="en-US" altLang="ko-KR" sz="3000" dirty="0" smtClean="0">
+              <a:solidFill>
+                <a:srgbClr val="FFF5D9"/>
+              </a:solidFill>
+              <a:latin typeface="+mj-ea"/>
+              <a:ea typeface="+mj-ea"/>
+            </a:endParaRPr>
+          </a:p>
+          <a:p>
+            <a:pPr algn="ctr"/>
+            <a:r>
+              <a:rPr lang="en-US" altLang="ko-KR" sz="4000" dirty="0" smtClean="0">
+                <a:solidFill>
+                  <a:schemeClr val="bg1"/>
+                </a:solidFill>
+                <a:latin typeface="+mj-ea"/>
+                <a:ea typeface="+mj-ea"/>
+              </a:rPr>
+              <a:t>&lt; </a:t>
+            </a:r>
+            <a:r>
+              <a:rPr lang="ko-KR" altLang="en-US" sz="4000" dirty="0" smtClean="0">
+                <a:solidFill>
+                  <a:schemeClr val="bg1"/>
+                </a:solidFill>
+                <a:latin typeface="+mj-ea"/>
+                <a:ea typeface="+mj-ea"/>
+              </a:rPr>
               <a:t>검색 페이지 </a:t>
             </a:r>
             <a:r>
@@ -10548,7 +11535,7 @@
 </p:sld>
 </file>
 
-<file path=ppt/slides/slide16.xml><?xml version="1.0" encoding="utf-8"?>
+<file path=ppt/slides/slide17.xml><?xml version="1.0" encoding="utf-8"?>
 <p:sld xmlns:a="http://schemas.openxmlformats.org/drawingml/2006/main" xmlns:r="http://schemas.openxmlformats.org/officeDocument/2006/relationships" xmlns:p="http://schemas.openxmlformats.org/presentationml/2006/main">
   <p:cSld>
     <p:spTree>
@@ -11534,7 +12521,7 @@
 </p:sld>
 </file>
 
-<file path=ppt/slides/slide17.xml><?xml version="1.0" encoding="utf-8"?>
+<file path=ppt/slides/slide18.xml><?xml version="1.0" encoding="utf-8"?>
 <p:sld xmlns:a="http://schemas.openxmlformats.org/drawingml/2006/main" xmlns:r="http://schemas.openxmlformats.org/officeDocument/2006/relationships" xmlns:p="http://schemas.openxmlformats.org/presentationml/2006/main">
   <p:cSld>
     <p:spTree>
@@ -12520,7 +13507,7 @@
 </p:sld>
 </file>
 
-<file path=ppt/slides/slide18.xml><?xml version="1.0" encoding="utf-8"?>
+<file path=ppt/slides/slide19.xml><?xml version="1.0" encoding="utf-8"?>
 <p:sld xmlns:a="http://schemas.openxmlformats.org/drawingml/2006/main" xmlns:r="http://schemas.openxmlformats.org/officeDocument/2006/relationships" xmlns:p="http://schemas.openxmlformats.org/presentationml/2006/main">
   <p:cSld>
     <p:spTree>
@@ -13506,7 +14493,1807 @@
 </p:sld>
 </file>
 
-<file path=ppt/slides/slide19.xml><?xml version="1.0" encoding="utf-8"?>
+<file path=ppt/slides/slide2.xml><?xml version="1.0" encoding="utf-8"?>
+<p:sld xmlns:a="http://schemas.openxmlformats.org/drawingml/2006/main" xmlns:r="http://schemas.openxmlformats.org/officeDocument/2006/relationships" xmlns:p="http://schemas.openxmlformats.org/presentationml/2006/main">
+  <p:cSld>
+    <p:spTree>
+      <p:nvGrpSpPr>
+        <p:cNvPr id="1" name=""/>
+        <p:cNvGrpSpPr/>
+        <p:nvPr/>
+      </p:nvGrpSpPr>
+      <p:grpSpPr>
+        <a:xfrm>
+          <a:off x="0" y="0"/>
+          <a:ext cx="0" cy="0"/>
+          <a:chOff x="0" y="0"/>
+          <a:chExt cx="0" cy="0"/>
+        </a:xfrm>
+      </p:grpSpPr>
+      <p:sp>
+        <p:nvSpPr>
+          <p:cNvPr id="3" name="자유형 2"/>
+          <p:cNvSpPr/>
+          <p:nvPr/>
+        </p:nvSpPr>
+        <p:spPr>
+          <a:xfrm rot="900000">
+            <a:off x="10237761" y="444577"/>
+            <a:ext cx="930216" cy="1192199"/>
+          </a:xfrm>
+          <a:custGeom>
+            <a:avLst/>
+            <a:gdLst>
+              <a:gd name="connsiteX0" fmla="*/ 539266 w 1501374"/>
+              <a:gd name="connsiteY0" fmla="*/ 0 h 1924216"/>
+              <a:gd name="connsiteX1" fmla="*/ 1501374 w 1501374"/>
+              <a:gd name="connsiteY1" fmla="*/ 962108 h 1924216"/>
+              <a:gd name="connsiteX2" fmla="*/ 539266 w 1501374"/>
+              <a:gd name="connsiteY2" fmla="*/ 1924216 h 1924216"/>
+              <a:gd name="connsiteX3" fmla="*/ 1342 w 1501374"/>
+              <a:gd name="connsiteY3" fmla="*/ 1759903 h 1924216"/>
+              <a:gd name="connsiteX4" fmla="*/ 0 w 1501374"/>
+              <a:gd name="connsiteY4" fmla="*/ 1758796 h 1924216"/>
+              <a:gd name="connsiteX5" fmla="*/ 65011 w 1501374"/>
+              <a:gd name="connsiteY5" fmla="*/ 1748874 h 1924216"/>
+              <a:gd name="connsiteX6" fmla="*/ 706244 w 1501374"/>
+              <a:gd name="connsiteY6" fmla="*/ 962108 h 1924216"/>
+              <a:gd name="connsiteX7" fmla="*/ 65011 w 1501374"/>
+              <a:gd name="connsiteY7" fmla="*/ 175342 h 1924216"/>
+              <a:gd name="connsiteX8" fmla="*/ 0 w 1501374"/>
+              <a:gd name="connsiteY8" fmla="*/ 165420 h 1924216"/>
+              <a:gd name="connsiteX9" fmla="*/ 1342 w 1501374"/>
+              <a:gd name="connsiteY9" fmla="*/ 164313 h 1924216"/>
+              <a:gd name="connsiteX10" fmla="*/ 539266 w 1501374"/>
+              <a:gd name="connsiteY10" fmla="*/ 0 h 1924216"/>
+            </a:gdLst>
+            <a:ahLst/>
+            <a:cxnLst>
+              <a:cxn ang="0">
+                <a:pos x="connsiteX0" y="connsiteY0"/>
+              </a:cxn>
+              <a:cxn ang="0">
+                <a:pos x="connsiteX1" y="connsiteY1"/>
+              </a:cxn>
+              <a:cxn ang="0">
+                <a:pos x="connsiteX2" y="connsiteY2"/>
+              </a:cxn>
+              <a:cxn ang="0">
+                <a:pos x="connsiteX3" y="connsiteY3"/>
+              </a:cxn>
+              <a:cxn ang="0">
+                <a:pos x="connsiteX4" y="connsiteY4"/>
+              </a:cxn>
+              <a:cxn ang="0">
+                <a:pos x="connsiteX5" y="connsiteY5"/>
+              </a:cxn>
+              <a:cxn ang="0">
+                <a:pos x="connsiteX6" y="connsiteY6"/>
+              </a:cxn>
+              <a:cxn ang="0">
+                <a:pos x="connsiteX7" y="connsiteY7"/>
+              </a:cxn>
+              <a:cxn ang="0">
+                <a:pos x="connsiteX8" y="connsiteY8"/>
+              </a:cxn>
+              <a:cxn ang="0">
+                <a:pos x="connsiteX9" y="connsiteY9"/>
+              </a:cxn>
+              <a:cxn ang="0">
+                <a:pos x="connsiteX10" y="connsiteY10"/>
+              </a:cxn>
+            </a:cxnLst>
+            <a:rect l="l" t="t" r="r" b="b"/>
+            <a:pathLst>
+              <a:path w="1501374" h="1924216">
+                <a:moveTo>
+                  <a:pt x="539266" y="0"/>
+                </a:moveTo>
+                <a:cubicBezTo>
+                  <a:pt x="1070624" y="0"/>
+                  <a:pt x="1501374" y="430750"/>
+                  <a:pt x="1501374" y="962108"/>
+                </a:cubicBezTo>
+                <a:cubicBezTo>
+                  <a:pt x="1501374" y="1493466"/>
+                  <a:pt x="1070624" y="1924216"/>
+                  <a:pt x="539266" y="1924216"/>
+                </a:cubicBezTo>
+                <a:cubicBezTo>
+                  <a:pt x="340007" y="1924216"/>
+                  <a:pt x="154896" y="1863642"/>
+                  <a:pt x="1342" y="1759903"/>
+                </a:cubicBezTo>
+                <a:lnTo>
+                  <a:pt x="0" y="1758796"/>
+                </a:lnTo>
+                <a:lnTo>
+                  <a:pt x="65011" y="1748874"/>
+                </a:lnTo>
+                <a:cubicBezTo>
+                  <a:pt x="430962" y="1673990"/>
+                  <a:pt x="706244" y="1350197"/>
+                  <a:pt x="706244" y="962108"/>
+                </a:cubicBezTo>
+                <a:cubicBezTo>
+                  <a:pt x="706244" y="574019"/>
+                  <a:pt x="430962" y="250226"/>
+                  <a:pt x="65011" y="175342"/>
+                </a:cubicBezTo>
+                <a:lnTo>
+                  <a:pt x="0" y="165420"/>
+                </a:lnTo>
+                <a:lnTo>
+                  <a:pt x="1342" y="164313"/>
+                </a:lnTo>
+                <a:cubicBezTo>
+                  <a:pt x="154896" y="60574"/>
+                  <a:pt x="340007" y="0"/>
+                  <a:pt x="539266" y="0"/>
+                </a:cubicBezTo>
+                <a:close/>
+              </a:path>
+            </a:pathLst>
+          </a:custGeom>
+          <a:solidFill>
+            <a:srgbClr val="FFF5D9"/>
+          </a:solidFill>
+          <a:ln>
+            <a:noFill/>
+          </a:ln>
+        </p:spPr>
+        <p:style>
+          <a:lnRef idx="2">
+            <a:schemeClr val="accent1">
+              <a:shade val="50000"/>
+            </a:schemeClr>
+          </a:lnRef>
+          <a:fillRef idx="1">
+            <a:schemeClr val="accent1"/>
+          </a:fillRef>
+          <a:effectRef idx="0">
+            <a:schemeClr val="accent1"/>
+          </a:effectRef>
+          <a:fontRef idx="minor">
+            <a:schemeClr val="lt1"/>
+          </a:fontRef>
+        </p:style>
+        <p:txBody>
+          <a:bodyPr rtlCol="0" anchor="ctr"/>
+          <a:lstStyle/>
+          <a:p>
+            <a:pPr algn="ctr"/>
+            <a:endParaRPr lang="ko-KR" altLang="en-US"/>
+          </a:p>
+        </p:txBody>
+      </p:sp>
+      <p:sp>
+        <p:nvSpPr>
+          <p:cNvPr id="4" name="순서도: 연결자 3"/>
+          <p:cNvSpPr/>
+          <p:nvPr/>
+        </p:nvSpPr>
+        <p:spPr>
+          <a:xfrm>
+            <a:off x="11611991" y="1206496"/>
+            <a:ext cx="190831" cy="190831"/>
+          </a:xfrm>
+          <a:prstGeom prst="flowChartConnector">
+            <a:avLst/>
+          </a:prstGeom>
+          <a:solidFill>
+            <a:srgbClr val="FFF5D9"/>
+          </a:solidFill>
+          <a:ln>
+            <a:noFill/>
+          </a:ln>
+        </p:spPr>
+        <p:style>
+          <a:lnRef idx="2">
+            <a:schemeClr val="accent1">
+              <a:shade val="50000"/>
+            </a:schemeClr>
+          </a:lnRef>
+          <a:fillRef idx="1">
+            <a:schemeClr val="accent1"/>
+          </a:fillRef>
+          <a:effectRef idx="0">
+            <a:schemeClr val="accent1"/>
+          </a:effectRef>
+          <a:fontRef idx="minor">
+            <a:schemeClr val="lt1"/>
+          </a:fontRef>
+        </p:style>
+        <p:txBody>
+          <a:bodyPr rtlCol="0" anchor="ctr"/>
+          <a:lstStyle/>
+          <a:p>
+            <a:pPr algn="ctr"/>
+            <a:endParaRPr lang="ko-KR" altLang="en-US"/>
+          </a:p>
+        </p:txBody>
+      </p:sp>
+      <p:sp>
+        <p:nvSpPr>
+          <p:cNvPr id="5" name="자유형 4"/>
+          <p:cNvSpPr/>
+          <p:nvPr/>
+        </p:nvSpPr>
+        <p:spPr>
+          <a:xfrm>
+            <a:off x="4861619" y="458957"/>
+            <a:ext cx="409577" cy="524787"/>
+          </a:xfrm>
+          <a:custGeom>
+            <a:avLst/>
+            <a:gdLst>
+              <a:gd name="connsiteX0" fmla="*/ 601580 w 1185291"/>
+              <a:gd name="connsiteY0" fmla="*/ 0 h 1518700"/>
+              <a:gd name="connsiteX1" fmla="*/ 602381 w 1185291"/>
+              <a:gd name="connsiteY1" fmla="*/ 41 h 1518700"/>
+              <a:gd name="connsiteX2" fmla="*/ 601580 w 1185291"/>
+              <a:gd name="connsiteY2" fmla="*/ 15901 h 1518700"/>
+              <a:gd name="connsiteX3" fmla="*/ 1144063 w 1185291"/>
+              <a:gd name="connsiteY3" fmla="*/ 743832 h 1518700"/>
+              <a:gd name="connsiteX4" fmla="*/ 1185291 w 1185291"/>
+              <a:gd name="connsiteY4" fmla="*/ 751975 h 1518700"/>
+              <a:gd name="connsiteX5" fmla="*/ 1065357 w 1185291"/>
+              <a:gd name="connsiteY5" fmla="*/ 789205 h 1518700"/>
+              <a:gd name="connsiteX6" fmla="*/ 601580 w 1185291"/>
+              <a:gd name="connsiteY6" fmla="*/ 1488881 h 1518700"/>
+              <a:gd name="connsiteX7" fmla="*/ 603079 w 1185291"/>
+              <a:gd name="connsiteY7" fmla="*/ 1518558 h 1518700"/>
+              <a:gd name="connsiteX8" fmla="*/ 601580 w 1185291"/>
+              <a:gd name="connsiteY8" fmla="*/ 1518700 h 1518700"/>
+              <a:gd name="connsiteX9" fmla="*/ 599878 w 1185291"/>
+              <a:gd name="connsiteY9" fmla="*/ 1518614 h 1518700"/>
+              <a:gd name="connsiteX10" fmla="*/ 601580 w 1185291"/>
+              <a:gd name="connsiteY10" fmla="*/ 1484906 h 1518700"/>
+              <a:gd name="connsiteX11" fmla="*/ 137803 w 1185291"/>
+              <a:gd name="connsiteY11" fmla="*/ 785230 h 1518700"/>
+              <a:gd name="connsiteX12" fmla="*/ 0 w 1185291"/>
+              <a:gd name="connsiteY12" fmla="*/ 742453 h 1518700"/>
+              <a:gd name="connsiteX13" fmla="*/ 137803 w 1185291"/>
+              <a:gd name="connsiteY13" fmla="*/ 699677 h 1518700"/>
+              <a:gd name="connsiteX14" fmla="*/ 601580 w 1185291"/>
+              <a:gd name="connsiteY14" fmla="*/ 0 h 1518700"/>
+            </a:gdLst>
+            <a:ahLst/>
+            <a:cxnLst>
+              <a:cxn ang="0">
+                <a:pos x="connsiteX0" y="connsiteY0"/>
+              </a:cxn>
+              <a:cxn ang="0">
+                <a:pos x="connsiteX1" y="connsiteY1"/>
+              </a:cxn>
+              <a:cxn ang="0">
+                <a:pos x="connsiteX2" y="connsiteY2"/>
+              </a:cxn>
+              <a:cxn ang="0">
+                <a:pos x="connsiteX3" y="connsiteY3"/>
+              </a:cxn>
+              <a:cxn ang="0">
+                <a:pos x="connsiteX4" y="connsiteY4"/>
+              </a:cxn>
+              <a:cxn ang="0">
+                <a:pos x="connsiteX5" y="connsiteY5"/>
+              </a:cxn>
+              <a:cxn ang="0">
+                <a:pos x="connsiteX6" y="connsiteY6"/>
+              </a:cxn>
+              <a:cxn ang="0">
+                <a:pos x="connsiteX7" y="connsiteY7"/>
+              </a:cxn>
+              <a:cxn ang="0">
+                <a:pos x="connsiteX8" y="connsiteY8"/>
+              </a:cxn>
+              <a:cxn ang="0">
+                <a:pos x="connsiteX9" y="connsiteY9"/>
+              </a:cxn>
+              <a:cxn ang="0">
+                <a:pos x="connsiteX10" y="connsiteY10"/>
+              </a:cxn>
+              <a:cxn ang="0">
+                <a:pos x="connsiteX11" y="connsiteY11"/>
+              </a:cxn>
+              <a:cxn ang="0">
+                <a:pos x="connsiteX12" y="connsiteY12"/>
+              </a:cxn>
+              <a:cxn ang="0">
+                <a:pos x="connsiteX13" y="connsiteY13"/>
+              </a:cxn>
+              <a:cxn ang="0">
+                <a:pos x="connsiteX14" y="connsiteY14"/>
+              </a:cxn>
+            </a:cxnLst>
+            <a:rect l="l" t="t" r="r" b="b"/>
+            <a:pathLst>
+              <a:path w="1185291" h="1518700">
+                <a:moveTo>
+                  <a:pt x="601580" y="0"/>
+                </a:moveTo>
+                <a:lnTo>
+                  <a:pt x="602381" y="41"/>
+                </a:lnTo>
+                <a:lnTo>
+                  <a:pt x="601580" y="15901"/>
+                </a:lnTo>
+                <a:cubicBezTo>
+                  <a:pt x="601580" y="359921"/>
+                  <a:pt x="830352" y="650510"/>
+                  <a:pt x="1144063" y="743832"/>
+                </a:cubicBezTo>
+                <a:lnTo>
+                  <a:pt x="1185291" y="751975"/>
+                </a:lnTo>
+                <a:lnTo>
+                  <a:pt x="1065357" y="789205"/>
+                </a:lnTo>
+                <a:cubicBezTo>
+                  <a:pt x="792815" y="904480"/>
+                  <a:pt x="601580" y="1174348"/>
+                  <a:pt x="601580" y="1488881"/>
+                </a:cubicBezTo>
+                <a:lnTo>
+                  <a:pt x="603079" y="1518558"/>
+                </a:lnTo>
+                <a:lnTo>
+                  <a:pt x="601580" y="1518700"/>
+                </a:lnTo>
+                <a:lnTo>
+                  <a:pt x="599878" y="1518614"/>
+                </a:lnTo>
+                <a:lnTo>
+                  <a:pt x="601580" y="1484906"/>
+                </a:lnTo>
+                <a:cubicBezTo>
+                  <a:pt x="601580" y="1170373"/>
+                  <a:pt x="410345" y="900505"/>
+                  <a:pt x="137803" y="785230"/>
+                </a:cubicBezTo>
+                <a:lnTo>
+                  <a:pt x="0" y="742453"/>
+                </a:lnTo>
+                <a:lnTo>
+                  <a:pt x="137803" y="699677"/>
+                </a:lnTo>
+                <a:cubicBezTo>
+                  <a:pt x="410345" y="584401"/>
+                  <a:pt x="601580" y="314533"/>
+                  <a:pt x="601580" y="0"/>
+                </a:cubicBezTo>
+                <a:close/>
+              </a:path>
+            </a:pathLst>
+          </a:custGeom>
+          <a:solidFill>
+            <a:srgbClr val="FFF5D9"/>
+          </a:solidFill>
+          <a:ln>
+            <a:noFill/>
+          </a:ln>
+        </p:spPr>
+        <p:style>
+          <a:lnRef idx="2">
+            <a:schemeClr val="accent1">
+              <a:shade val="50000"/>
+            </a:schemeClr>
+          </a:lnRef>
+          <a:fillRef idx="1">
+            <a:schemeClr val="accent1"/>
+          </a:fillRef>
+          <a:effectRef idx="0">
+            <a:schemeClr val="accent1"/>
+          </a:effectRef>
+          <a:fontRef idx="minor">
+            <a:schemeClr val="lt1"/>
+          </a:fontRef>
+        </p:style>
+        <p:txBody>
+          <a:bodyPr rtlCol="0" anchor="ctr"/>
+          <a:lstStyle/>
+          <a:p>
+            <a:pPr algn="ctr"/>
+            <a:endParaRPr lang="ko-KR" altLang="en-US"/>
+          </a:p>
+        </p:txBody>
+      </p:sp>
+      <p:sp>
+        <p:nvSpPr>
+          <p:cNvPr id="7" name="포인트가 4개인 별 6"/>
+          <p:cNvSpPr/>
+          <p:nvPr/>
+        </p:nvSpPr>
+        <p:spPr>
+          <a:xfrm>
+            <a:off x="418754" y="1794426"/>
+            <a:ext cx="535832" cy="535832"/>
+          </a:xfrm>
+          <a:prstGeom prst="star4">
+            <a:avLst>
+              <a:gd name="adj" fmla="val 25487"/>
+            </a:avLst>
+          </a:prstGeom>
+          <a:solidFill>
+            <a:srgbClr val="FFF5D9"/>
+          </a:solidFill>
+          <a:ln>
+            <a:noFill/>
+          </a:ln>
+        </p:spPr>
+        <p:style>
+          <a:lnRef idx="2">
+            <a:schemeClr val="accent1">
+              <a:shade val="50000"/>
+            </a:schemeClr>
+          </a:lnRef>
+          <a:fillRef idx="1">
+            <a:schemeClr val="accent1"/>
+          </a:fillRef>
+          <a:effectRef idx="0">
+            <a:schemeClr val="accent1"/>
+          </a:effectRef>
+          <a:fontRef idx="minor">
+            <a:schemeClr val="lt1"/>
+          </a:fontRef>
+        </p:style>
+        <p:txBody>
+          <a:bodyPr rtlCol="0" anchor="ctr"/>
+          <a:lstStyle/>
+          <a:p>
+            <a:pPr algn="ctr"/>
+            <a:endParaRPr lang="ko-KR" altLang="en-US"/>
+          </a:p>
+        </p:txBody>
+      </p:sp>
+      <p:sp>
+        <p:nvSpPr>
+          <p:cNvPr id="8" name="포인트가 4개인 별 7"/>
+          <p:cNvSpPr/>
+          <p:nvPr/>
+        </p:nvSpPr>
+        <p:spPr>
+          <a:xfrm rot="2556172">
+            <a:off x="11088699" y="2903667"/>
+            <a:ext cx="435422" cy="435422"/>
+          </a:xfrm>
+          <a:prstGeom prst="star4">
+            <a:avLst>
+              <a:gd name="adj" fmla="val 25487"/>
+            </a:avLst>
+          </a:prstGeom>
+          <a:solidFill>
+            <a:srgbClr val="FFF5D9"/>
+          </a:solidFill>
+          <a:ln>
+            <a:noFill/>
+          </a:ln>
+        </p:spPr>
+        <p:style>
+          <a:lnRef idx="2">
+            <a:schemeClr val="accent1">
+              <a:shade val="50000"/>
+            </a:schemeClr>
+          </a:lnRef>
+          <a:fillRef idx="1">
+            <a:schemeClr val="accent1"/>
+          </a:fillRef>
+          <a:effectRef idx="0">
+            <a:schemeClr val="accent1"/>
+          </a:effectRef>
+          <a:fontRef idx="minor">
+            <a:schemeClr val="lt1"/>
+          </a:fontRef>
+        </p:style>
+        <p:txBody>
+          <a:bodyPr rtlCol="0" anchor="ctr"/>
+          <a:lstStyle/>
+          <a:p>
+            <a:pPr algn="ctr"/>
+            <a:endParaRPr lang="ko-KR" altLang="en-US"/>
+          </a:p>
+        </p:txBody>
+      </p:sp>
+      <p:sp>
+        <p:nvSpPr>
+          <p:cNvPr id="9" name="포인트가 4개인 별 8"/>
+          <p:cNvSpPr/>
+          <p:nvPr/>
+        </p:nvSpPr>
+        <p:spPr>
+          <a:xfrm rot="1800000">
+            <a:off x="9779589" y="6214456"/>
+            <a:ext cx="406400" cy="406400"/>
+          </a:xfrm>
+          <a:prstGeom prst="star4">
+            <a:avLst/>
+          </a:prstGeom>
+          <a:solidFill>
+            <a:srgbClr val="FFF5D9"/>
+          </a:solidFill>
+          <a:ln>
+            <a:noFill/>
+          </a:ln>
+        </p:spPr>
+        <p:style>
+          <a:lnRef idx="2">
+            <a:schemeClr val="accent1">
+              <a:shade val="50000"/>
+            </a:schemeClr>
+          </a:lnRef>
+          <a:fillRef idx="1">
+            <a:schemeClr val="accent1"/>
+          </a:fillRef>
+          <a:effectRef idx="0">
+            <a:schemeClr val="accent1"/>
+          </a:effectRef>
+          <a:fontRef idx="minor">
+            <a:schemeClr val="lt1"/>
+          </a:fontRef>
+        </p:style>
+        <p:txBody>
+          <a:bodyPr rtlCol="0" anchor="ctr"/>
+          <a:lstStyle/>
+          <a:p>
+            <a:pPr algn="ctr"/>
+            <a:endParaRPr lang="ko-KR" altLang="en-US"/>
+          </a:p>
+        </p:txBody>
+      </p:sp>
+      <p:sp>
+        <p:nvSpPr>
+          <p:cNvPr id="10" name="TextBox 9"/>
+          <p:cNvSpPr txBox="1"/>
+          <p:nvPr/>
+        </p:nvSpPr>
+        <p:spPr>
+          <a:xfrm>
+            <a:off x="4358306" y="259686"/>
+            <a:ext cx="3459328" cy="923330"/>
+          </a:xfrm>
+          <a:prstGeom prst="rect">
+            <a:avLst/>
+          </a:prstGeom>
+          <a:noFill/>
+        </p:spPr>
+        <p:txBody>
+          <a:bodyPr wrap="square" rtlCol="0">
+            <a:spAutoFit/>
+          </a:bodyPr>
+          <a:lstStyle/>
+          <a:p>
+            <a:pPr algn="ctr"/>
+            <a:r>
+              <a:rPr lang="ko-KR" altLang="en-US" sz="5400" dirty="0" smtClean="0">
+                <a:solidFill>
+                  <a:srgbClr val="FFF5D9"/>
+                </a:solidFill>
+                <a:latin typeface="+mj-ea"/>
+                <a:ea typeface="+mj-ea"/>
+              </a:rPr>
+              <a:t>목차</a:t>
+            </a:r>
+            <a:endParaRPr lang="ko-KR" altLang="en-US" sz="5400" dirty="0">
+              <a:solidFill>
+                <a:schemeClr val="bg1"/>
+              </a:solidFill>
+              <a:latin typeface="+mj-ea"/>
+              <a:ea typeface="+mj-ea"/>
+            </a:endParaRPr>
+          </a:p>
+        </p:txBody>
+      </p:sp>
+      <p:sp>
+        <p:nvSpPr>
+          <p:cNvPr id="11" name="포인트가 4개인 별 10"/>
+          <p:cNvSpPr/>
+          <p:nvPr/>
+        </p:nvSpPr>
+        <p:spPr>
+          <a:xfrm rot="2556172">
+            <a:off x="743253" y="5026952"/>
+            <a:ext cx="335777" cy="335777"/>
+          </a:xfrm>
+          <a:prstGeom prst="star4">
+            <a:avLst>
+              <a:gd name="adj" fmla="val 15124"/>
+            </a:avLst>
+          </a:prstGeom>
+          <a:solidFill>
+            <a:srgbClr val="FFF5D9"/>
+          </a:solidFill>
+          <a:ln>
+            <a:noFill/>
+          </a:ln>
+        </p:spPr>
+        <p:style>
+          <a:lnRef idx="2">
+            <a:schemeClr val="accent1">
+              <a:shade val="50000"/>
+            </a:schemeClr>
+          </a:lnRef>
+          <a:fillRef idx="1">
+            <a:schemeClr val="accent1"/>
+          </a:fillRef>
+          <a:effectRef idx="0">
+            <a:schemeClr val="accent1"/>
+          </a:effectRef>
+          <a:fontRef idx="minor">
+            <a:schemeClr val="lt1"/>
+          </a:fontRef>
+        </p:style>
+        <p:txBody>
+          <a:bodyPr rtlCol="0" anchor="ctr"/>
+          <a:lstStyle/>
+          <a:p>
+            <a:pPr algn="ctr"/>
+            <a:endParaRPr lang="ko-KR" altLang="en-US"/>
+          </a:p>
+        </p:txBody>
+      </p:sp>
+      <p:sp>
+        <p:nvSpPr>
+          <p:cNvPr id="12" name="순서도: 연결자 11"/>
+          <p:cNvSpPr/>
+          <p:nvPr/>
+        </p:nvSpPr>
+        <p:spPr>
+          <a:xfrm>
+            <a:off x="1531822" y="6184511"/>
+            <a:ext cx="147132" cy="147132"/>
+          </a:xfrm>
+          <a:prstGeom prst="flowChartConnector">
+            <a:avLst/>
+          </a:prstGeom>
+          <a:solidFill>
+            <a:srgbClr val="FFF5D9"/>
+          </a:solidFill>
+          <a:ln>
+            <a:noFill/>
+          </a:ln>
+        </p:spPr>
+        <p:style>
+          <a:lnRef idx="2">
+            <a:schemeClr val="accent1">
+              <a:shade val="50000"/>
+            </a:schemeClr>
+          </a:lnRef>
+          <a:fillRef idx="1">
+            <a:schemeClr val="accent1"/>
+          </a:fillRef>
+          <a:effectRef idx="0">
+            <a:schemeClr val="accent1"/>
+          </a:effectRef>
+          <a:fontRef idx="minor">
+            <a:schemeClr val="lt1"/>
+          </a:fontRef>
+        </p:style>
+        <p:txBody>
+          <a:bodyPr rtlCol="0" anchor="ctr"/>
+          <a:lstStyle/>
+          <a:p>
+            <a:pPr algn="ctr"/>
+            <a:endParaRPr lang="ko-KR" altLang="en-US"/>
+          </a:p>
+        </p:txBody>
+      </p:sp>
+      <p:sp>
+        <p:nvSpPr>
+          <p:cNvPr id="13" name="순서도: 연결자 12"/>
+          <p:cNvSpPr/>
+          <p:nvPr/>
+        </p:nvSpPr>
+        <p:spPr>
+          <a:xfrm>
+            <a:off x="10774984" y="6137358"/>
+            <a:ext cx="147132" cy="147132"/>
+          </a:xfrm>
+          <a:prstGeom prst="flowChartConnector">
+            <a:avLst/>
+          </a:prstGeom>
+          <a:solidFill>
+            <a:srgbClr val="FFF5D9"/>
+          </a:solidFill>
+          <a:ln>
+            <a:noFill/>
+          </a:ln>
+        </p:spPr>
+        <p:style>
+          <a:lnRef idx="2">
+            <a:schemeClr val="accent1">
+              <a:shade val="50000"/>
+            </a:schemeClr>
+          </a:lnRef>
+          <a:fillRef idx="1">
+            <a:schemeClr val="accent1"/>
+          </a:fillRef>
+          <a:effectRef idx="0">
+            <a:schemeClr val="accent1"/>
+          </a:effectRef>
+          <a:fontRef idx="minor">
+            <a:schemeClr val="lt1"/>
+          </a:fontRef>
+        </p:style>
+        <p:txBody>
+          <a:bodyPr rtlCol="0" anchor="ctr"/>
+          <a:lstStyle/>
+          <a:p>
+            <a:pPr algn="ctr"/>
+            <a:endParaRPr lang="ko-KR" altLang="en-US"/>
+          </a:p>
+        </p:txBody>
+      </p:sp>
+      <p:sp>
+        <p:nvSpPr>
+          <p:cNvPr id="14" name="자유형 13"/>
+          <p:cNvSpPr/>
+          <p:nvPr/>
+        </p:nvSpPr>
+        <p:spPr>
+          <a:xfrm>
+            <a:off x="6902370" y="458956"/>
+            <a:ext cx="409577" cy="524787"/>
+          </a:xfrm>
+          <a:custGeom>
+            <a:avLst/>
+            <a:gdLst>
+              <a:gd name="connsiteX0" fmla="*/ 601580 w 1185291"/>
+              <a:gd name="connsiteY0" fmla="*/ 0 h 1518700"/>
+              <a:gd name="connsiteX1" fmla="*/ 602381 w 1185291"/>
+              <a:gd name="connsiteY1" fmla="*/ 41 h 1518700"/>
+              <a:gd name="connsiteX2" fmla="*/ 601580 w 1185291"/>
+              <a:gd name="connsiteY2" fmla="*/ 15901 h 1518700"/>
+              <a:gd name="connsiteX3" fmla="*/ 1144063 w 1185291"/>
+              <a:gd name="connsiteY3" fmla="*/ 743832 h 1518700"/>
+              <a:gd name="connsiteX4" fmla="*/ 1185291 w 1185291"/>
+              <a:gd name="connsiteY4" fmla="*/ 751975 h 1518700"/>
+              <a:gd name="connsiteX5" fmla="*/ 1065357 w 1185291"/>
+              <a:gd name="connsiteY5" fmla="*/ 789205 h 1518700"/>
+              <a:gd name="connsiteX6" fmla="*/ 601580 w 1185291"/>
+              <a:gd name="connsiteY6" fmla="*/ 1488881 h 1518700"/>
+              <a:gd name="connsiteX7" fmla="*/ 603079 w 1185291"/>
+              <a:gd name="connsiteY7" fmla="*/ 1518558 h 1518700"/>
+              <a:gd name="connsiteX8" fmla="*/ 601580 w 1185291"/>
+              <a:gd name="connsiteY8" fmla="*/ 1518700 h 1518700"/>
+              <a:gd name="connsiteX9" fmla="*/ 599878 w 1185291"/>
+              <a:gd name="connsiteY9" fmla="*/ 1518614 h 1518700"/>
+              <a:gd name="connsiteX10" fmla="*/ 601580 w 1185291"/>
+              <a:gd name="connsiteY10" fmla="*/ 1484906 h 1518700"/>
+              <a:gd name="connsiteX11" fmla="*/ 137803 w 1185291"/>
+              <a:gd name="connsiteY11" fmla="*/ 785230 h 1518700"/>
+              <a:gd name="connsiteX12" fmla="*/ 0 w 1185291"/>
+              <a:gd name="connsiteY12" fmla="*/ 742453 h 1518700"/>
+              <a:gd name="connsiteX13" fmla="*/ 137803 w 1185291"/>
+              <a:gd name="connsiteY13" fmla="*/ 699677 h 1518700"/>
+              <a:gd name="connsiteX14" fmla="*/ 601580 w 1185291"/>
+              <a:gd name="connsiteY14" fmla="*/ 0 h 1518700"/>
+            </a:gdLst>
+            <a:ahLst/>
+            <a:cxnLst>
+              <a:cxn ang="0">
+                <a:pos x="connsiteX0" y="connsiteY0"/>
+              </a:cxn>
+              <a:cxn ang="0">
+                <a:pos x="connsiteX1" y="connsiteY1"/>
+              </a:cxn>
+              <a:cxn ang="0">
+                <a:pos x="connsiteX2" y="connsiteY2"/>
+              </a:cxn>
+              <a:cxn ang="0">
+                <a:pos x="connsiteX3" y="connsiteY3"/>
+              </a:cxn>
+              <a:cxn ang="0">
+                <a:pos x="connsiteX4" y="connsiteY4"/>
+              </a:cxn>
+              <a:cxn ang="0">
+                <a:pos x="connsiteX5" y="connsiteY5"/>
+              </a:cxn>
+              <a:cxn ang="0">
+                <a:pos x="connsiteX6" y="connsiteY6"/>
+              </a:cxn>
+              <a:cxn ang="0">
+                <a:pos x="connsiteX7" y="connsiteY7"/>
+              </a:cxn>
+              <a:cxn ang="0">
+                <a:pos x="connsiteX8" y="connsiteY8"/>
+              </a:cxn>
+              <a:cxn ang="0">
+                <a:pos x="connsiteX9" y="connsiteY9"/>
+              </a:cxn>
+              <a:cxn ang="0">
+                <a:pos x="connsiteX10" y="connsiteY10"/>
+              </a:cxn>
+              <a:cxn ang="0">
+                <a:pos x="connsiteX11" y="connsiteY11"/>
+              </a:cxn>
+              <a:cxn ang="0">
+                <a:pos x="connsiteX12" y="connsiteY12"/>
+              </a:cxn>
+              <a:cxn ang="0">
+                <a:pos x="connsiteX13" y="connsiteY13"/>
+              </a:cxn>
+              <a:cxn ang="0">
+                <a:pos x="connsiteX14" y="connsiteY14"/>
+              </a:cxn>
+            </a:cxnLst>
+            <a:rect l="l" t="t" r="r" b="b"/>
+            <a:pathLst>
+              <a:path w="1185291" h="1518700">
+                <a:moveTo>
+                  <a:pt x="601580" y="0"/>
+                </a:moveTo>
+                <a:lnTo>
+                  <a:pt x="602381" y="41"/>
+                </a:lnTo>
+                <a:lnTo>
+                  <a:pt x="601580" y="15901"/>
+                </a:lnTo>
+                <a:cubicBezTo>
+                  <a:pt x="601580" y="359921"/>
+                  <a:pt x="830352" y="650510"/>
+                  <a:pt x="1144063" y="743832"/>
+                </a:cubicBezTo>
+                <a:lnTo>
+                  <a:pt x="1185291" y="751975"/>
+                </a:lnTo>
+                <a:lnTo>
+                  <a:pt x="1065357" y="789205"/>
+                </a:lnTo>
+                <a:cubicBezTo>
+                  <a:pt x="792815" y="904480"/>
+                  <a:pt x="601580" y="1174348"/>
+                  <a:pt x="601580" y="1488881"/>
+                </a:cubicBezTo>
+                <a:lnTo>
+                  <a:pt x="603079" y="1518558"/>
+                </a:lnTo>
+                <a:lnTo>
+                  <a:pt x="601580" y="1518700"/>
+                </a:lnTo>
+                <a:lnTo>
+                  <a:pt x="599878" y="1518614"/>
+                </a:lnTo>
+                <a:lnTo>
+                  <a:pt x="601580" y="1484906"/>
+                </a:lnTo>
+                <a:cubicBezTo>
+                  <a:pt x="601580" y="1170373"/>
+                  <a:pt x="410345" y="900505"/>
+                  <a:pt x="137803" y="785230"/>
+                </a:cubicBezTo>
+                <a:lnTo>
+                  <a:pt x="0" y="742453"/>
+                </a:lnTo>
+                <a:lnTo>
+                  <a:pt x="137803" y="699677"/>
+                </a:lnTo>
+                <a:cubicBezTo>
+                  <a:pt x="410345" y="584401"/>
+                  <a:pt x="601580" y="314533"/>
+                  <a:pt x="601580" y="0"/>
+                </a:cubicBezTo>
+                <a:close/>
+              </a:path>
+            </a:pathLst>
+          </a:custGeom>
+          <a:solidFill>
+            <a:srgbClr val="FFF5D9"/>
+          </a:solidFill>
+          <a:ln>
+            <a:noFill/>
+          </a:ln>
+        </p:spPr>
+        <p:style>
+          <a:lnRef idx="2">
+            <a:schemeClr val="accent1">
+              <a:shade val="50000"/>
+            </a:schemeClr>
+          </a:lnRef>
+          <a:fillRef idx="1">
+            <a:schemeClr val="accent1"/>
+          </a:fillRef>
+          <a:effectRef idx="0">
+            <a:schemeClr val="accent1"/>
+          </a:effectRef>
+          <a:fontRef idx="minor">
+            <a:schemeClr val="lt1"/>
+          </a:fontRef>
+        </p:style>
+        <p:txBody>
+          <a:bodyPr rtlCol="0" anchor="ctr"/>
+          <a:lstStyle/>
+          <a:p>
+            <a:pPr algn="ctr"/>
+            <a:endParaRPr lang="ko-KR" altLang="en-US"/>
+          </a:p>
+        </p:txBody>
+      </p:sp>
+      <p:sp>
+        <p:nvSpPr>
+          <p:cNvPr id="15" name="포인트가 4개인 별 14"/>
+          <p:cNvSpPr/>
+          <p:nvPr/>
+        </p:nvSpPr>
+        <p:spPr>
+          <a:xfrm>
+            <a:off x="2688236" y="6210924"/>
+            <a:ext cx="413467" cy="413467"/>
+          </a:xfrm>
+          <a:prstGeom prst="star4">
+            <a:avLst>
+              <a:gd name="adj" fmla="val 8604"/>
+            </a:avLst>
+          </a:prstGeom>
+          <a:solidFill>
+            <a:srgbClr val="FFF5D9"/>
+          </a:solidFill>
+          <a:ln>
+            <a:noFill/>
+          </a:ln>
+        </p:spPr>
+        <p:style>
+          <a:lnRef idx="2">
+            <a:schemeClr val="accent1">
+              <a:shade val="50000"/>
+            </a:schemeClr>
+          </a:lnRef>
+          <a:fillRef idx="1">
+            <a:schemeClr val="accent1"/>
+          </a:fillRef>
+          <a:effectRef idx="0">
+            <a:schemeClr val="accent1"/>
+          </a:effectRef>
+          <a:fontRef idx="minor">
+            <a:schemeClr val="lt1"/>
+          </a:fontRef>
+        </p:style>
+        <p:txBody>
+          <a:bodyPr rtlCol="0" anchor="ctr"/>
+          <a:lstStyle/>
+          <a:p>
+            <a:pPr algn="ctr"/>
+            <a:endParaRPr lang="ko-KR" altLang="en-US"/>
+          </a:p>
+        </p:txBody>
+      </p:sp>
+      <p:sp>
+        <p:nvSpPr>
+          <p:cNvPr id="16" name="포인트가 4개인 별 15"/>
+          <p:cNvSpPr/>
+          <p:nvPr/>
+        </p:nvSpPr>
+        <p:spPr>
+          <a:xfrm>
+            <a:off x="1148364" y="556169"/>
+            <a:ext cx="464838" cy="464838"/>
+          </a:xfrm>
+          <a:prstGeom prst="star4">
+            <a:avLst/>
+          </a:prstGeom>
+          <a:solidFill>
+            <a:srgbClr val="FFF5D9"/>
+          </a:solidFill>
+          <a:ln>
+            <a:noFill/>
+          </a:ln>
+        </p:spPr>
+        <p:style>
+          <a:lnRef idx="2">
+            <a:schemeClr val="accent1">
+              <a:shade val="50000"/>
+            </a:schemeClr>
+          </a:lnRef>
+          <a:fillRef idx="1">
+            <a:schemeClr val="accent1"/>
+          </a:fillRef>
+          <a:effectRef idx="0">
+            <a:schemeClr val="accent1"/>
+          </a:effectRef>
+          <a:fontRef idx="minor">
+            <a:schemeClr val="lt1"/>
+          </a:fontRef>
+        </p:style>
+        <p:txBody>
+          <a:bodyPr rtlCol="0" anchor="ctr"/>
+          <a:lstStyle/>
+          <a:p>
+            <a:pPr algn="ctr"/>
+            <a:endParaRPr lang="ko-KR" altLang="en-US"/>
+          </a:p>
+        </p:txBody>
+      </p:sp>
+      <p:sp>
+        <p:nvSpPr>
+          <p:cNvPr id="17" name="순서도: 연결자 16"/>
+          <p:cNvSpPr/>
+          <p:nvPr/>
+        </p:nvSpPr>
+        <p:spPr>
+          <a:xfrm>
+            <a:off x="2410579" y="389851"/>
+            <a:ext cx="124836" cy="124836"/>
+          </a:xfrm>
+          <a:prstGeom prst="flowChartConnector">
+            <a:avLst/>
+          </a:prstGeom>
+          <a:solidFill>
+            <a:srgbClr val="FFF5D9"/>
+          </a:solidFill>
+          <a:ln>
+            <a:noFill/>
+          </a:ln>
+        </p:spPr>
+        <p:style>
+          <a:lnRef idx="2">
+            <a:schemeClr val="accent1">
+              <a:shade val="50000"/>
+            </a:schemeClr>
+          </a:lnRef>
+          <a:fillRef idx="1">
+            <a:schemeClr val="accent1"/>
+          </a:fillRef>
+          <a:effectRef idx="0">
+            <a:schemeClr val="accent1"/>
+          </a:effectRef>
+          <a:fontRef idx="minor">
+            <a:schemeClr val="lt1"/>
+          </a:fontRef>
+        </p:style>
+        <p:txBody>
+          <a:bodyPr rtlCol="0" anchor="ctr"/>
+          <a:lstStyle/>
+          <a:p>
+            <a:pPr algn="ctr"/>
+            <a:endParaRPr lang="ko-KR" altLang="en-US"/>
+          </a:p>
+        </p:txBody>
+      </p:sp>
+      <p:sp>
+        <p:nvSpPr>
+          <p:cNvPr id="18" name="순서도: 연결자 17"/>
+          <p:cNvSpPr/>
+          <p:nvPr/>
+        </p:nvSpPr>
+        <p:spPr>
+          <a:xfrm>
+            <a:off x="8739847" y="458956"/>
+            <a:ext cx="124836" cy="124836"/>
+          </a:xfrm>
+          <a:prstGeom prst="flowChartConnector">
+            <a:avLst/>
+          </a:prstGeom>
+          <a:solidFill>
+            <a:srgbClr val="FFF5D9"/>
+          </a:solidFill>
+          <a:ln>
+            <a:noFill/>
+          </a:ln>
+        </p:spPr>
+        <p:style>
+          <a:lnRef idx="2">
+            <a:schemeClr val="accent1">
+              <a:shade val="50000"/>
+            </a:schemeClr>
+          </a:lnRef>
+          <a:fillRef idx="1">
+            <a:schemeClr val="accent1"/>
+          </a:fillRef>
+          <a:effectRef idx="0">
+            <a:schemeClr val="accent1"/>
+          </a:effectRef>
+          <a:fontRef idx="minor">
+            <a:schemeClr val="lt1"/>
+          </a:fontRef>
+        </p:style>
+        <p:txBody>
+          <a:bodyPr rtlCol="0" anchor="ctr"/>
+          <a:lstStyle/>
+          <a:p>
+            <a:pPr algn="ctr"/>
+            <a:endParaRPr lang="ko-KR" altLang="en-US"/>
+          </a:p>
+        </p:txBody>
+      </p:sp>
+      <p:sp>
+        <p:nvSpPr>
+          <p:cNvPr id="19" name="TextBox 18"/>
+          <p:cNvSpPr txBox="1"/>
+          <p:nvPr/>
+        </p:nvSpPr>
+        <p:spPr>
+          <a:xfrm>
+            <a:off x="3787795" y="1538020"/>
+            <a:ext cx="5087869" cy="584775"/>
+          </a:xfrm>
+          <a:prstGeom prst="rect">
+            <a:avLst/>
+          </a:prstGeom>
+          <a:noFill/>
+        </p:spPr>
+        <p:txBody>
+          <a:bodyPr wrap="square" rtlCol="0">
+            <a:spAutoFit/>
+          </a:bodyPr>
+          <a:lstStyle/>
+          <a:p>
+            <a:r>
+              <a:rPr lang="ko-KR" altLang="en-US" sz="3200" dirty="0" smtClean="0">
+                <a:solidFill>
+                  <a:srgbClr val="E9E9EF"/>
+                </a:solidFill>
+                <a:latin typeface="+mn-ea"/>
+              </a:rPr>
+              <a:t>팀 구성 및 역할</a:t>
+            </a:r>
+            <a:endParaRPr lang="ko-KR" altLang="en-US" sz="3200" dirty="0">
+              <a:solidFill>
+                <a:srgbClr val="E9E9EF"/>
+              </a:solidFill>
+              <a:latin typeface="+mn-ea"/>
+            </a:endParaRPr>
+          </a:p>
+        </p:txBody>
+      </p:sp>
+      <p:sp>
+        <p:nvSpPr>
+          <p:cNvPr id="20" name="TextBox 19"/>
+          <p:cNvSpPr txBox="1"/>
+          <p:nvPr/>
+        </p:nvSpPr>
+        <p:spPr>
+          <a:xfrm>
+            <a:off x="3760319" y="2498881"/>
+            <a:ext cx="4432501" cy="584775"/>
+          </a:xfrm>
+          <a:prstGeom prst="rect">
+            <a:avLst/>
+          </a:prstGeom>
+          <a:noFill/>
+        </p:spPr>
+        <p:txBody>
+          <a:bodyPr wrap="square" rtlCol="0">
+            <a:spAutoFit/>
+          </a:bodyPr>
+          <a:lstStyle/>
+          <a:p>
+            <a:r>
+              <a:rPr lang="ko-KR" altLang="en-US" sz="3200" dirty="0" smtClean="0">
+                <a:solidFill>
+                  <a:srgbClr val="E9E9EF"/>
+                </a:solidFill>
+                <a:latin typeface="+mn-ea"/>
+              </a:rPr>
+              <a:t>프로젝트 </a:t>
+            </a:r>
+            <a:r>
+              <a:rPr lang="ko-KR" altLang="en-US" sz="3200" dirty="0">
+                <a:solidFill>
+                  <a:srgbClr val="E9E9EF"/>
+                </a:solidFill>
+                <a:latin typeface="+mn-ea"/>
+              </a:rPr>
+              <a:t>개발환경</a:t>
+            </a:r>
+          </a:p>
+        </p:txBody>
+      </p:sp>
+      <p:sp>
+        <p:nvSpPr>
+          <p:cNvPr id="21" name="TextBox 20"/>
+          <p:cNvSpPr txBox="1"/>
+          <p:nvPr/>
+        </p:nvSpPr>
+        <p:spPr>
+          <a:xfrm>
+            <a:off x="3787795" y="3494999"/>
+            <a:ext cx="4432501" cy="584775"/>
+          </a:xfrm>
+          <a:prstGeom prst="rect">
+            <a:avLst/>
+          </a:prstGeom>
+          <a:noFill/>
+        </p:spPr>
+        <p:txBody>
+          <a:bodyPr wrap="square" rtlCol="0">
+            <a:spAutoFit/>
+          </a:bodyPr>
+          <a:lstStyle/>
+          <a:p>
+            <a:r>
+              <a:rPr lang="ko-KR" altLang="en-US" sz="3200" dirty="0" smtClean="0">
+                <a:solidFill>
+                  <a:srgbClr val="E9E9EF"/>
+                </a:solidFill>
+                <a:latin typeface="+mn-ea"/>
+              </a:rPr>
+              <a:t>프로젝트 설계</a:t>
+            </a:r>
+            <a:endParaRPr lang="ko-KR" altLang="en-US" sz="3200" dirty="0">
+              <a:solidFill>
+                <a:srgbClr val="E9E9EF"/>
+              </a:solidFill>
+              <a:latin typeface="+mn-ea"/>
+            </a:endParaRPr>
+          </a:p>
+        </p:txBody>
+      </p:sp>
+      <p:sp>
+        <p:nvSpPr>
+          <p:cNvPr id="24" name="포인트가 5개인 별 23"/>
+          <p:cNvSpPr/>
+          <p:nvPr/>
+        </p:nvSpPr>
+        <p:spPr>
+          <a:xfrm>
+            <a:off x="3073415" y="1538020"/>
+            <a:ext cx="520602" cy="520602"/>
+          </a:xfrm>
+          <a:prstGeom prst="star5">
+            <a:avLst>
+              <a:gd name="adj" fmla="val 28567"/>
+              <a:gd name="hf" fmla="val 105146"/>
+              <a:gd name="vf" fmla="val 110557"/>
+            </a:avLst>
+          </a:prstGeom>
+          <a:solidFill>
+            <a:srgbClr val="C5C5D5"/>
+          </a:solidFill>
+          <a:ln>
+            <a:noFill/>
+          </a:ln>
+        </p:spPr>
+        <p:style>
+          <a:lnRef idx="2">
+            <a:schemeClr val="accent1">
+              <a:shade val="50000"/>
+            </a:schemeClr>
+          </a:lnRef>
+          <a:fillRef idx="1">
+            <a:schemeClr val="accent1"/>
+          </a:fillRef>
+          <a:effectRef idx="0">
+            <a:schemeClr val="accent1"/>
+          </a:effectRef>
+          <a:fontRef idx="minor">
+            <a:schemeClr val="lt1"/>
+          </a:fontRef>
+        </p:style>
+        <p:txBody>
+          <a:bodyPr rtlCol="0" anchor="ctr"/>
+          <a:lstStyle/>
+          <a:p>
+            <a:pPr algn="ctr"/>
+            <a:endParaRPr lang="ko-KR" altLang="en-US">
+              <a:solidFill>
+                <a:srgbClr val="C5C5D5"/>
+              </a:solidFill>
+            </a:endParaRPr>
+          </a:p>
+        </p:txBody>
+      </p:sp>
+      <p:sp>
+        <p:nvSpPr>
+          <p:cNvPr id="25" name="포인트가 5개인 별 24"/>
+          <p:cNvSpPr/>
+          <p:nvPr/>
+        </p:nvSpPr>
+        <p:spPr>
+          <a:xfrm>
+            <a:off x="3073415" y="3494998"/>
+            <a:ext cx="520602" cy="520602"/>
+          </a:xfrm>
+          <a:prstGeom prst="star5">
+            <a:avLst>
+              <a:gd name="adj" fmla="val 28567"/>
+              <a:gd name="hf" fmla="val 105146"/>
+              <a:gd name="vf" fmla="val 110557"/>
+            </a:avLst>
+          </a:prstGeom>
+          <a:solidFill>
+            <a:srgbClr val="C5C5D5"/>
+          </a:solidFill>
+          <a:ln>
+            <a:noFill/>
+          </a:ln>
+        </p:spPr>
+        <p:style>
+          <a:lnRef idx="2">
+            <a:schemeClr val="accent1">
+              <a:shade val="50000"/>
+            </a:schemeClr>
+          </a:lnRef>
+          <a:fillRef idx="1">
+            <a:schemeClr val="accent1"/>
+          </a:fillRef>
+          <a:effectRef idx="0">
+            <a:schemeClr val="accent1"/>
+          </a:effectRef>
+          <a:fontRef idx="minor">
+            <a:schemeClr val="lt1"/>
+          </a:fontRef>
+        </p:style>
+        <p:txBody>
+          <a:bodyPr rtlCol="0" anchor="ctr"/>
+          <a:lstStyle/>
+          <a:p>
+            <a:pPr algn="ctr"/>
+            <a:endParaRPr lang="ko-KR" altLang="en-US">
+              <a:solidFill>
+                <a:srgbClr val="C5C5D5"/>
+              </a:solidFill>
+            </a:endParaRPr>
+          </a:p>
+        </p:txBody>
+      </p:sp>
+      <p:sp>
+        <p:nvSpPr>
+          <p:cNvPr id="26" name="자유형 25"/>
+          <p:cNvSpPr/>
+          <p:nvPr/>
+        </p:nvSpPr>
+        <p:spPr>
+          <a:xfrm rot="900000">
+            <a:off x="3129969" y="2599046"/>
+            <a:ext cx="380019" cy="487047"/>
+          </a:xfrm>
+          <a:custGeom>
+            <a:avLst/>
+            <a:gdLst>
+              <a:gd name="connsiteX0" fmla="*/ 539266 w 1501374"/>
+              <a:gd name="connsiteY0" fmla="*/ 0 h 1924216"/>
+              <a:gd name="connsiteX1" fmla="*/ 1501374 w 1501374"/>
+              <a:gd name="connsiteY1" fmla="*/ 962108 h 1924216"/>
+              <a:gd name="connsiteX2" fmla="*/ 539266 w 1501374"/>
+              <a:gd name="connsiteY2" fmla="*/ 1924216 h 1924216"/>
+              <a:gd name="connsiteX3" fmla="*/ 1342 w 1501374"/>
+              <a:gd name="connsiteY3" fmla="*/ 1759903 h 1924216"/>
+              <a:gd name="connsiteX4" fmla="*/ 0 w 1501374"/>
+              <a:gd name="connsiteY4" fmla="*/ 1758796 h 1924216"/>
+              <a:gd name="connsiteX5" fmla="*/ 65011 w 1501374"/>
+              <a:gd name="connsiteY5" fmla="*/ 1748874 h 1924216"/>
+              <a:gd name="connsiteX6" fmla="*/ 706244 w 1501374"/>
+              <a:gd name="connsiteY6" fmla="*/ 962108 h 1924216"/>
+              <a:gd name="connsiteX7" fmla="*/ 65011 w 1501374"/>
+              <a:gd name="connsiteY7" fmla="*/ 175342 h 1924216"/>
+              <a:gd name="connsiteX8" fmla="*/ 0 w 1501374"/>
+              <a:gd name="connsiteY8" fmla="*/ 165420 h 1924216"/>
+              <a:gd name="connsiteX9" fmla="*/ 1342 w 1501374"/>
+              <a:gd name="connsiteY9" fmla="*/ 164313 h 1924216"/>
+              <a:gd name="connsiteX10" fmla="*/ 539266 w 1501374"/>
+              <a:gd name="connsiteY10" fmla="*/ 0 h 1924216"/>
+            </a:gdLst>
+            <a:ahLst/>
+            <a:cxnLst>
+              <a:cxn ang="0">
+                <a:pos x="connsiteX0" y="connsiteY0"/>
+              </a:cxn>
+              <a:cxn ang="0">
+                <a:pos x="connsiteX1" y="connsiteY1"/>
+              </a:cxn>
+              <a:cxn ang="0">
+                <a:pos x="connsiteX2" y="connsiteY2"/>
+              </a:cxn>
+              <a:cxn ang="0">
+                <a:pos x="connsiteX3" y="connsiteY3"/>
+              </a:cxn>
+              <a:cxn ang="0">
+                <a:pos x="connsiteX4" y="connsiteY4"/>
+              </a:cxn>
+              <a:cxn ang="0">
+                <a:pos x="connsiteX5" y="connsiteY5"/>
+              </a:cxn>
+              <a:cxn ang="0">
+                <a:pos x="connsiteX6" y="connsiteY6"/>
+              </a:cxn>
+              <a:cxn ang="0">
+                <a:pos x="connsiteX7" y="connsiteY7"/>
+              </a:cxn>
+              <a:cxn ang="0">
+                <a:pos x="connsiteX8" y="connsiteY8"/>
+              </a:cxn>
+              <a:cxn ang="0">
+                <a:pos x="connsiteX9" y="connsiteY9"/>
+              </a:cxn>
+              <a:cxn ang="0">
+                <a:pos x="connsiteX10" y="connsiteY10"/>
+              </a:cxn>
+            </a:cxnLst>
+            <a:rect l="l" t="t" r="r" b="b"/>
+            <a:pathLst>
+              <a:path w="1501374" h="1924216">
+                <a:moveTo>
+                  <a:pt x="539266" y="0"/>
+                </a:moveTo>
+                <a:cubicBezTo>
+                  <a:pt x="1070624" y="0"/>
+                  <a:pt x="1501374" y="430750"/>
+                  <a:pt x="1501374" y="962108"/>
+                </a:cubicBezTo>
+                <a:cubicBezTo>
+                  <a:pt x="1501374" y="1493466"/>
+                  <a:pt x="1070624" y="1924216"/>
+                  <a:pt x="539266" y="1924216"/>
+                </a:cubicBezTo>
+                <a:cubicBezTo>
+                  <a:pt x="340007" y="1924216"/>
+                  <a:pt x="154896" y="1863642"/>
+                  <a:pt x="1342" y="1759903"/>
+                </a:cubicBezTo>
+                <a:lnTo>
+                  <a:pt x="0" y="1758796"/>
+                </a:lnTo>
+                <a:lnTo>
+                  <a:pt x="65011" y="1748874"/>
+                </a:lnTo>
+                <a:cubicBezTo>
+                  <a:pt x="430962" y="1673990"/>
+                  <a:pt x="706244" y="1350197"/>
+                  <a:pt x="706244" y="962108"/>
+                </a:cubicBezTo>
+                <a:cubicBezTo>
+                  <a:pt x="706244" y="574019"/>
+                  <a:pt x="430962" y="250226"/>
+                  <a:pt x="65011" y="175342"/>
+                </a:cubicBezTo>
+                <a:lnTo>
+                  <a:pt x="0" y="165420"/>
+                </a:lnTo>
+                <a:lnTo>
+                  <a:pt x="1342" y="164313"/>
+                </a:lnTo>
+                <a:cubicBezTo>
+                  <a:pt x="154896" y="60574"/>
+                  <a:pt x="340007" y="0"/>
+                  <a:pt x="539266" y="0"/>
+                </a:cubicBezTo>
+                <a:close/>
+              </a:path>
+            </a:pathLst>
+          </a:custGeom>
+          <a:solidFill>
+            <a:srgbClr val="FFF5D9"/>
+          </a:solidFill>
+          <a:ln>
+            <a:noFill/>
+          </a:ln>
+        </p:spPr>
+        <p:style>
+          <a:lnRef idx="2">
+            <a:schemeClr val="accent1">
+              <a:shade val="50000"/>
+            </a:schemeClr>
+          </a:lnRef>
+          <a:fillRef idx="1">
+            <a:schemeClr val="accent1"/>
+          </a:fillRef>
+          <a:effectRef idx="0">
+            <a:schemeClr val="accent1"/>
+          </a:effectRef>
+          <a:fontRef idx="minor">
+            <a:schemeClr val="lt1"/>
+          </a:fontRef>
+        </p:style>
+        <p:txBody>
+          <a:bodyPr rtlCol="0" anchor="ctr"/>
+          <a:lstStyle/>
+          <a:p>
+            <a:pPr algn="ctr"/>
+            <a:endParaRPr lang="ko-KR" altLang="en-US"/>
+          </a:p>
+        </p:txBody>
+      </p:sp>
+      <p:sp>
+        <p:nvSpPr>
+          <p:cNvPr id="27" name="자유형 26"/>
+          <p:cNvSpPr/>
+          <p:nvPr/>
+        </p:nvSpPr>
+        <p:spPr>
+          <a:xfrm rot="900000">
+            <a:off x="3129969" y="4531999"/>
+            <a:ext cx="380019" cy="487047"/>
+          </a:xfrm>
+          <a:custGeom>
+            <a:avLst/>
+            <a:gdLst>
+              <a:gd name="connsiteX0" fmla="*/ 539266 w 1501374"/>
+              <a:gd name="connsiteY0" fmla="*/ 0 h 1924216"/>
+              <a:gd name="connsiteX1" fmla="*/ 1501374 w 1501374"/>
+              <a:gd name="connsiteY1" fmla="*/ 962108 h 1924216"/>
+              <a:gd name="connsiteX2" fmla="*/ 539266 w 1501374"/>
+              <a:gd name="connsiteY2" fmla="*/ 1924216 h 1924216"/>
+              <a:gd name="connsiteX3" fmla="*/ 1342 w 1501374"/>
+              <a:gd name="connsiteY3" fmla="*/ 1759903 h 1924216"/>
+              <a:gd name="connsiteX4" fmla="*/ 0 w 1501374"/>
+              <a:gd name="connsiteY4" fmla="*/ 1758796 h 1924216"/>
+              <a:gd name="connsiteX5" fmla="*/ 65011 w 1501374"/>
+              <a:gd name="connsiteY5" fmla="*/ 1748874 h 1924216"/>
+              <a:gd name="connsiteX6" fmla="*/ 706244 w 1501374"/>
+              <a:gd name="connsiteY6" fmla="*/ 962108 h 1924216"/>
+              <a:gd name="connsiteX7" fmla="*/ 65011 w 1501374"/>
+              <a:gd name="connsiteY7" fmla="*/ 175342 h 1924216"/>
+              <a:gd name="connsiteX8" fmla="*/ 0 w 1501374"/>
+              <a:gd name="connsiteY8" fmla="*/ 165420 h 1924216"/>
+              <a:gd name="connsiteX9" fmla="*/ 1342 w 1501374"/>
+              <a:gd name="connsiteY9" fmla="*/ 164313 h 1924216"/>
+              <a:gd name="connsiteX10" fmla="*/ 539266 w 1501374"/>
+              <a:gd name="connsiteY10" fmla="*/ 0 h 1924216"/>
+            </a:gdLst>
+            <a:ahLst/>
+            <a:cxnLst>
+              <a:cxn ang="0">
+                <a:pos x="connsiteX0" y="connsiteY0"/>
+              </a:cxn>
+              <a:cxn ang="0">
+                <a:pos x="connsiteX1" y="connsiteY1"/>
+              </a:cxn>
+              <a:cxn ang="0">
+                <a:pos x="connsiteX2" y="connsiteY2"/>
+              </a:cxn>
+              <a:cxn ang="0">
+                <a:pos x="connsiteX3" y="connsiteY3"/>
+              </a:cxn>
+              <a:cxn ang="0">
+                <a:pos x="connsiteX4" y="connsiteY4"/>
+              </a:cxn>
+              <a:cxn ang="0">
+                <a:pos x="connsiteX5" y="connsiteY5"/>
+              </a:cxn>
+              <a:cxn ang="0">
+                <a:pos x="connsiteX6" y="connsiteY6"/>
+              </a:cxn>
+              <a:cxn ang="0">
+                <a:pos x="connsiteX7" y="connsiteY7"/>
+              </a:cxn>
+              <a:cxn ang="0">
+                <a:pos x="connsiteX8" y="connsiteY8"/>
+              </a:cxn>
+              <a:cxn ang="0">
+                <a:pos x="connsiteX9" y="connsiteY9"/>
+              </a:cxn>
+              <a:cxn ang="0">
+                <a:pos x="connsiteX10" y="connsiteY10"/>
+              </a:cxn>
+            </a:cxnLst>
+            <a:rect l="l" t="t" r="r" b="b"/>
+            <a:pathLst>
+              <a:path w="1501374" h="1924216">
+                <a:moveTo>
+                  <a:pt x="539266" y="0"/>
+                </a:moveTo>
+                <a:cubicBezTo>
+                  <a:pt x="1070624" y="0"/>
+                  <a:pt x="1501374" y="430750"/>
+                  <a:pt x="1501374" y="962108"/>
+                </a:cubicBezTo>
+                <a:cubicBezTo>
+                  <a:pt x="1501374" y="1493466"/>
+                  <a:pt x="1070624" y="1924216"/>
+                  <a:pt x="539266" y="1924216"/>
+                </a:cubicBezTo>
+                <a:cubicBezTo>
+                  <a:pt x="340007" y="1924216"/>
+                  <a:pt x="154896" y="1863642"/>
+                  <a:pt x="1342" y="1759903"/>
+                </a:cubicBezTo>
+                <a:lnTo>
+                  <a:pt x="0" y="1758796"/>
+                </a:lnTo>
+                <a:lnTo>
+                  <a:pt x="65011" y="1748874"/>
+                </a:lnTo>
+                <a:cubicBezTo>
+                  <a:pt x="430962" y="1673990"/>
+                  <a:pt x="706244" y="1350197"/>
+                  <a:pt x="706244" y="962108"/>
+                </a:cubicBezTo>
+                <a:cubicBezTo>
+                  <a:pt x="706244" y="574019"/>
+                  <a:pt x="430962" y="250226"/>
+                  <a:pt x="65011" y="175342"/>
+                </a:cubicBezTo>
+                <a:lnTo>
+                  <a:pt x="0" y="165420"/>
+                </a:lnTo>
+                <a:lnTo>
+                  <a:pt x="1342" y="164313"/>
+                </a:lnTo>
+                <a:cubicBezTo>
+                  <a:pt x="154896" y="60574"/>
+                  <a:pt x="340007" y="0"/>
+                  <a:pt x="539266" y="0"/>
+                </a:cubicBezTo>
+                <a:close/>
+              </a:path>
+            </a:pathLst>
+          </a:custGeom>
+          <a:solidFill>
+            <a:srgbClr val="FFF5D9"/>
+          </a:solidFill>
+          <a:ln>
+            <a:noFill/>
+          </a:ln>
+        </p:spPr>
+        <p:style>
+          <a:lnRef idx="2">
+            <a:schemeClr val="accent1">
+              <a:shade val="50000"/>
+            </a:schemeClr>
+          </a:lnRef>
+          <a:fillRef idx="1">
+            <a:schemeClr val="accent1"/>
+          </a:fillRef>
+          <a:effectRef idx="0">
+            <a:schemeClr val="accent1"/>
+          </a:effectRef>
+          <a:fontRef idx="minor">
+            <a:schemeClr val="lt1"/>
+          </a:fontRef>
+        </p:style>
+        <p:txBody>
+          <a:bodyPr rtlCol="0" anchor="ctr"/>
+          <a:lstStyle/>
+          <a:p>
+            <a:pPr algn="ctr"/>
+            <a:endParaRPr lang="ko-KR" altLang="en-US"/>
+          </a:p>
+        </p:txBody>
+      </p:sp>
+      <p:sp>
+        <p:nvSpPr>
+          <p:cNvPr id="28" name="TextBox 27"/>
+          <p:cNvSpPr txBox="1"/>
+          <p:nvPr/>
+        </p:nvSpPr>
+        <p:spPr>
+          <a:xfrm>
+            <a:off x="3787795" y="4491117"/>
+            <a:ext cx="4432501" cy="584775"/>
+          </a:xfrm>
+          <a:prstGeom prst="rect">
+            <a:avLst/>
+          </a:prstGeom>
+          <a:noFill/>
+        </p:spPr>
+        <p:txBody>
+          <a:bodyPr wrap="square" rtlCol="0">
+            <a:spAutoFit/>
+          </a:bodyPr>
+          <a:lstStyle/>
+          <a:p>
+            <a:r>
+              <a:rPr lang="ko-KR" altLang="en-US" sz="3200" dirty="0" smtClean="0">
+                <a:solidFill>
+                  <a:srgbClr val="E9E9EF"/>
+                </a:solidFill>
+                <a:latin typeface="+mn-ea"/>
+              </a:rPr>
+              <a:t>프로젝트 수행 결과</a:t>
+            </a:r>
+            <a:endParaRPr lang="ko-KR" altLang="en-US" sz="3200" dirty="0">
+              <a:solidFill>
+                <a:srgbClr val="E9E9EF"/>
+              </a:solidFill>
+              <a:latin typeface="+mn-ea"/>
+            </a:endParaRPr>
+          </a:p>
+        </p:txBody>
+      </p:sp>
+      <p:sp>
+        <p:nvSpPr>
+          <p:cNvPr id="29" name="포인트가 5개인 별 28"/>
+          <p:cNvSpPr/>
+          <p:nvPr/>
+        </p:nvSpPr>
+        <p:spPr>
+          <a:xfrm>
+            <a:off x="3073414" y="5449846"/>
+            <a:ext cx="520602" cy="520602"/>
+          </a:xfrm>
+          <a:prstGeom prst="star5">
+            <a:avLst>
+              <a:gd name="adj" fmla="val 28567"/>
+              <a:gd name="hf" fmla="val 105146"/>
+              <a:gd name="vf" fmla="val 110557"/>
+            </a:avLst>
+          </a:prstGeom>
+          <a:solidFill>
+            <a:srgbClr val="C5C5D5"/>
+          </a:solidFill>
+          <a:ln>
+            <a:noFill/>
+          </a:ln>
+        </p:spPr>
+        <p:style>
+          <a:lnRef idx="2">
+            <a:schemeClr val="accent1">
+              <a:shade val="50000"/>
+            </a:schemeClr>
+          </a:lnRef>
+          <a:fillRef idx="1">
+            <a:schemeClr val="accent1"/>
+          </a:fillRef>
+          <a:effectRef idx="0">
+            <a:schemeClr val="accent1"/>
+          </a:effectRef>
+          <a:fontRef idx="minor">
+            <a:schemeClr val="lt1"/>
+          </a:fontRef>
+        </p:style>
+        <p:txBody>
+          <a:bodyPr rtlCol="0" anchor="ctr"/>
+          <a:lstStyle/>
+          <a:p>
+            <a:pPr algn="ctr"/>
+            <a:endParaRPr lang="ko-KR" altLang="en-US">
+              <a:solidFill>
+                <a:srgbClr val="C5C5D5"/>
+              </a:solidFill>
+            </a:endParaRPr>
+          </a:p>
+        </p:txBody>
+      </p:sp>
+      <p:sp>
+        <p:nvSpPr>
+          <p:cNvPr id="30" name="TextBox 29"/>
+          <p:cNvSpPr txBox="1"/>
+          <p:nvPr/>
+        </p:nvSpPr>
+        <p:spPr>
+          <a:xfrm>
+            <a:off x="3787794" y="5449846"/>
+            <a:ext cx="4432501" cy="584775"/>
+          </a:xfrm>
+          <a:prstGeom prst="rect">
+            <a:avLst/>
+          </a:prstGeom>
+          <a:noFill/>
+        </p:spPr>
+        <p:txBody>
+          <a:bodyPr wrap="square" rtlCol="0">
+            <a:spAutoFit/>
+          </a:bodyPr>
+          <a:lstStyle/>
+          <a:p>
+            <a:r>
+              <a:rPr lang="ko-KR" altLang="en-US" sz="3200" dirty="0" smtClean="0">
+                <a:solidFill>
+                  <a:srgbClr val="E9E9EF"/>
+                </a:solidFill>
+                <a:latin typeface="+mn-ea"/>
+              </a:rPr>
+              <a:t>프로젝트 자체 평가</a:t>
+            </a:r>
+            <a:endParaRPr lang="ko-KR" altLang="en-US" sz="3200" dirty="0">
+              <a:solidFill>
+                <a:srgbClr val="E9E9EF"/>
+              </a:solidFill>
+              <a:latin typeface="+mn-ea"/>
+            </a:endParaRPr>
+          </a:p>
+        </p:txBody>
+      </p:sp>
+    </p:spTree>
+    <p:extLst>
+      <p:ext uri="{BB962C8B-B14F-4D97-AF65-F5344CB8AC3E}">
+        <p14:creationId xmlns:p14="http://schemas.microsoft.com/office/powerpoint/2010/main" val="1876716273"/>
+      </p:ext>
+    </p:extLst>
+  </p:cSld>
+  <p:clrMapOvr>
+    <a:masterClrMapping/>
+  </p:clrMapOvr>
+  <p:timing>
+    <p:tnLst>
+      <p:par>
+        <p:cTn id="1" dur="indefinite" restart="never" nodeType="tmRoot"/>
+      </p:par>
+    </p:tnLst>
+  </p:timing>
+</p:sld>
+</file>
+
+<file path=ppt/slides/slide20.xml><?xml version="1.0" encoding="utf-8"?>
 <p:sld xmlns:a="http://schemas.openxmlformats.org/drawingml/2006/main" xmlns:r="http://schemas.openxmlformats.org/officeDocument/2006/relationships" xmlns:p="http://schemas.openxmlformats.org/presentationml/2006/main">
   <p:cSld>
     <p:spTree>
@@ -14492,7 +17279,7 @@
 </p:sld>
 </file>
 
-<file path=ppt/slides/slide2.xml><?xml version="1.0" encoding="utf-8"?>
+<file path=ppt/slides/slide21.xml><?xml version="1.0" encoding="utf-8"?>
 <p:sld xmlns:a="http://schemas.openxmlformats.org/drawingml/2006/main" xmlns:r="http://schemas.openxmlformats.org/officeDocument/2006/relationships" xmlns:p="http://schemas.openxmlformats.org/presentationml/2006/main">
   <p:cSld>
     <p:spTree>
@@ -14511,7 +17298,7 @@
       </p:grpSpPr>
       <p:sp>
         <p:nvSpPr>
-          <p:cNvPr id="3" name="자유형 2"/>
+          <p:cNvPr id="2" name="자유형 1"/>
           <p:cNvSpPr/>
           <p:nvPr/>
         </p:nvSpPr>
@@ -14668,7 +17455,7 @@
       </p:sp>
       <p:sp>
         <p:nvSpPr>
-          <p:cNvPr id="4" name="순서도: 연결자 3"/>
+          <p:cNvPr id="3" name="순서도: 연결자 2"/>
           <p:cNvSpPr/>
           <p:nvPr/>
         </p:nvSpPr>
@@ -14714,14 +17501,14 @@
       </p:sp>
       <p:sp>
         <p:nvSpPr>
-          <p:cNvPr id="5" name="자유형 4"/>
-          <p:cNvSpPr/>
-          <p:nvPr/>
-        </p:nvSpPr>
-        <p:spPr>
-          <a:xfrm>
-            <a:off x="4861619" y="458957"/>
-            <a:ext cx="409577" cy="524787"/>
+          <p:cNvPr id="4" name="자유형 3"/>
+          <p:cNvSpPr/>
+          <p:nvPr/>
+        </p:nvSpPr>
+        <p:spPr>
+          <a:xfrm>
+            <a:off x="11167281" y="4988832"/>
+            <a:ext cx="635541" cy="814312"/>
           </a:xfrm>
           <a:custGeom>
             <a:avLst/>
@@ -14899,7 +17686,7 @@
       </p:sp>
       <p:sp>
         <p:nvSpPr>
-          <p:cNvPr id="7" name="포인트가 4개인 별 6"/>
+          <p:cNvPr id="5" name="포인트가 4개인 별 4"/>
           <p:cNvSpPr/>
           <p:nvPr/>
         </p:nvSpPr>
@@ -14947,7 +17734,7 @@
       </p:sp>
       <p:sp>
         <p:nvSpPr>
-          <p:cNvPr id="8" name="포인트가 4개인 별 7"/>
+          <p:cNvPr id="6" name="포인트가 4개인 별 5"/>
           <p:cNvSpPr/>
           <p:nvPr/>
         </p:nvSpPr>
@@ -14995,7 +17782,7 @@
       </p:sp>
       <p:sp>
         <p:nvSpPr>
-          <p:cNvPr id="9" name="포인트가 4개인 별 8"/>
+          <p:cNvPr id="7" name="포인트가 4개인 별 6"/>
           <p:cNvSpPr/>
           <p:nvPr/>
         </p:nvSpPr>
@@ -15041,14 +17828,294 @@
       </p:sp>
       <p:sp>
         <p:nvSpPr>
-          <p:cNvPr id="10" name="TextBox 9"/>
+          <p:cNvPr id="8" name="포인트가 4개인 별 7"/>
+          <p:cNvSpPr/>
+          <p:nvPr/>
+        </p:nvSpPr>
+        <p:spPr>
+          <a:xfrm rot="2556172">
+            <a:off x="743253" y="5026952"/>
+            <a:ext cx="335777" cy="335777"/>
+          </a:xfrm>
+          <a:prstGeom prst="star4">
+            <a:avLst>
+              <a:gd name="adj" fmla="val 15124"/>
+            </a:avLst>
+          </a:prstGeom>
+          <a:solidFill>
+            <a:srgbClr val="FFF5D9"/>
+          </a:solidFill>
+          <a:ln>
+            <a:noFill/>
+          </a:ln>
+        </p:spPr>
+        <p:style>
+          <a:lnRef idx="2">
+            <a:schemeClr val="accent1">
+              <a:shade val="50000"/>
+            </a:schemeClr>
+          </a:lnRef>
+          <a:fillRef idx="1">
+            <a:schemeClr val="accent1"/>
+          </a:fillRef>
+          <a:effectRef idx="0">
+            <a:schemeClr val="accent1"/>
+          </a:effectRef>
+          <a:fontRef idx="minor">
+            <a:schemeClr val="lt1"/>
+          </a:fontRef>
+        </p:style>
+        <p:txBody>
+          <a:bodyPr rtlCol="0" anchor="ctr"/>
+          <a:lstStyle/>
+          <a:p>
+            <a:pPr algn="ctr"/>
+            <a:endParaRPr lang="ko-KR" altLang="en-US"/>
+          </a:p>
+        </p:txBody>
+      </p:sp>
+      <p:sp>
+        <p:nvSpPr>
+          <p:cNvPr id="9" name="순서도: 연결자 8"/>
+          <p:cNvSpPr/>
+          <p:nvPr/>
+        </p:nvSpPr>
+        <p:spPr>
+          <a:xfrm>
+            <a:off x="1531822" y="6184511"/>
+            <a:ext cx="147132" cy="147132"/>
+          </a:xfrm>
+          <a:prstGeom prst="flowChartConnector">
+            <a:avLst/>
+          </a:prstGeom>
+          <a:solidFill>
+            <a:srgbClr val="FFF5D9"/>
+          </a:solidFill>
+          <a:ln>
+            <a:noFill/>
+          </a:ln>
+        </p:spPr>
+        <p:style>
+          <a:lnRef idx="2">
+            <a:schemeClr val="accent1">
+              <a:shade val="50000"/>
+            </a:schemeClr>
+          </a:lnRef>
+          <a:fillRef idx="1">
+            <a:schemeClr val="accent1"/>
+          </a:fillRef>
+          <a:effectRef idx="0">
+            <a:schemeClr val="accent1"/>
+          </a:effectRef>
+          <a:fontRef idx="minor">
+            <a:schemeClr val="lt1"/>
+          </a:fontRef>
+        </p:style>
+        <p:txBody>
+          <a:bodyPr rtlCol="0" anchor="ctr"/>
+          <a:lstStyle/>
+          <a:p>
+            <a:pPr algn="ctr"/>
+            <a:endParaRPr lang="ko-KR" altLang="en-US"/>
+          </a:p>
+        </p:txBody>
+      </p:sp>
+      <p:sp>
+        <p:nvSpPr>
+          <p:cNvPr id="10" name="순서도: 연결자 9"/>
+          <p:cNvSpPr/>
+          <p:nvPr/>
+        </p:nvSpPr>
+        <p:spPr>
+          <a:xfrm>
+            <a:off x="10774984" y="6137358"/>
+            <a:ext cx="147132" cy="147132"/>
+          </a:xfrm>
+          <a:prstGeom prst="flowChartConnector">
+            <a:avLst/>
+          </a:prstGeom>
+          <a:solidFill>
+            <a:srgbClr val="FFF5D9"/>
+          </a:solidFill>
+          <a:ln>
+            <a:noFill/>
+          </a:ln>
+        </p:spPr>
+        <p:style>
+          <a:lnRef idx="2">
+            <a:schemeClr val="accent1">
+              <a:shade val="50000"/>
+            </a:schemeClr>
+          </a:lnRef>
+          <a:fillRef idx="1">
+            <a:schemeClr val="accent1"/>
+          </a:fillRef>
+          <a:effectRef idx="0">
+            <a:schemeClr val="accent1"/>
+          </a:effectRef>
+          <a:fontRef idx="minor">
+            <a:schemeClr val="lt1"/>
+          </a:fontRef>
+        </p:style>
+        <p:txBody>
+          <a:bodyPr rtlCol="0" anchor="ctr"/>
+          <a:lstStyle/>
+          <a:p>
+            <a:pPr algn="ctr"/>
+            <a:endParaRPr lang="ko-KR" altLang="en-US"/>
+          </a:p>
+        </p:txBody>
+      </p:sp>
+      <p:sp>
+        <p:nvSpPr>
+          <p:cNvPr id="11" name="포인트가 4개인 별 10"/>
+          <p:cNvSpPr/>
+          <p:nvPr/>
+        </p:nvSpPr>
+        <p:spPr>
+          <a:xfrm>
+            <a:off x="2688236" y="6210924"/>
+            <a:ext cx="413467" cy="413467"/>
+          </a:xfrm>
+          <a:prstGeom prst="star4">
+            <a:avLst>
+              <a:gd name="adj" fmla="val 8604"/>
+            </a:avLst>
+          </a:prstGeom>
+          <a:solidFill>
+            <a:srgbClr val="FFF5D9"/>
+          </a:solidFill>
+          <a:ln>
+            <a:noFill/>
+          </a:ln>
+        </p:spPr>
+        <p:style>
+          <a:lnRef idx="2">
+            <a:schemeClr val="accent1">
+              <a:shade val="50000"/>
+            </a:schemeClr>
+          </a:lnRef>
+          <a:fillRef idx="1">
+            <a:schemeClr val="accent1"/>
+          </a:fillRef>
+          <a:effectRef idx="0">
+            <a:schemeClr val="accent1"/>
+          </a:effectRef>
+          <a:fontRef idx="minor">
+            <a:schemeClr val="lt1"/>
+          </a:fontRef>
+        </p:style>
+        <p:txBody>
+          <a:bodyPr rtlCol="0" anchor="ctr"/>
+          <a:lstStyle/>
+          <a:p>
+            <a:pPr algn="ctr"/>
+            <a:endParaRPr lang="ko-KR" altLang="en-US"/>
+          </a:p>
+        </p:txBody>
+      </p:sp>
+      <p:sp>
+        <p:nvSpPr>
+          <p:cNvPr id="12" name="포인트가 4개인 별 11"/>
+          <p:cNvSpPr/>
+          <p:nvPr/>
+        </p:nvSpPr>
+        <p:spPr>
+          <a:xfrm>
+            <a:off x="1148364" y="556169"/>
+            <a:ext cx="464838" cy="464838"/>
+          </a:xfrm>
+          <a:prstGeom prst="star4">
+            <a:avLst/>
+          </a:prstGeom>
+          <a:solidFill>
+            <a:srgbClr val="FFF5D9"/>
+          </a:solidFill>
+          <a:ln>
+            <a:noFill/>
+          </a:ln>
+        </p:spPr>
+        <p:style>
+          <a:lnRef idx="2">
+            <a:schemeClr val="accent1">
+              <a:shade val="50000"/>
+            </a:schemeClr>
+          </a:lnRef>
+          <a:fillRef idx="1">
+            <a:schemeClr val="accent1"/>
+          </a:fillRef>
+          <a:effectRef idx="0">
+            <a:schemeClr val="accent1"/>
+          </a:effectRef>
+          <a:fontRef idx="minor">
+            <a:schemeClr val="lt1"/>
+          </a:fontRef>
+        </p:style>
+        <p:txBody>
+          <a:bodyPr rtlCol="0" anchor="ctr"/>
+          <a:lstStyle/>
+          <a:p>
+            <a:pPr algn="ctr"/>
+            <a:endParaRPr lang="ko-KR" altLang="en-US"/>
+          </a:p>
+        </p:txBody>
+      </p:sp>
+      <p:sp>
+        <p:nvSpPr>
+          <p:cNvPr id="13" name="순서도: 연결자 12"/>
+          <p:cNvSpPr/>
+          <p:nvPr/>
+        </p:nvSpPr>
+        <p:spPr>
+          <a:xfrm>
+            <a:off x="2410579" y="389851"/>
+            <a:ext cx="124836" cy="124836"/>
+          </a:xfrm>
+          <a:prstGeom prst="flowChartConnector">
+            <a:avLst/>
+          </a:prstGeom>
+          <a:solidFill>
+            <a:srgbClr val="FFF5D9"/>
+          </a:solidFill>
+          <a:ln>
+            <a:noFill/>
+          </a:ln>
+        </p:spPr>
+        <p:style>
+          <a:lnRef idx="2">
+            <a:schemeClr val="accent1">
+              <a:shade val="50000"/>
+            </a:schemeClr>
+          </a:lnRef>
+          <a:fillRef idx="1">
+            <a:schemeClr val="accent1"/>
+          </a:fillRef>
+          <a:effectRef idx="0">
+            <a:schemeClr val="accent1"/>
+          </a:effectRef>
+          <a:fontRef idx="minor">
+            <a:schemeClr val="lt1"/>
+          </a:fontRef>
+        </p:style>
+        <p:txBody>
+          <a:bodyPr rtlCol="0" anchor="ctr"/>
+          <a:lstStyle/>
+          <a:p>
+            <a:pPr algn="ctr"/>
+            <a:endParaRPr lang="ko-KR" altLang="en-US"/>
+          </a:p>
+        </p:txBody>
+      </p:sp>
+      <p:sp>
+        <p:nvSpPr>
+          <p:cNvPr id="14" name="TextBox 13"/>
           <p:cNvSpPr txBox="1"/>
           <p:nvPr/>
         </p:nvSpPr>
         <p:spPr>
           <a:xfrm>
-            <a:off x="4358306" y="259686"/>
-            <a:ext cx="3459328" cy="923330"/>
+            <a:off x="2354198" y="326923"/>
+            <a:ext cx="7004133" cy="923330"/>
           </a:xfrm>
           <a:prstGeom prst="rect">
             <a:avLst/>
@@ -15070,7 +18137,7 @@
                 <a:latin typeface="+mj-ea"/>
                 <a:ea typeface="+mj-ea"/>
               </a:rPr>
-              <a:t>목차</a:t>
+              <a:t>프로젝트 자체평가</a:t>
             </a:r>
             <a:endParaRPr lang="ko-KR" altLang="en-US" sz="5400" dirty="0">
               <a:solidFill>
@@ -15084,62 +18151,14 @@
       </p:sp>
       <p:sp>
         <p:nvSpPr>
-          <p:cNvPr id="11" name="포인트가 4개인 별 10"/>
-          <p:cNvSpPr/>
-          <p:nvPr/>
-        </p:nvSpPr>
-        <p:spPr>
-          <a:xfrm rot="2556172">
-            <a:off x="743253" y="5026952"/>
-            <a:ext cx="335777" cy="335777"/>
-          </a:xfrm>
-          <a:prstGeom prst="star4">
-            <a:avLst>
-              <a:gd name="adj" fmla="val 15124"/>
-            </a:avLst>
-          </a:prstGeom>
-          <a:solidFill>
-            <a:srgbClr val="FFF5D9"/>
-          </a:solidFill>
-          <a:ln>
-            <a:noFill/>
-          </a:ln>
-        </p:spPr>
-        <p:style>
-          <a:lnRef idx="2">
-            <a:schemeClr val="accent1">
-              <a:shade val="50000"/>
-            </a:schemeClr>
-          </a:lnRef>
-          <a:fillRef idx="1">
-            <a:schemeClr val="accent1"/>
-          </a:fillRef>
-          <a:effectRef idx="0">
-            <a:schemeClr val="accent1"/>
-          </a:effectRef>
-          <a:fontRef idx="minor">
-            <a:schemeClr val="lt1"/>
-          </a:fontRef>
-        </p:style>
-        <p:txBody>
-          <a:bodyPr rtlCol="0" anchor="ctr"/>
-          <a:lstStyle/>
-          <a:p>
-            <a:pPr algn="ctr"/>
-            <a:endParaRPr lang="ko-KR" altLang="en-US"/>
-          </a:p>
-        </p:txBody>
-      </p:sp>
-      <p:sp>
-        <p:nvSpPr>
-          <p:cNvPr id="12" name="순서도: 연결자 11"/>
-          <p:cNvSpPr/>
-          <p:nvPr/>
-        </p:nvSpPr>
-        <p:spPr>
-          <a:xfrm>
-            <a:off x="1531822" y="6184511"/>
-            <a:ext cx="147132" cy="147132"/>
+          <p:cNvPr id="15" name="순서도: 연결자 14"/>
+          <p:cNvSpPr/>
+          <p:nvPr/>
+        </p:nvSpPr>
+        <p:spPr>
+          <a:xfrm>
+            <a:off x="9368782" y="403854"/>
+            <a:ext cx="124836" cy="124836"/>
           </a:xfrm>
           <a:prstGeom prst="flowChartConnector">
             <a:avLst/>
@@ -15178,14 +18197,380 @@
       </p:sp>
       <p:sp>
         <p:nvSpPr>
-          <p:cNvPr id="13" name="순서도: 연결자 12"/>
-          <p:cNvSpPr/>
-          <p:nvPr/>
-        </p:nvSpPr>
-        <p:spPr>
-          <a:xfrm>
-            <a:off x="10774984" y="6137358"/>
-            <a:ext cx="147132" cy="147132"/>
+          <p:cNvPr id="18" name="모서리가 둥근 직사각형 17"/>
+          <p:cNvSpPr/>
+          <p:nvPr/>
+        </p:nvSpPr>
+        <p:spPr>
+          <a:xfrm>
+            <a:off x="1246033" y="1915900"/>
+            <a:ext cx="2225814" cy="3373717"/>
+          </a:xfrm>
+          <a:prstGeom prst="roundRect">
+            <a:avLst/>
+          </a:prstGeom>
+          <a:solidFill>
+            <a:srgbClr val="FFF5D9"/>
+          </a:solidFill>
+        </p:spPr>
+        <p:style>
+          <a:lnRef idx="2">
+            <a:schemeClr val="accent1">
+              <a:shade val="50000"/>
+            </a:schemeClr>
+          </a:lnRef>
+          <a:fillRef idx="1">
+            <a:schemeClr val="accent1"/>
+          </a:fillRef>
+          <a:effectRef idx="0">
+            <a:schemeClr val="accent1"/>
+          </a:effectRef>
+          <a:fontRef idx="minor">
+            <a:schemeClr val="lt1"/>
+          </a:fontRef>
+        </p:style>
+        <p:txBody>
+          <a:bodyPr rtlCol="0" anchor="ctr"/>
+          <a:lstStyle/>
+          <a:p>
+            <a:pPr algn="ctr"/>
+            <a:endParaRPr lang="ko-KR" altLang="en-US"/>
+          </a:p>
+        </p:txBody>
+      </p:sp>
+      <p:sp>
+        <p:nvSpPr>
+          <p:cNvPr id="19" name="모서리가 둥근 직사각형 18"/>
+          <p:cNvSpPr/>
+          <p:nvPr/>
+        </p:nvSpPr>
+        <p:spPr>
+          <a:xfrm>
+            <a:off x="3688155" y="1915901"/>
+            <a:ext cx="2225814" cy="3373717"/>
+          </a:xfrm>
+          <a:prstGeom prst="roundRect">
+            <a:avLst/>
+          </a:prstGeom>
+          <a:solidFill>
+            <a:srgbClr val="FFF5D9"/>
+          </a:solidFill>
+        </p:spPr>
+        <p:style>
+          <a:lnRef idx="2">
+            <a:schemeClr val="accent1">
+              <a:shade val="50000"/>
+            </a:schemeClr>
+          </a:lnRef>
+          <a:fillRef idx="1">
+            <a:schemeClr val="accent1"/>
+          </a:fillRef>
+          <a:effectRef idx="0">
+            <a:schemeClr val="accent1"/>
+          </a:effectRef>
+          <a:fontRef idx="minor">
+            <a:schemeClr val="lt1"/>
+          </a:fontRef>
+        </p:style>
+        <p:txBody>
+          <a:bodyPr rtlCol="0" anchor="ctr"/>
+          <a:lstStyle/>
+          <a:p>
+            <a:pPr algn="ctr"/>
+            <a:endParaRPr lang="ko-KR" altLang="en-US"/>
+          </a:p>
+        </p:txBody>
+      </p:sp>
+      <p:sp>
+        <p:nvSpPr>
+          <p:cNvPr id="20" name="모서리가 둥근 직사각형 19"/>
+          <p:cNvSpPr/>
+          <p:nvPr/>
+        </p:nvSpPr>
+        <p:spPr>
+          <a:xfrm>
+            <a:off x="6146319" y="1915900"/>
+            <a:ext cx="2225814" cy="3373717"/>
+          </a:xfrm>
+          <a:prstGeom prst="roundRect">
+            <a:avLst/>
+          </a:prstGeom>
+          <a:solidFill>
+            <a:srgbClr val="FFF5D9"/>
+          </a:solidFill>
+        </p:spPr>
+        <p:style>
+          <a:lnRef idx="2">
+            <a:schemeClr val="accent1">
+              <a:shade val="50000"/>
+            </a:schemeClr>
+          </a:lnRef>
+          <a:fillRef idx="1">
+            <a:schemeClr val="accent1"/>
+          </a:fillRef>
+          <a:effectRef idx="0">
+            <a:schemeClr val="accent1"/>
+          </a:effectRef>
+          <a:fontRef idx="minor">
+            <a:schemeClr val="lt1"/>
+          </a:fontRef>
+        </p:style>
+        <p:txBody>
+          <a:bodyPr rtlCol="0" anchor="ctr"/>
+          <a:lstStyle/>
+          <a:p>
+            <a:pPr algn="ctr"/>
+            <a:endParaRPr lang="ko-KR" altLang="en-US"/>
+          </a:p>
+        </p:txBody>
+      </p:sp>
+      <p:sp>
+        <p:nvSpPr>
+          <p:cNvPr id="21" name="모서리가 둥근 직사각형 20"/>
+          <p:cNvSpPr/>
+          <p:nvPr/>
+        </p:nvSpPr>
+        <p:spPr>
+          <a:xfrm>
+            <a:off x="8588441" y="1915900"/>
+            <a:ext cx="2225814" cy="3373717"/>
+          </a:xfrm>
+          <a:prstGeom prst="roundRect">
+            <a:avLst/>
+          </a:prstGeom>
+          <a:solidFill>
+            <a:srgbClr val="FFF5D9"/>
+          </a:solidFill>
+        </p:spPr>
+        <p:style>
+          <a:lnRef idx="2">
+            <a:schemeClr val="accent1">
+              <a:shade val="50000"/>
+            </a:schemeClr>
+          </a:lnRef>
+          <a:fillRef idx="1">
+            <a:schemeClr val="accent1"/>
+          </a:fillRef>
+          <a:effectRef idx="0">
+            <a:schemeClr val="accent1"/>
+          </a:effectRef>
+          <a:fontRef idx="minor">
+            <a:schemeClr val="lt1"/>
+          </a:fontRef>
+        </p:style>
+        <p:txBody>
+          <a:bodyPr rtlCol="0" anchor="ctr"/>
+          <a:lstStyle/>
+          <a:p>
+            <a:pPr algn="ctr"/>
+            <a:endParaRPr lang="ko-KR" altLang="en-US"/>
+          </a:p>
+        </p:txBody>
+      </p:sp>
+    </p:spTree>
+    <p:extLst>
+      <p:ext uri="{BB962C8B-B14F-4D97-AF65-F5344CB8AC3E}">
+        <p14:creationId xmlns:p14="http://schemas.microsoft.com/office/powerpoint/2010/main" val="3046509122"/>
+      </p:ext>
+    </p:extLst>
+  </p:cSld>
+  <p:clrMapOvr>
+    <a:masterClrMapping/>
+  </p:clrMapOvr>
+  <p:timing>
+    <p:tnLst>
+      <p:par>
+        <p:cTn id="1" dur="indefinite" restart="never" nodeType="tmRoot"/>
+      </p:par>
+    </p:tnLst>
+  </p:timing>
+</p:sld>
+</file>
+
+<file path=ppt/slides/slide22.xml><?xml version="1.0" encoding="utf-8"?>
+<p:sld xmlns:a="http://schemas.openxmlformats.org/drawingml/2006/main" xmlns:r="http://schemas.openxmlformats.org/officeDocument/2006/relationships" xmlns:p="http://schemas.openxmlformats.org/presentationml/2006/main">
+  <p:cSld>
+    <p:spTree>
+      <p:nvGrpSpPr>
+        <p:cNvPr id="1" name=""/>
+        <p:cNvGrpSpPr/>
+        <p:nvPr/>
+      </p:nvGrpSpPr>
+      <p:grpSpPr>
+        <a:xfrm>
+          <a:off x="0" y="0"/>
+          <a:ext cx="0" cy="0"/>
+          <a:chOff x="0" y="0"/>
+          <a:chExt cx="0" cy="0"/>
+        </a:xfrm>
+      </p:grpSpPr>
+      <p:sp>
+        <p:nvSpPr>
+          <p:cNvPr id="2" name="자유형 1"/>
+          <p:cNvSpPr/>
+          <p:nvPr/>
+        </p:nvSpPr>
+        <p:spPr>
+          <a:xfrm rot="900000">
+            <a:off x="7738369" y="1138181"/>
+            <a:ext cx="1501374" cy="1924216"/>
+          </a:xfrm>
+          <a:custGeom>
+            <a:avLst/>
+            <a:gdLst>
+              <a:gd name="connsiteX0" fmla="*/ 539266 w 1501374"/>
+              <a:gd name="connsiteY0" fmla="*/ 0 h 1924216"/>
+              <a:gd name="connsiteX1" fmla="*/ 1501374 w 1501374"/>
+              <a:gd name="connsiteY1" fmla="*/ 962108 h 1924216"/>
+              <a:gd name="connsiteX2" fmla="*/ 539266 w 1501374"/>
+              <a:gd name="connsiteY2" fmla="*/ 1924216 h 1924216"/>
+              <a:gd name="connsiteX3" fmla="*/ 1342 w 1501374"/>
+              <a:gd name="connsiteY3" fmla="*/ 1759903 h 1924216"/>
+              <a:gd name="connsiteX4" fmla="*/ 0 w 1501374"/>
+              <a:gd name="connsiteY4" fmla="*/ 1758796 h 1924216"/>
+              <a:gd name="connsiteX5" fmla="*/ 65011 w 1501374"/>
+              <a:gd name="connsiteY5" fmla="*/ 1748874 h 1924216"/>
+              <a:gd name="connsiteX6" fmla="*/ 706244 w 1501374"/>
+              <a:gd name="connsiteY6" fmla="*/ 962108 h 1924216"/>
+              <a:gd name="connsiteX7" fmla="*/ 65011 w 1501374"/>
+              <a:gd name="connsiteY7" fmla="*/ 175342 h 1924216"/>
+              <a:gd name="connsiteX8" fmla="*/ 0 w 1501374"/>
+              <a:gd name="connsiteY8" fmla="*/ 165420 h 1924216"/>
+              <a:gd name="connsiteX9" fmla="*/ 1342 w 1501374"/>
+              <a:gd name="connsiteY9" fmla="*/ 164313 h 1924216"/>
+              <a:gd name="connsiteX10" fmla="*/ 539266 w 1501374"/>
+              <a:gd name="connsiteY10" fmla="*/ 0 h 1924216"/>
+            </a:gdLst>
+            <a:ahLst/>
+            <a:cxnLst>
+              <a:cxn ang="0">
+                <a:pos x="connsiteX0" y="connsiteY0"/>
+              </a:cxn>
+              <a:cxn ang="0">
+                <a:pos x="connsiteX1" y="connsiteY1"/>
+              </a:cxn>
+              <a:cxn ang="0">
+                <a:pos x="connsiteX2" y="connsiteY2"/>
+              </a:cxn>
+              <a:cxn ang="0">
+                <a:pos x="connsiteX3" y="connsiteY3"/>
+              </a:cxn>
+              <a:cxn ang="0">
+                <a:pos x="connsiteX4" y="connsiteY4"/>
+              </a:cxn>
+              <a:cxn ang="0">
+                <a:pos x="connsiteX5" y="connsiteY5"/>
+              </a:cxn>
+              <a:cxn ang="0">
+                <a:pos x="connsiteX6" y="connsiteY6"/>
+              </a:cxn>
+              <a:cxn ang="0">
+                <a:pos x="connsiteX7" y="connsiteY7"/>
+              </a:cxn>
+              <a:cxn ang="0">
+                <a:pos x="connsiteX8" y="connsiteY8"/>
+              </a:cxn>
+              <a:cxn ang="0">
+                <a:pos x="connsiteX9" y="connsiteY9"/>
+              </a:cxn>
+              <a:cxn ang="0">
+                <a:pos x="connsiteX10" y="connsiteY10"/>
+              </a:cxn>
+            </a:cxnLst>
+            <a:rect l="l" t="t" r="r" b="b"/>
+            <a:pathLst>
+              <a:path w="1501374" h="1924216">
+                <a:moveTo>
+                  <a:pt x="539266" y="0"/>
+                </a:moveTo>
+                <a:cubicBezTo>
+                  <a:pt x="1070624" y="0"/>
+                  <a:pt x="1501374" y="430750"/>
+                  <a:pt x="1501374" y="962108"/>
+                </a:cubicBezTo>
+                <a:cubicBezTo>
+                  <a:pt x="1501374" y="1493466"/>
+                  <a:pt x="1070624" y="1924216"/>
+                  <a:pt x="539266" y="1924216"/>
+                </a:cubicBezTo>
+                <a:cubicBezTo>
+                  <a:pt x="340007" y="1924216"/>
+                  <a:pt x="154896" y="1863642"/>
+                  <a:pt x="1342" y="1759903"/>
+                </a:cubicBezTo>
+                <a:lnTo>
+                  <a:pt x="0" y="1758796"/>
+                </a:lnTo>
+                <a:lnTo>
+                  <a:pt x="65011" y="1748874"/>
+                </a:lnTo>
+                <a:cubicBezTo>
+                  <a:pt x="430962" y="1673990"/>
+                  <a:pt x="706244" y="1350197"/>
+                  <a:pt x="706244" y="962108"/>
+                </a:cubicBezTo>
+                <a:cubicBezTo>
+                  <a:pt x="706244" y="574019"/>
+                  <a:pt x="430962" y="250226"/>
+                  <a:pt x="65011" y="175342"/>
+                </a:cubicBezTo>
+                <a:lnTo>
+                  <a:pt x="0" y="165420"/>
+                </a:lnTo>
+                <a:lnTo>
+                  <a:pt x="1342" y="164313"/>
+                </a:lnTo>
+                <a:cubicBezTo>
+                  <a:pt x="154896" y="60574"/>
+                  <a:pt x="340007" y="0"/>
+                  <a:pt x="539266" y="0"/>
+                </a:cubicBezTo>
+                <a:close/>
+              </a:path>
+            </a:pathLst>
+          </a:custGeom>
+          <a:solidFill>
+            <a:srgbClr val="FFF5D9"/>
+          </a:solidFill>
+          <a:ln>
+            <a:noFill/>
+          </a:ln>
+        </p:spPr>
+        <p:style>
+          <a:lnRef idx="2">
+            <a:schemeClr val="accent1">
+              <a:shade val="50000"/>
+            </a:schemeClr>
+          </a:lnRef>
+          <a:fillRef idx="1">
+            <a:schemeClr val="accent1"/>
+          </a:fillRef>
+          <a:effectRef idx="0">
+            <a:schemeClr val="accent1"/>
+          </a:effectRef>
+          <a:fontRef idx="minor">
+            <a:schemeClr val="lt1"/>
+          </a:fontRef>
+        </p:style>
+        <p:txBody>
+          <a:bodyPr rtlCol="0" anchor="ctr"/>
+          <a:lstStyle/>
+          <a:p>
+            <a:pPr algn="ctr"/>
+            <a:endParaRPr lang="ko-KR" altLang="en-US"/>
+          </a:p>
+        </p:txBody>
+      </p:sp>
+      <p:sp>
+        <p:nvSpPr>
+          <p:cNvPr id="3" name="순서도: 연결자 2"/>
+          <p:cNvSpPr/>
+          <p:nvPr/>
+        </p:nvSpPr>
+        <p:spPr>
+          <a:xfrm>
+            <a:off x="4021494" y="1909458"/>
+            <a:ext cx="190831" cy="190831"/>
           </a:xfrm>
           <a:prstGeom prst="flowChartConnector">
             <a:avLst/>
@@ -15224,13 +18609,13 @@
       </p:sp>
       <p:sp>
         <p:nvSpPr>
-          <p:cNvPr id="14" name="자유형 13"/>
-          <p:cNvSpPr/>
-          <p:nvPr/>
-        </p:nvSpPr>
-        <p:spPr>
-          <a:xfrm>
-            <a:off x="6902370" y="458956"/>
+          <p:cNvPr id="4" name="자유형 3"/>
+          <p:cNvSpPr/>
+          <p:nvPr/>
+        </p:nvSpPr>
+        <p:spPr>
+          <a:xfrm>
+            <a:off x="6758009" y="1677054"/>
             <a:ext cx="409577" cy="524787"/>
           </a:xfrm>
           <a:custGeom>
@@ -15409,1118 +18794,13 @@
       </p:sp>
       <p:sp>
         <p:nvSpPr>
-          <p:cNvPr id="15" name="포인트가 4개인 별 14"/>
-          <p:cNvSpPr/>
-          <p:nvPr/>
-        </p:nvSpPr>
-        <p:spPr>
-          <a:xfrm>
-            <a:off x="2688236" y="6210924"/>
-            <a:ext cx="413467" cy="413467"/>
-          </a:xfrm>
-          <a:prstGeom prst="star4">
-            <a:avLst>
-              <a:gd name="adj" fmla="val 8604"/>
-            </a:avLst>
-          </a:prstGeom>
-          <a:solidFill>
-            <a:srgbClr val="FFF5D9"/>
-          </a:solidFill>
-          <a:ln>
-            <a:noFill/>
-          </a:ln>
-        </p:spPr>
-        <p:style>
-          <a:lnRef idx="2">
-            <a:schemeClr val="accent1">
-              <a:shade val="50000"/>
-            </a:schemeClr>
-          </a:lnRef>
-          <a:fillRef idx="1">
-            <a:schemeClr val="accent1"/>
-          </a:fillRef>
-          <a:effectRef idx="0">
-            <a:schemeClr val="accent1"/>
-          </a:effectRef>
-          <a:fontRef idx="minor">
-            <a:schemeClr val="lt1"/>
-          </a:fontRef>
-        </p:style>
-        <p:txBody>
-          <a:bodyPr rtlCol="0" anchor="ctr"/>
-          <a:lstStyle/>
-          <a:p>
-            <a:pPr algn="ctr"/>
-            <a:endParaRPr lang="ko-KR" altLang="en-US"/>
-          </a:p>
-        </p:txBody>
-      </p:sp>
-      <p:sp>
-        <p:nvSpPr>
-          <p:cNvPr id="16" name="포인트가 4개인 별 15"/>
-          <p:cNvSpPr/>
-          <p:nvPr/>
-        </p:nvSpPr>
-        <p:spPr>
-          <a:xfrm>
-            <a:off x="1148364" y="556169"/>
-            <a:ext cx="464838" cy="464838"/>
-          </a:xfrm>
-          <a:prstGeom prst="star4">
-            <a:avLst/>
-          </a:prstGeom>
-          <a:solidFill>
-            <a:srgbClr val="FFF5D9"/>
-          </a:solidFill>
-          <a:ln>
-            <a:noFill/>
-          </a:ln>
-        </p:spPr>
-        <p:style>
-          <a:lnRef idx="2">
-            <a:schemeClr val="accent1">
-              <a:shade val="50000"/>
-            </a:schemeClr>
-          </a:lnRef>
-          <a:fillRef idx="1">
-            <a:schemeClr val="accent1"/>
-          </a:fillRef>
-          <a:effectRef idx="0">
-            <a:schemeClr val="accent1"/>
-          </a:effectRef>
-          <a:fontRef idx="minor">
-            <a:schemeClr val="lt1"/>
-          </a:fontRef>
-        </p:style>
-        <p:txBody>
-          <a:bodyPr rtlCol="0" anchor="ctr"/>
-          <a:lstStyle/>
-          <a:p>
-            <a:pPr algn="ctr"/>
-            <a:endParaRPr lang="ko-KR" altLang="en-US"/>
-          </a:p>
-        </p:txBody>
-      </p:sp>
-      <p:sp>
-        <p:nvSpPr>
-          <p:cNvPr id="17" name="순서도: 연결자 16"/>
-          <p:cNvSpPr/>
-          <p:nvPr/>
-        </p:nvSpPr>
-        <p:spPr>
-          <a:xfrm>
-            <a:off x="2410579" y="389851"/>
-            <a:ext cx="124836" cy="124836"/>
-          </a:xfrm>
-          <a:prstGeom prst="flowChartConnector">
-            <a:avLst/>
-          </a:prstGeom>
-          <a:solidFill>
-            <a:srgbClr val="FFF5D9"/>
-          </a:solidFill>
-          <a:ln>
-            <a:noFill/>
-          </a:ln>
-        </p:spPr>
-        <p:style>
-          <a:lnRef idx="2">
-            <a:schemeClr val="accent1">
-              <a:shade val="50000"/>
-            </a:schemeClr>
-          </a:lnRef>
-          <a:fillRef idx="1">
-            <a:schemeClr val="accent1"/>
-          </a:fillRef>
-          <a:effectRef idx="0">
-            <a:schemeClr val="accent1"/>
-          </a:effectRef>
-          <a:fontRef idx="minor">
-            <a:schemeClr val="lt1"/>
-          </a:fontRef>
-        </p:style>
-        <p:txBody>
-          <a:bodyPr rtlCol="0" anchor="ctr"/>
-          <a:lstStyle/>
-          <a:p>
-            <a:pPr algn="ctr"/>
-            <a:endParaRPr lang="ko-KR" altLang="en-US"/>
-          </a:p>
-        </p:txBody>
-      </p:sp>
-      <p:sp>
-        <p:nvSpPr>
-          <p:cNvPr id="18" name="순서도: 연결자 17"/>
-          <p:cNvSpPr/>
-          <p:nvPr/>
-        </p:nvSpPr>
-        <p:spPr>
-          <a:xfrm>
-            <a:off x="8739847" y="458956"/>
-            <a:ext cx="124836" cy="124836"/>
-          </a:xfrm>
-          <a:prstGeom prst="flowChartConnector">
-            <a:avLst/>
-          </a:prstGeom>
-          <a:solidFill>
-            <a:srgbClr val="FFF5D9"/>
-          </a:solidFill>
-          <a:ln>
-            <a:noFill/>
-          </a:ln>
-        </p:spPr>
-        <p:style>
-          <a:lnRef idx="2">
-            <a:schemeClr val="accent1">
-              <a:shade val="50000"/>
-            </a:schemeClr>
-          </a:lnRef>
-          <a:fillRef idx="1">
-            <a:schemeClr val="accent1"/>
-          </a:fillRef>
-          <a:effectRef idx="0">
-            <a:schemeClr val="accent1"/>
-          </a:effectRef>
-          <a:fontRef idx="minor">
-            <a:schemeClr val="lt1"/>
-          </a:fontRef>
-        </p:style>
-        <p:txBody>
-          <a:bodyPr rtlCol="0" anchor="ctr"/>
-          <a:lstStyle/>
-          <a:p>
-            <a:pPr algn="ctr"/>
-            <a:endParaRPr lang="ko-KR" altLang="en-US"/>
-          </a:p>
-        </p:txBody>
-      </p:sp>
-      <p:sp>
-        <p:nvSpPr>
-          <p:cNvPr id="19" name="TextBox 18"/>
-          <p:cNvSpPr txBox="1"/>
-          <p:nvPr/>
-        </p:nvSpPr>
-        <p:spPr>
-          <a:xfrm>
-            <a:off x="3787795" y="1538020"/>
-            <a:ext cx="5087869" cy="584775"/>
-          </a:xfrm>
-          <a:prstGeom prst="rect">
-            <a:avLst/>
-          </a:prstGeom>
-          <a:noFill/>
-        </p:spPr>
-        <p:txBody>
-          <a:bodyPr wrap="square" rtlCol="0">
-            <a:spAutoFit/>
-          </a:bodyPr>
-          <a:lstStyle/>
-          <a:p>
-            <a:r>
-              <a:rPr lang="ko-KR" altLang="en-US" sz="3200" dirty="0" smtClean="0">
-                <a:solidFill>
-                  <a:srgbClr val="E9E9EF"/>
-                </a:solidFill>
-                <a:latin typeface="+mn-ea"/>
-              </a:rPr>
-              <a:t>팀 구성 및 역할</a:t>
-            </a:r>
-            <a:endParaRPr lang="ko-KR" altLang="en-US" sz="3200" dirty="0">
-              <a:solidFill>
-                <a:srgbClr val="E9E9EF"/>
-              </a:solidFill>
-              <a:latin typeface="+mn-ea"/>
-            </a:endParaRPr>
-          </a:p>
-        </p:txBody>
-      </p:sp>
-      <p:sp>
-        <p:nvSpPr>
-          <p:cNvPr id="20" name="TextBox 19"/>
-          <p:cNvSpPr txBox="1"/>
-          <p:nvPr/>
-        </p:nvSpPr>
-        <p:spPr>
-          <a:xfrm>
-            <a:off x="3760319" y="2498881"/>
-            <a:ext cx="4432501" cy="584775"/>
-          </a:xfrm>
-          <a:prstGeom prst="rect">
-            <a:avLst/>
-          </a:prstGeom>
-          <a:noFill/>
-        </p:spPr>
-        <p:txBody>
-          <a:bodyPr wrap="square" rtlCol="0">
-            <a:spAutoFit/>
-          </a:bodyPr>
-          <a:lstStyle/>
-          <a:p>
-            <a:r>
-              <a:rPr lang="ko-KR" altLang="en-US" sz="3200" dirty="0" smtClean="0">
-                <a:solidFill>
-                  <a:srgbClr val="E9E9EF"/>
-                </a:solidFill>
-                <a:latin typeface="+mn-ea"/>
-              </a:rPr>
-              <a:t>프로젝트 </a:t>
-            </a:r>
-            <a:r>
-              <a:rPr lang="ko-KR" altLang="en-US" sz="3200" dirty="0">
-                <a:solidFill>
-                  <a:srgbClr val="E9E9EF"/>
-                </a:solidFill>
-                <a:latin typeface="+mn-ea"/>
-              </a:rPr>
-              <a:t>개발환경</a:t>
-            </a:r>
-          </a:p>
-        </p:txBody>
-      </p:sp>
-      <p:sp>
-        <p:nvSpPr>
-          <p:cNvPr id="21" name="TextBox 20"/>
-          <p:cNvSpPr txBox="1"/>
-          <p:nvPr/>
-        </p:nvSpPr>
-        <p:spPr>
-          <a:xfrm>
-            <a:off x="3787795" y="3494999"/>
-            <a:ext cx="4432501" cy="584775"/>
-          </a:xfrm>
-          <a:prstGeom prst="rect">
-            <a:avLst/>
-          </a:prstGeom>
-          <a:noFill/>
-        </p:spPr>
-        <p:txBody>
-          <a:bodyPr wrap="square" rtlCol="0">
-            <a:spAutoFit/>
-          </a:bodyPr>
-          <a:lstStyle/>
-          <a:p>
-            <a:r>
-              <a:rPr lang="ko-KR" altLang="en-US" sz="3200" dirty="0" smtClean="0">
-                <a:solidFill>
-                  <a:srgbClr val="E9E9EF"/>
-                </a:solidFill>
-                <a:latin typeface="+mn-ea"/>
-              </a:rPr>
-              <a:t>프로젝트 설계</a:t>
-            </a:r>
-            <a:endParaRPr lang="ko-KR" altLang="en-US" sz="3200" dirty="0">
-              <a:solidFill>
-                <a:srgbClr val="E9E9EF"/>
-              </a:solidFill>
-              <a:latin typeface="+mn-ea"/>
-            </a:endParaRPr>
-          </a:p>
-        </p:txBody>
-      </p:sp>
-      <p:sp>
-        <p:nvSpPr>
-          <p:cNvPr id="24" name="포인트가 5개인 별 23"/>
-          <p:cNvSpPr/>
-          <p:nvPr/>
-        </p:nvSpPr>
-        <p:spPr>
-          <a:xfrm>
-            <a:off x="3073415" y="1538020"/>
-            <a:ext cx="520602" cy="520602"/>
-          </a:xfrm>
-          <a:prstGeom prst="star5">
-            <a:avLst>
-              <a:gd name="adj" fmla="val 28567"/>
-              <a:gd name="hf" fmla="val 105146"/>
-              <a:gd name="vf" fmla="val 110557"/>
-            </a:avLst>
-          </a:prstGeom>
-          <a:solidFill>
-            <a:srgbClr val="C5C5D5"/>
-          </a:solidFill>
-          <a:ln>
-            <a:noFill/>
-          </a:ln>
-        </p:spPr>
-        <p:style>
-          <a:lnRef idx="2">
-            <a:schemeClr val="accent1">
-              <a:shade val="50000"/>
-            </a:schemeClr>
-          </a:lnRef>
-          <a:fillRef idx="1">
-            <a:schemeClr val="accent1"/>
-          </a:fillRef>
-          <a:effectRef idx="0">
-            <a:schemeClr val="accent1"/>
-          </a:effectRef>
-          <a:fontRef idx="minor">
-            <a:schemeClr val="lt1"/>
-          </a:fontRef>
-        </p:style>
-        <p:txBody>
-          <a:bodyPr rtlCol="0" anchor="ctr"/>
-          <a:lstStyle/>
-          <a:p>
-            <a:pPr algn="ctr"/>
-            <a:endParaRPr lang="ko-KR" altLang="en-US">
-              <a:solidFill>
-                <a:srgbClr val="C5C5D5"/>
-              </a:solidFill>
-            </a:endParaRPr>
-          </a:p>
-        </p:txBody>
-      </p:sp>
-      <p:sp>
-        <p:nvSpPr>
-          <p:cNvPr id="25" name="포인트가 5개인 별 24"/>
-          <p:cNvSpPr/>
-          <p:nvPr/>
-        </p:nvSpPr>
-        <p:spPr>
-          <a:xfrm>
-            <a:off x="3073415" y="3494998"/>
-            <a:ext cx="520602" cy="520602"/>
-          </a:xfrm>
-          <a:prstGeom prst="star5">
-            <a:avLst>
-              <a:gd name="adj" fmla="val 28567"/>
-              <a:gd name="hf" fmla="val 105146"/>
-              <a:gd name="vf" fmla="val 110557"/>
-            </a:avLst>
-          </a:prstGeom>
-          <a:solidFill>
-            <a:srgbClr val="C5C5D5"/>
-          </a:solidFill>
-          <a:ln>
-            <a:noFill/>
-          </a:ln>
-        </p:spPr>
-        <p:style>
-          <a:lnRef idx="2">
-            <a:schemeClr val="accent1">
-              <a:shade val="50000"/>
-            </a:schemeClr>
-          </a:lnRef>
-          <a:fillRef idx="1">
-            <a:schemeClr val="accent1"/>
-          </a:fillRef>
-          <a:effectRef idx="0">
-            <a:schemeClr val="accent1"/>
-          </a:effectRef>
-          <a:fontRef idx="minor">
-            <a:schemeClr val="lt1"/>
-          </a:fontRef>
-        </p:style>
-        <p:txBody>
-          <a:bodyPr rtlCol="0" anchor="ctr"/>
-          <a:lstStyle/>
-          <a:p>
-            <a:pPr algn="ctr"/>
-            <a:endParaRPr lang="ko-KR" altLang="en-US">
-              <a:solidFill>
-                <a:srgbClr val="C5C5D5"/>
-              </a:solidFill>
-            </a:endParaRPr>
-          </a:p>
-        </p:txBody>
-      </p:sp>
-      <p:sp>
-        <p:nvSpPr>
-          <p:cNvPr id="26" name="자유형 25"/>
-          <p:cNvSpPr/>
-          <p:nvPr/>
-        </p:nvSpPr>
-        <p:spPr>
-          <a:xfrm rot="900000">
-            <a:off x="3129969" y="2599046"/>
-            <a:ext cx="380019" cy="487047"/>
-          </a:xfrm>
-          <a:custGeom>
-            <a:avLst/>
-            <a:gdLst>
-              <a:gd name="connsiteX0" fmla="*/ 539266 w 1501374"/>
-              <a:gd name="connsiteY0" fmla="*/ 0 h 1924216"/>
-              <a:gd name="connsiteX1" fmla="*/ 1501374 w 1501374"/>
-              <a:gd name="connsiteY1" fmla="*/ 962108 h 1924216"/>
-              <a:gd name="connsiteX2" fmla="*/ 539266 w 1501374"/>
-              <a:gd name="connsiteY2" fmla="*/ 1924216 h 1924216"/>
-              <a:gd name="connsiteX3" fmla="*/ 1342 w 1501374"/>
-              <a:gd name="connsiteY3" fmla="*/ 1759903 h 1924216"/>
-              <a:gd name="connsiteX4" fmla="*/ 0 w 1501374"/>
-              <a:gd name="connsiteY4" fmla="*/ 1758796 h 1924216"/>
-              <a:gd name="connsiteX5" fmla="*/ 65011 w 1501374"/>
-              <a:gd name="connsiteY5" fmla="*/ 1748874 h 1924216"/>
-              <a:gd name="connsiteX6" fmla="*/ 706244 w 1501374"/>
-              <a:gd name="connsiteY6" fmla="*/ 962108 h 1924216"/>
-              <a:gd name="connsiteX7" fmla="*/ 65011 w 1501374"/>
-              <a:gd name="connsiteY7" fmla="*/ 175342 h 1924216"/>
-              <a:gd name="connsiteX8" fmla="*/ 0 w 1501374"/>
-              <a:gd name="connsiteY8" fmla="*/ 165420 h 1924216"/>
-              <a:gd name="connsiteX9" fmla="*/ 1342 w 1501374"/>
-              <a:gd name="connsiteY9" fmla="*/ 164313 h 1924216"/>
-              <a:gd name="connsiteX10" fmla="*/ 539266 w 1501374"/>
-              <a:gd name="connsiteY10" fmla="*/ 0 h 1924216"/>
-            </a:gdLst>
-            <a:ahLst/>
-            <a:cxnLst>
-              <a:cxn ang="0">
-                <a:pos x="connsiteX0" y="connsiteY0"/>
-              </a:cxn>
-              <a:cxn ang="0">
-                <a:pos x="connsiteX1" y="connsiteY1"/>
-              </a:cxn>
-              <a:cxn ang="0">
-                <a:pos x="connsiteX2" y="connsiteY2"/>
-              </a:cxn>
-              <a:cxn ang="0">
-                <a:pos x="connsiteX3" y="connsiteY3"/>
-              </a:cxn>
-              <a:cxn ang="0">
-                <a:pos x="connsiteX4" y="connsiteY4"/>
-              </a:cxn>
-              <a:cxn ang="0">
-                <a:pos x="connsiteX5" y="connsiteY5"/>
-              </a:cxn>
-              <a:cxn ang="0">
-                <a:pos x="connsiteX6" y="connsiteY6"/>
-              </a:cxn>
-              <a:cxn ang="0">
-                <a:pos x="connsiteX7" y="connsiteY7"/>
-              </a:cxn>
-              <a:cxn ang="0">
-                <a:pos x="connsiteX8" y="connsiteY8"/>
-              </a:cxn>
-              <a:cxn ang="0">
-                <a:pos x="connsiteX9" y="connsiteY9"/>
-              </a:cxn>
-              <a:cxn ang="0">
-                <a:pos x="connsiteX10" y="connsiteY10"/>
-              </a:cxn>
-            </a:cxnLst>
-            <a:rect l="l" t="t" r="r" b="b"/>
-            <a:pathLst>
-              <a:path w="1501374" h="1924216">
-                <a:moveTo>
-                  <a:pt x="539266" y="0"/>
-                </a:moveTo>
-                <a:cubicBezTo>
-                  <a:pt x="1070624" y="0"/>
-                  <a:pt x="1501374" y="430750"/>
-                  <a:pt x="1501374" y="962108"/>
-                </a:cubicBezTo>
-                <a:cubicBezTo>
-                  <a:pt x="1501374" y="1493466"/>
-                  <a:pt x="1070624" y="1924216"/>
-                  <a:pt x="539266" y="1924216"/>
-                </a:cubicBezTo>
-                <a:cubicBezTo>
-                  <a:pt x="340007" y="1924216"/>
-                  <a:pt x="154896" y="1863642"/>
-                  <a:pt x="1342" y="1759903"/>
-                </a:cubicBezTo>
-                <a:lnTo>
-                  <a:pt x="0" y="1758796"/>
-                </a:lnTo>
-                <a:lnTo>
-                  <a:pt x="65011" y="1748874"/>
-                </a:lnTo>
-                <a:cubicBezTo>
-                  <a:pt x="430962" y="1673990"/>
-                  <a:pt x="706244" y="1350197"/>
-                  <a:pt x="706244" y="962108"/>
-                </a:cubicBezTo>
-                <a:cubicBezTo>
-                  <a:pt x="706244" y="574019"/>
-                  <a:pt x="430962" y="250226"/>
-                  <a:pt x="65011" y="175342"/>
-                </a:cubicBezTo>
-                <a:lnTo>
-                  <a:pt x="0" y="165420"/>
-                </a:lnTo>
-                <a:lnTo>
-                  <a:pt x="1342" y="164313"/>
-                </a:lnTo>
-                <a:cubicBezTo>
-                  <a:pt x="154896" y="60574"/>
-                  <a:pt x="340007" y="0"/>
-                  <a:pt x="539266" y="0"/>
-                </a:cubicBezTo>
-                <a:close/>
-              </a:path>
-            </a:pathLst>
-          </a:custGeom>
-          <a:solidFill>
-            <a:srgbClr val="FFF5D9"/>
-          </a:solidFill>
-          <a:ln>
-            <a:noFill/>
-          </a:ln>
-        </p:spPr>
-        <p:style>
-          <a:lnRef idx="2">
-            <a:schemeClr val="accent1">
-              <a:shade val="50000"/>
-            </a:schemeClr>
-          </a:lnRef>
-          <a:fillRef idx="1">
-            <a:schemeClr val="accent1"/>
-          </a:fillRef>
-          <a:effectRef idx="0">
-            <a:schemeClr val="accent1"/>
-          </a:effectRef>
-          <a:fontRef idx="minor">
-            <a:schemeClr val="lt1"/>
-          </a:fontRef>
-        </p:style>
-        <p:txBody>
-          <a:bodyPr rtlCol="0" anchor="ctr"/>
-          <a:lstStyle/>
-          <a:p>
-            <a:pPr algn="ctr"/>
-            <a:endParaRPr lang="ko-KR" altLang="en-US"/>
-          </a:p>
-        </p:txBody>
-      </p:sp>
-      <p:sp>
-        <p:nvSpPr>
-          <p:cNvPr id="27" name="자유형 26"/>
-          <p:cNvSpPr/>
-          <p:nvPr/>
-        </p:nvSpPr>
-        <p:spPr>
-          <a:xfrm rot="900000">
-            <a:off x="3129969" y="4531999"/>
-            <a:ext cx="380019" cy="487047"/>
-          </a:xfrm>
-          <a:custGeom>
-            <a:avLst/>
-            <a:gdLst>
-              <a:gd name="connsiteX0" fmla="*/ 539266 w 1501374"/>
-              <a:gd name="connsiteY0" fmla="*/ 0 h 1924216"/>
-              <a:gd name="connsiteX1" fmla="*/ 1501374 w 1501374"/>
-              <a:gd name="connsiteY1" fmla="*/ 962108 h 1924216"/>
-              <a:gd name="connsiteX2" fmla="*/ 539266 w 1501374"/>
-              <a:gd name="connsiteY2" fmla="*/ 1924216 h 1924216"/>
-              <a:gd name="connsiteX3" fmla="*/ 1342 w 1501374"/>
-              <a:gd name="connsiteY3" fmla="*/ 1759903 h 1924216"/>
-              <a:gd name="connsiteX4" fmla="*/ 0 w 1501374"/>
-              <a:gd name="connsiteY4" fmla="*/ 1758796 h 1924216"/>
-              <a:gd name="connsiteX5" fmla="*/ 65011 w 1501374"/>
-              <a:gd name="connsiteY5" fmla="*/ 1748874 h 1924216"/>
-              <a:gd name="connsiteX6" fmla="*/ 706244 w 1501374"/>
-              <a:gd name="connsiteY6" fmla="*/ 962108 h 1924216"/>
-              <a:gd name="connsiteX7" fmla="*/ 65011 w 1501374"/>
-              <a:gd name="connsiteY7" fmla="*/ 175342 h 1924216"/>
-              <a:gd name="connsiteX8" fmla="*/ 0 w 1501374"/>
-              <a:gd name="connsiteY8" fmla="*/ 165420 h 1924216"/>
-              <a:gd name="connsiteX9" fmla="*/ 1342 w 1501374"/>
-              <a:gd name="connsiteY9" fmla="*/ 164313 h 1924216"/>
-              <a:gd name="connsiteX10" fmla="*/ 539266 w 1501374"/>
-              <a:gd name="connsiteY10" fmla="*/ 0 h 1924216"/>
-            </a:gdLst>
-            <a:ahLst/>
-            <a:cxnLst>
-              <a:cxn ang="0">
-                <a:pos x="connsiteX0" y="connsiteY0"/>
-              </a:cxn>
-              <a:cxn ang="0">
-                <a:pos x="connsiteX1" y="connsiteY1"/>
-              </a:cxn>
-              <a:cxn ang="0">
-                <a:pos x="connsiteX2" y="connsiteY2"/>
-              </a:cxn>
-              <a:cxn ang="0">
-                <a:pos x="connsiteX3" y="connsiteY3"/>
-              </a:cxn>
-              <a:cxn ang="0">
-                <a:pos x="connsiteX4" y="connsiteY4"/>
-              </a:cxn>
-              <a:cxn ang="0">
-                <a:pos x="connsiteX5" y="connsiteY5"/>
-              </a:cxn>
-              <a:cxn ang="0">
-                <a:pos x="connsiteX6" y="connsiteY6"/>
-              </a:cxn>
-              <a:cxn ang="0">
-                <a:pos x="connsiteX7" y="connsiteY7"/>
-              </a:cxn>
-              <a:cxn ang="0">
-                <a:pos x="connsiteX8" y="connsiteY8"/>
-              </a:cxn>
-              <a:cxn ang="0">
-                <a:pos x="connsiteX9" y="connsiteY9"/>
-              </a:cxn>
-              <a:cxn ang="0">
-                <a:pos x="connsiteX10" y="connsiteY10"/>
-              </a:cxn>
-            </a:cxnLst>
-            <a:rect l="l" t="t" r="r" b="b"/>
-            <a:pathLst>
-              <a:path w="1501374" h="1924216">
-                <a:moveTo>
-                  <a:pt x="539266" y="0"/>
-                </a:moveTo>
-                <a:cubicBezTo>
-                  <a:pt x="1070624" y="0"/>
-                  <a:pt x="1501374" y="430750"/>
-                  <a:pt x="1501374" y="962108"/>
-                </a:cubicBezTo>
-                <a:cubicBezTo>
-                  <a:pt x="1501374" y="1493466"/>
-                  <a:pt x="1070624" y="1924216"/>
-                  <a:pt x="539266" y="1924216"/>
-                </a:cubicBezTo>
-                <a:cubicBezTo>
-                  <a:pt x="340007" y="1924216"/>
-                  <a:pt x="154896" y="1863642"/>
-                  <a:pt x="1342" y="1759903"/>
-                </a:cubicBezTo>
-                <a:lnTo>
-                  <a:pt x="0" y="1758796"/>
-                </a:lnTo>
-                <a:lnTo>
-                  <a:pt x="65011" y="1748874"/>
-                </a:lnTo>
-                <a:cubicBezTo>
-                  <a:pt x="430962" y="1673990"/>
-                  <a:pt x="706244" y="1350197"/>
-                  <a:pt x="706244" y="962108"/>
-                </a:cubicBezTo>
-                <a:cubicBezTo>
-                  <a:pt x="706244" y="574019"/>
-                  <a:pt x="430962" y="250226"/>
-                  <a:pt x="65011" y="175342"/>
-                </a:cubicBezTo>
-                <a:lnTo>
-                  <a:pt x="0" y="165420"/>
-                </a:lnTo>
-                <a:lnTo>
-                  <a:pt x="1342" y="164313"/>
-                </a:lnTo>
-                <a:cubicBezTo>
-                  <a:pt x="154896" y="60574"/>
-                  <a:pt x="340007" y="0"/>
-                  <a:pt x="539266" y="0"/>
-                </a:cubicBezTo>
-                <a:close/>
-              </a:path>
-            </a:pathLst>
-          </a:custGeom>
-          <a:solidFill>
-            <a:srgbClr val="FFF5D9"/>
-          </a:solidFill>
-          <a:ln>
-            <a:noFill/>
-          </a:ln>
-        </p:spPr>
-        <p:style>
-          <a:lnRef idx="2">
-            <a:schemeClr val="accent1">
-              <a:shade val="50000"/>
-            </a:schemeClr>
-          </a:lnRef>
-          <a:fillRef idx="1">
-            <a:schemeClr val="accent1"/>
-          </a:fillRef>
-          <a:effectRef idx="0">
-            <a:schemeClr val="accent1"/>
-          </a:effectRef>
-          <a:fontRef idx="minor">
-            <a:schemeClr val="lt1"/>
-          </a:fontRef>
-        </p:style>
-        <p:txBody>
-          <a:bodyPr rtlCol="0" anchor="ctr"/>
-          <a:lstStyle/>
-          <a:p>
-            <a:pPr algn="ctr"/>
-            <a:endParaRPr lang="ko-KR" altLang="en-US"/>
-          </a:p>
-        </p:txBody>
-      </p:sp>
-      <p:sp>
-        <p:nvSpPr>
-          <p:cNvPr id="28" name="TextBox 27"/>
-          <p:cNvSpPr txBox="1"/>
-          <p:nvPr/>
-        </p:nvSpPr>
-        <p:spPr>
-          <a:xfrm>
-            <a:off x="3787795" y="4491117"/>
-            <a:ext cx="4432501" cy="584775"/>
-          </a:xfrm>
-          <a:prstGeom prst="rect">
-            <a:avLst/>
-          </a:prstGeom>
-          <a:noFill/>
-        </p:spPr>
-        <p:txBody>
-          <a:bodyPr wrap="square" rtlCol="0">
-            <a:spAutoFit/>
-          </a:bodyPr>
-          <a:lstStyle/>
-          <a:p>
-            <a:r>
-              <a:rPr lang="ko-KR" altLang="en-US" sz="3200" dirty="0" smtClean="0">
-                <a:solidFill>
-                  <a:srgbClr val="E9E9EF"/>
-                </a:solidFill>
-                <a:latin typeface="+mn-ea"/>
-              </a:rPr>
-              <a:t>프로젝트 수행 결과</a:t>
-            </a:r>
-            <a:endParaRPr lang="ko-KR" altLang="en-US" sz="3200" dirty="0">
-              <a:solidFill>
-                <a:srgbClr val="E9E9EF"/>
-              </a:solidFill>
-              <a:latin typeface="+mn-ea"/>
-            </a:endParaRPr>
-          </a:p>
-        </p:txBody>
-      </p:sp>
-      <p:sp>
-        <p:nvSpPr>
-          <p:cNvPr id="29" name="포인트가 5개인 별 28"/>
-          <p:cNvSpPr/>
-          <p:nvPr/>
-        </p:nvSpPr>
-        <p:spPr>
-          <a:xfrm>
-            <a:off x="3073414" y="5449846"/>
-            <a:ext cx="520602" cy="520602"/>
-          </a:xfrm>
-          <a:prstGeom prst="star5">
-            <a:avLst>
-              <a:gd name="adj" fmla="val 28567"/>
-              <a:gd name="hf" fmla="val 105146"/>
-              <a:gd name="vf" fmla="val 110557"/>
-            </a:avLst>
-          </a:prstGeom>
-          <a:solidFill>
-            <a:srgbClr val="C5C5D5"/>
-          </a:solidFill>
-          <a:ln>
-            <a:noFill/>
-          </a:ln>
-        </p:spPr>
-        <p:style>
-          <a:lnRef idx="2">
-            <a:schemeClr val="accent1">
-              <a:shade val="50000"/>
-            </a:schemeClr>
-          </a:lnRef>
-          <a:fillRef idx="1">
-            <a:schemeClr val="accent1"/>
-          </a:fillRef>
-          <a:effectRef idx="0">
-            <a:schemeClr val="accent1"/>
-          </a:effectRef>
-          <a:fontRef idx="minor">
-            <a:schemeClr val="lt1"/>
-          </a:fontRef>
-        </p:style>
-        <p:txBody>
-          <a:bodyPr rtlCol="0" anchor="ctr"/>
-          <a:lstStyle/>
-          <a:p>
-            <a:pPr algn="ctr"/>
-            <a:endParaRPr lang="ko-KR" altLang="en-US">
-              <a:solidFill>
-                <a:srgbClr val="C5C5D5"/>
-              </a:solidFill>
-            </a:endParaRPr>
-          </a:p>
-        </p:txBody>
-      </p:sp>
-      <p:sp>
-        <p:nvSpPr>
-          <p:cNvPr id="30" name="TextBox 29"/>
-          <p:cNvSpPr txBox="1"/>
-          <p:nvPr/>
-        </p:nvSpPr>
-        <p:spPr>
-          <a:xfrm>
-            <a:off x="3787794" y="5449846"/>
-            <a:ext cx="4432501" cy="584775"/>
-          </a:xfrm>
-          <a:prstGeom prst="rect">
-            <a:avLst/>
-          </a:prstGeom>
-          <a:noFill/>
-        </p:spPr>
-        <p:txBody>
-          <a:bodyPr wrap="square" rtlCol="0">
-            <a:spAutoFit/>
-          </a:bodyPr>
-          <a:lstStyle/>
-          <a:p>
-            <a:r>
-              <a:rPr lang="ko-KR" altLang="en-US" sz="3200" dirty="0" smtClean="0">
-                <a:solidFill>
-                  <a:srgbClr val="E9E9EF"/>
-                </a:solidFill>
-                <a:latin typeface="+mn-ea"/>
-              </a:rPr>
-              <a:t>프로젝트 자체 평가</a:t>
-            </a:r>
-            <a:endParaRPr lang="ko-KR" altLang="en-US" sz="3200" dirty="0">
-              <a:solidFill>
-                <a:srgbClr val="E9E9EF"/>
-              </a:solidFill>
-              <a:latin typeface="+mn-ea"/>
-            </a:endParaRPr>
-          </a:p>
-        </p:txBody>
-      </p:sp>
-    </p:spTree>
-    <p:extLst>
-      <p:ext uri="{BB962C8B-B14F-4D97-AF65-F5344CB8AC3E}">
-        <p14:creationId xmlns:p14="http://schemas.microsoft.com/office/powerpoint/2010/main" val="1876716273"/>
-      </p:ext>
-    </p:extLst>
-  </p:cSld>
-  <p:clrMapOvr>
-    <a:masterClrMapping/>
-  </p:clrMapOvr>
-  <p:timing>
-    <p:tnLst>
-      <p:par>
-        <p:cTn id="1" dur="indefinite" restart="never" nodeType="tmRoot"/>
-      </p:par>
-    </p:tnLst>
-  </p:timing>
-</p:sld>
-</file>
-
-<file path=ppt/slides/slide20.xml><?xml version="1.0" encoding="utf-8"?>
-<p:sld xmlns:a="http://schemas.openxmlformats.org/drawingml/2006/main" xmlns:r="http://schemas.openxmlformats.org/officeDocument/2006/relationships" xmlns:p="http://schemas.openxmlformats.org/presentationml/2006/main">
-  <p:cSld>
-    <p:spTree>
-      <p:nvGrpSpPr>
-        <p:cNvPr id="1" name=""/>
-        <p:cNvGrpSpPr/>
-        <p:nvPr/>
-      </p:nvGrpSpPr>
-      <p:grpSpPr>
-        <a:xfrm>
-          <a:off x="0" y="0"/>
-          <a:ext cx="0" cy="0"/>
-          <a:chOff x="0" y="0"/>
-          <a:chExt cx="0" cy="0"/>
-        </a:xfrm>
-      </p:grpSpPr>
-      <p:sp>
-        <p:nvSpPr>
-          <p:cNvPr id="2" name="자유형 1"/>
-          <p:cNvSpPr/>
-          <p:nvPr/>
-        </p:nvSpPr>
-        <p:spPr>
-          <a:xfrm rot="900000">
-            <a:off x="10237761" y="444577"/>
-            <a:ext cx="930216" cy="1192199"/>
-          </a:xfrm>
-          <a:custGeom>
-            <a:avLst/>
-            <a:gdLst>
-              <a:gd name="connsiteX0" fmla="*/ 539266 w 1501374"/>
-              <a:gd name="connsiteY0" fmla="*/ 0 h 1924216"/>
-              <a:gd name="connsiteX1" fmla="*/ 1501374 w 1501374"/>
-              <a:gd name="connsiteY1" fmla="*/ 962108 h 1924216"/>
-              <a:gd name="connsiteX2" fmla="*/ 539266 w 1501374"/>
-              <a:gd name="connsiteY2" fmla="*/ 1924216 h 1924216"/>
-              <a:gd name="connsiteX3" fmla="*/ 1342 w 1501374"/>
-              <a:gd name="connsiteY3" fmla="*/ 1759903 h 1924216"/>
-              <a:gd name="connsiteX4" fmla="*/ 0 w 1501374"/>
-              <a:gd name="connsiteY4" fmla="*/ 1758796 h 1924216"/>
-              <a:gd name="connsiteX5" fmla="*/ 65011 w 1501374"/>
-              <a:gd name="connsiteY5" fmla="*/ 1748874 h 1924216"/>
-              <a:gd name="connsiteX6" fmla="*/ 706244 w 1501374"/>
-              <a:gd name="connsiteY6" fmla="*/ 962108 h 1924216"/>
-              <a:gd name="connsiteX7" fmla="*/ 65011 w 1501374"/>
-              <a:gd name="connsiteY7" fmla="*/ 175342 h 1924216"/>
-              <a:gd name="connsiteX8" fmla="*/ 0 w 1501374"/>
-              <a:gd name="connsiteY8" fmla="*/ 165420 h 1924216"/>
-              <a:gd name="connsiteX9" fmla="*/ 1342 w 1501374"/>
-              <a:gd name="connsiteY9" fmla="*/ 164313 h 1924216"/>
-              <a:gd name="connsiteX10" fmla="*/ 539266 w 1501374"/>
-              <a:gd name="connsiteY10" fmla="*/ 0 h 1924216"/>
-            </a:gdLst>
-            <a:ahLst/>
-            <a:cxnLst>
-              <a:cxn ang="0">
-                <a:pos x="connsiteX0" y="connsiteY0"/>
-              </a:cxn>
-              <a:cxn ang="0">
-                <a:pos x="connsiteX1" y="connsiteY1"/>
-              </a:cxn>
-              <a:cxn ang="0">
-                <a:pos x="connsiteX2" y="connsiteY2"/>
-              </a:cxn>
-              <a:cxn ang="0">
-                <a:pos x="connsiteX3" y="connsiteY3"/>
-              </a:cxn>
-              <a:cxn ang="0">
-                <a:pos x="connsiteX4" y="connsiteY4"/>
-              </a:cxn>
-              <a:cxn ang="0">
-                <a:pos x="connsiteX5" y="connsiteY5"/>
-              </a:cxn>
-              <a:cxn ang="0">
-                <a:pos x="connsiteX6" y="connsiteY6"/>
-              </a:cxn>
-              <a:cxn ang="0">
-                <a:pos x="connsiteX7" y="connsiteY7"/>
-              </a:cxn>
-              <a:cxn ang="0">
-                <a:pos x="connsiteX8" y="connsiteY8"/>
-              </a:cxn>
-              <a:cxn ang="0">
-                <a:pos x="connsiteX9" y="connsiteY9"/>
-              </a:cxn>
-              <a:cxn ang="0">
-                <a:pos x="connsiteX10" y="connsiteY10"/>
-              </a:cxn>
-            </a:cxnLst>
-            <a:rect l="l" t="t" r="r" b="b"/>
-            <a:pathLst>
-              <a:path w="1501374" h="1924216">
-                <a:moveTo>
-                  <a:pt x="539266" y="0"/>
-                </a:moveTo>
-                <a:cubicBezTo>
-                  <a:pt x="1070624" y="0"/>
-                  <a:pt x="1501374" y="430750"/>
-                  <a:pt x="1501374" y="962108"/>
-                </a:cubicBezTo>
-                <a:cubicBezTo>
-                  <a:pt x="1501374" y="1493466"/>
-                  <a:pt x="1070624" y="1924216"/>
-                  <a:pt x="539266" y="1924216"/>
-                </a:cubicBezTo>
-                <a:cubicBezTo>
-                  <a:pt x="340007" y="1924216"/>
-                  <a:pt x="154896" y="1863642"/>
-                  <a:pt x="1342" y="1759903"/>
-                </a:cubicBezTo>
-                <a:lnTo>
-                  <a:pt x="0" y="1758796"/>
-                </a:lnTo>
-                <a:lnTo>
-                  <a:pt x="65011" y="1748874"/>
-                </a:lnTo>
-                <a:cubicBezTo>
-                  <a:pt x="430962" y="1673990"/>
-                  <a:pt x="706244" y="1350197"/>
-                  <a:pt x="706244" y="962108"/>
-                </a:cubicBezTo>
-                <a:cubicBezTo>
-                  <a:pt x="706244" y="574019"/>
-                  <a:pt x="430962" y="250226"/>
-                  <a:pt x="65011" y="175342"/>
-                </a:cubicBezTo>
-                <a:lnTo>
-                  <a:pt x="0" y="165420"/>
-                </a:lnTo>
-                <a:lnTo>
-                  <a:pt x="1342" y="164313"/>
-                </a:lnTo>
-                <a:cubicBezTo>
-                  <a:pt x="154896" y="60574"/>
-                  <a:pt x="340007" y="0"/>
-                  <a:pt x="539266" y="0"/>
-                </a:cubicBezTo>
-                <a:close/>
-              </a:path>
-            </a:pathLst>
-          </a:custGeom>
-          <a:solidFill>
-            <a:srgbClr val="FFF5D9"/>
-          </a:solidFill>
-          <a:ln>
-            <a:noFill/>
-          </a:ln>
-        </p:spPr>
-        <p:style>
-          <a:lnRef idx="2">
-            <a:schemeClr val="accent1">
-              <a:shade val="50000"/>
-            </a:schemeClr>
-          </a:lnRef>
-          <a:fillRef idx="1">
-            <a:schemeClr val="accent1"/>
-          </a:fillRef>
-          <a:effectRef idx="0">
-            <a:schemeClr val="accent1"/>
-          </a:effectRef>
-          <a:fontRef idx="minor">
-            <a:schemeClr val="lt1"/>
-          </a:fontRef>
-        </p:style>
-        <p:txBody>
-          <a:bodyPr rtlCol="0" anchor="ctr"/>
-          <a:lstStyle/>
-          <a:p>
-            <a:pPr algn="ctr"/>
-            <a:endParaRPr lang="ko-KR" altLang="en-US"/>
-          </a:p>
-        </p:txBody>
-      </p:sp>
-      <p:sp>
-        <p:nvSpPr>
-          <p:cNvPr id="3" name="순서도: 연결자 2"/>
-          <p:cNvSpPr/>
-          <p:nvPr/>
-        </p:nvSpPr>
-        <p:spPr>
-          <a:xfrm>
-            <a:off x="11611991" y="1206496"/>
-            <a:ext cx="190831" cy="190831"/>
-          </a:xfrm>
-          <a:prstGeom prst="flowChartConnector">
-            <a:avLst/>
-          </a:prstGeom>
-          <a:solidFill>
-            <a:srgbClr val="FFF5D9"/>
-          </a:solidFill>
-          <a:ln>
-            <a:noFill/>
-          </a:ln>
-        </p:spPr>
-        <p:style>
-          <a:lnRef idx="2">
-            <a:schemeClr val="accent1">
-              <a:shade val="50000"/>
-            </a:schemeClr>
-          </a:lnRef>
-          <a:fillRef idx="1">
-            <a:schemeClr val="accent1"/>
-          </a:fillRef>
-          <a:effectRef idx="0">
-            <a:schemeClr val="accent1"/>
-          </a:effectRef>
-          <a:fontRef idx="minor">
-            <a:schemeClr val="lt1"/>
-          </a:fontRef>
-        </p:style>
-        <p:txBody>
-          <a:bodyPr rtlCol="0" anchor="ctr"/>
-          <a:lstStyle/>
-          <a:p>
-            <a:pPr algn="ctr"/>
-            <a:endParaRPr lang="ko-KR" altLang="en-US"/>
-          </a:p>
-        </p:txBody>
-      </p:sp>
-      <p:sp>
-        <p:nvSpPr>
-          <p:cNvPr id="4" name="자유형 3"/>
-          <p:cNvSpPr/>
-          <p:nvPr/>
-        </p:nvSpPr>
-        <p:spPr>
-          <a:xfrm>
-            <a:off x="11167281" y="4988832"/>
+          <p:cNvPr id="5" name="자유형 4"/>
+          <p:cNvSpPr/>
+          <p:nvPr/>
+        </p:nvSpPr>
+        <p:spPr>
+          <a:xfrm>
+            <a:off x="9729068" y="3223907"/>
             <a:ext cx="635541" cy="814312"/>
           </a:xfrm>
           <a:custGeom>
@@ -16699,1299 +18979,6 @@
       </p:sp>
       <p:sp>
         <p:nvSpPr>
-          <p:cNvPr id="5" name="포인트가 4개인 별 4"/>
-          <p:cNvSpPr/>
-          <p:nvPr/>
-        </p:nvSpPr>
-        <p:spPr>
-          <a:xfrm>
-            <a:off x="418754" y="1794426"/>
-            <a:ext cx="535832" cy="535832"/>
-          </a:xfrm>
-          <a:prstGeom prst="star4">
-            <a:avLst>
-              <a:gd name="adj" fmla="val 25487"/>
-            </a:avLst>
-          </a:prstGeom>
-          <a:solidFill>
-            <a:srgbClr val="FFF5D9"/>
-          </a:solidFill>
-          <a:ln>
-            <a:noFill/>
-          </a:ln>
-        </p:spPr>
-        <p:style>
-          <a:lnRef idx="2">
-            <a:schemeClr val="accent1">
-              <a:shade val="50000"/>
-            </a:schemeClr>
-          </a:lnRef>
-          <a:fillRef idx="1">
-            <a:schemeClr val="accent1"/>
-          </a:fillRef>
-          <a:effectRef idx="0">
-            <a:schemeClr val="accent1"/>
-          </a:effectRef>
-          <a:fontRef idx="minor">
-            <a:schemeClr val="lt1"/>
-          </a:fontRef>
-        </p:style>
-        <p:txBody>
-          <a:bodyPr rtlCol="0" anchor="ctr"/>
-          <a:lstStyle/>
-          <a:p>
-            <a:pPr algn="ctr"/>
-            <a:endParaRPr lang="ko-KR" altLang="en-US"/>
-          </a:p>
-        </p:txBody>
-      </p:sp>
-      <p:sp>
-        <p:nvSpPr>
-          <p:cNvPr id="6" name="포인트가 4개인 별 5"/>
-          <p:cNvSpPr/>
-          <p:nvPr/>
-        </p:nvSpPr>
-        <p:spPr>
-          <a:xfrm rot="2556172">
-            <a:off x="11088699" y="2903667"/>
-            <a:ext cx="435422" cy="435422"/>
-          </a:xfrm>
-          <a:prstGeom prst="star4">
-            <a:avLst>
-              <a:gd name="adj" fmla="val 25487"/>
-            </a:avLst>
-          </a:prstGeom>
-          <a:solidFill>
-            <a:srgbClr val="FFF5D9"/>
-          </a:solidFill>
-          <a:ln>
-            <a:noFill/>
-          </a:ln>
-        </p:spPr>
-        <p:style>
-          <a:lnRef idx="2">
-            <a:schemeClr val="accent1">
-              <a:shade val="50000"/>
-            </a:schemeClr>
-          </a:lnRef>
-          <a:fillRef idx="1">
-            <a:schemeClr val="accent1"/>
-          </a:fillRef>
-          <a:effectRef idx="0">
-            <a:schemeClr val="accent1"/>
-          </a:effectRef>
-          <a:fontRef idx="minor">
-            <a:schemeClr val="lt1"/>
-          </a:fontRef>
-        </p:style>
-        <p:txBody>
-          <a:bodyPr rtlCol="0" anchor="ctr"/>
-          <a:lstStyle/>
-          <a:p>
-            <a:pPr algn="ctr"/>
-            <a:endParaRPr lang="ko-KR" altLang="en-US"/>
-          </a:p>
-        </p:txBody>
-      </p:sp>
-      <p:sp>
-        <p:nvSpPr>
-          <p:cNvPr id="7" name="포인트가 4개인 별 6"/>
-          <p:cNvSpPr/>
-          <p:nvPr/>
-        </p:nvSpPr>
-        <p:spPr>
-          <a:xfrm rot="1800000">
-            <a:off x="9779589" y="6214456"/>
-            <a:ext cx="406400" cy="406400"/>
-          </a:xfrm>
-          <a:prstGeom prst="star4">
-            <a:avLst/>
-          </a:prstGeom>
-          <a:solidFill>
-            <a:srgbClr val="FFF5D9"/>
-          </a:solidFill>
-          <a:ln>
-            <a:noFill/>
-          </a:ln>
-        </p:spPr>
-        <p:style>
-          <a:lnRef idx="2">
-            <a:schemeClr val="accent1">
-              <a:shade val="50000"/>
-            </a:schemeClr>
-          </a:lnRef>
-          <a:fillRef idx="1">
-            <a:schemeClr val="accent1"/>
-          </a:fillRef>
-          <a:effectRef idx="0">
-            <a:schemeClr val="accent1"/>
-          </a:effectRef>
-          <a:fontRef idx="minor">
-            <a:schemeClr val="lt1"/>
-          </a:fontRef>
-        </p:style>
-        <p:txBody>
-          <a:bodyPr rtlCol="0" anchor="ctr"/>
-          <a:lstStyle/>
-          <a:p>
-            <a:pPr algn="ctr"/>
-            <a:endParaRPr lang="ko-KR" altLang="en-US"/>
-          </a:p>
-        </p:txBody>
-      </p:sp>
-      <p:sp>
-        <p:nvSpPr>
-          <p:cNvPr id="8" name="포인트가 4개인 별 7"/>
-          <p:cNvSpPr/>
-          <p:nvPr/>
-        </p:nvSpPr>
-        <p:spPr>
-          <a:xfrm rot="2556172">
-            <a:off x="743253" y="5026952"/>
-            <a:ext cx="335777" cy="335777"/>
-          </a:xfrm>
-          <a:prstGeom prst="star4">
-            <a:avLst>
-              <a:gd name="adj" fmla="val 15124"/>
-            </a:avLst>
-          </a:prstGeom>
-          <a:solidFill>
-            <a:srgbClr val="FFF5D9"/>
-          </a:solidFill>
-          <a:ln>
-            <a:noFill/>
-          </a:ln>
-        </p:spPr>
-        <p:style>
-          <a:lnRef idx="2">
-            <a:schemeClr val="accent1">
-              <a:shade val="50000"/>
-            </a:schemeClr>
-          </a:lnRef>
-          <a:fillRef idx="1">
-            <a:schemeClr val="accent1"/>
-          </a:fillRef>
-          <a:effectRef idx="0">
-            <a:schemeClr val="accent1"/>
-          </a:effectRef>
-          <a:fontRef idx="minor">
-            <a:schemeClr val="lt1"/>
-          </a:fontRef>
-        </p:style>
-        <p:txBody>
-          <a:bodyPr rtlCol="0" anchor="ctr"/>
-          <a:lstStyle/>
-          <a:p>
-            <a:pPr algn="ctr"/>
-            <a:endParaRPr lang="ko-KR" altLang="en-US"/>
-          </a:p>
-        </p:txBody>
-      </p:sp>
-      <p:sp>
-        <p:nvSpPr>
-          <p:cNvPr id="9" name="순서도: 연결자 8"/>
-          <p:cNvSpPr/>
-          <p:nvPr/>
-        </p:nvSpPr>
-        <p:spPr>
-          <a:xfrm>
-            <a:off x="1531822" y="6184511"/>
-            <a:ext cx="147132" cy="147132"/>
-          </a:xfrm>
-          <a:prstGeom prst="flowChartConnector">
-            <a:avLst/>
-          </a:prstGeom>
-          <a:solidFill>
-            <a:srgbClr val="FFF5D9"/>
-          </a:solidFill>
-          <a:ln>
-            <a:noFill/>
-          </a:ln>
-        </p:spPr>
-        <p:style>
-          <a:lnRef idx="2">
-            <a:schemeClr val="accent1">
-              <a:shade val="50000"/>
-            </a:schemeClr>
-          </a:lnRef>
-          <a:fillRef idx="1">
-            <a:schemeClr val="accent1"/>
-          </a:fillRef>
-          <a:effectRef idx="0">
-            <a:schemeClr val="accent1"/>
-          </a:effectRef>
-          <a:fontRef idx="minor">
-            <a:schemeClr val="lt1"/>
-          </a:fontRef>
-        </p:style>
-        <p:txBody>
-          <a:bodyPr rtlCol="0" anchor="ctr"/>
-          <a:lstStyle/>
-          <a:p>
-            <a:pPr algn="ctr"/>
-            <a:endParaRPr lang="ko-KR" altLang="en-US"/>
-          </a:p>
-        </p:txBody>
-      </p:sp>
-      <p:sp>
-        <p:nvSpPr>
-          <p:cNvPr id="10" name="순서도: 연결자 9"/>
-          <p:cNvSpPr/>
-          <p:nvPr/>
-        </p:nvSpPr>
-        <p:spPr>
-          <a:xfrm>
-            <a:off x="10774984" y="6137358"/>
-            <a:ext cx="147132" cy="147132"/>
-          </a:xfrm>
-          <a:prstGeom prst="flowChartConnector">
-            <a:avLst/>
-          </a:prstGeom>
-          <a:solidFill>
-            <a:srgbClr val="FFF5D9"/>
-          </a:solidFill>
-          <a:ln>
-            <a:noFill/>
-          </a:ln>
-        </p:spPr>
-        <p:style>
-          <a:lnRef idx="2">
-            <a:schemeClr val="accent1">
-              <a:shade val="50000"/>
-            </a:schemeClr>
-          </a:lnRef>
-          <a:fillRef idx="1">
-            <a:schemeClr val="accent1"/>
-          </a:fillRef>
-          <a:effectRef idx="0">
-            <a:schemeClr val="accent1"/>
-          </a:effectRef>
-          <a:fontRef idx="minor">
-            <a:schemeClr val="lt1"/>
-          </a:fontRef>
-        </p:style>
-        <p:txBody>
-          <a:bodyPr rtlCol="0" anchor="ctr"/>
-          <a:lstStyle/>
-          <a:p>
-            <a:pPr algn="ctr"/>
-            <a:endParaRPr lang="ko-KR" altLang="en-US"/>
-          </a:p>
-        </p:txBody>
-      </p:sp>
-      <p:sp>
-        <p:nvSpPr>
-          <p:cNvPr id="11" name="포인트가 4개인 별 10"/>
-          <p:cNvSpPr/>
-          <p:nvPr/>
-        </p:nvSpPr>
-        <p:spPr>
-          <a:xfrm>
-            <a:off x="2688236" y="6210924"/>
-            <a:ext cx="413467" cy="413467"/>
-          </a:xfrm>
-          <a:prstGeom prst="star4">
-            <a:avLst>
-              <a:gd name="adj" fmla="val 8604"/>
-            </a:avLst>
-          </a:prstGeom>
-          <a:solidFill>
-            <a:srgbClr val="FFF5D9"/>
-          </a:solidFill>
-          <a:ln>
-            <a:noFill/>
-          </a:ln>
-        </p:spPr>
-        <p:style>
-          <a:lnRef idx="2">
-            <a:schemeClr val="accent1">
-              <a:shade val="50000"/>
-            </a:schemeClr>
-          </a:lnRef>
-          <a:fillRef idx="1">
-            <a:schemeClr val="accent1"/>
-          </a:fillRef>
-          <a:effectRef idx="0">
-            <a:schemeClr val="accent1"/>
-          </a:effectRef>
-          <a:fontRef idx="minor">
-            <a:schemeClr val="lt1"/>
-          </a:fontRef>
-        </p:style>
-        <p:txBody>
-          <a:bodyPr rtlCol="0" anchor="ctr"/>
-          <a:lstStyle/>
-          <a:p>
-            <a:pPr algn="ctr"/>
-            <a:endParaRPr lang="ko-KR" altLang="en-US"/>
-          </a:p>
-        </p:txBody>
-      </p:sp>
-      <p:sp>
-        <p:nvSpPr>
-          <p:cNvPr id="12" name="포인트가 4개인 별 11"/>
-          <p:cNvSpPr/>
-          <p:nvPr/>
-        </p:nvSpPr>
-        <p:spPr>
-          <a:xfrm>
-            <a:off x="1148364" y="556169"/>
-            <a:ext cx="464838" cy="464838"/>
-          </a:xfrm>
-          <a:prstGeom prst="star4">
-            <a:avLst/>
-          </a:prstGeom>
-          <a:solidFill>
-            <a:srgbClr val="FFF5D9"/>
-          </a:solidFill>
-          <a:ln>
-            <a:noFill/>
-          </a:ln>
-        </p:spPr>
-        <p:style>
-          <a:lnRef idx="2">
-            <a:schemeClr val="accent1">
-              <a:shade val="50000"/>
-            </a:schemeClr>
-          </a:lnRef>
-          <a:fillRef idx="1">
-            <a:schemeClr val="accent1"/>
-          </a:fillRef>
-          <a:effectRef idx="0">
-            <a:schemeClr val="accent1"/>
-          </a:effectRef>
-          <a:fontRef idx="minor">
-            <a:schemeClr val="lt1"/>
-          </a:fontRef>
-        </p:style>
-        <p:txBody>
-          <a:bodyPr rtlCol="0" anchor="ctr"/>
-          <a:lstStyle/>
-          <a:p>
-            <a:pPr algn="ctr"/>
-            <a:endParaRPr lang="ko-KR" altLang="en-US"/>
-          </a:p>
-        </p:txBody>
-      </p:sp>
-      <p:sp>
-        <p:nvSpPr>
-          <p:cNvPr id="13" name="순서도: 연결자 12"/>
-          <p:cNvSpPr/>
-          <p:nvPr/>
-        </p:nvSpPr>
-        <p:spPr>
-          <a:xfrm>
-            <a:off x="2410579" y="389851"/>
-            <a:ext cx="124836" cy="124836"/>
-          </a:xfrm>
-          <a:prstGeom prst="flowChartConnector">
-            <a:avLst/>
-          </a:prstGeom>
-          <a:solidFill>
-            <a:srgbClr val="FFF5D9"/>
-          </a:solidFill>
-          <a:ln>
-            <a:noFill/>
-          </a:ln>
-        </p:spPr>
-        <p:style>
-          <a:lnRef idx="2">
-            <a:schemeClr val="accent1">
-              <a:shade val="50000"/>
-            </a:schemeClr>
-          </a:lnRef>
-          <a:fillRef idx="1">
-            <a:schemeClr val="accent1"/>
-          </a:fillRef>
-          <a:effectRef idx="0">
-            <a:schemeClr val="accent1"/>
-          </a:effectRef>
-          <a:fontRef idx="minor">
-            <a:schemeClr val="lt1"/>
-          </a:fontRef>
-        </p:style>
-        <p:txBody>
-          <a:bodyPr rtlCol="0" anchor="ctr"/>
-          <a:lstStyle/>
-          <a:p>
-            <a:pPr algn="ctr"/>
-            <a:endParaRPr lang="ko-KR" altLang="en-US"/>
-          </a:p>
-        </p:txBody>
-      </p:sp>
-      <p:sp>
-        <p:nvSpPr>
-          <p:cNvPr id="14" name="TextBox 13"/>
-          <p:cNvSpPr txBox="1"/>
-          <p:nvPr/>
-        </p:nvSpPr>
-        <p:spPr>
-          <a:xfrm>
-            <a:off x="2354198" y="326923"/>
-            <a:ext cx="7004133" cy="923330"/>
-          </a:xfrm>
-          <a:prstGeom prst="rect">
-            <a:avLst/>
-          </a:prstGeom>
-          <a:noFill/>
-        </p:spPr>
-        <p:txBody>
-          <a:bodyPr wrap="square" rtlCol="0">
-            <a:spAutoFit/>
-          </a:bodyPr>
-          <a:lstStyle/>
-          <a:p>
-            <a:pPr algn="ctr"/>
-            <a:r>
-              <a:rPr lang="ko-KR" altLang="en-US" sz="5400" dirty="0" smtClean="0">
-                <a:solidFill>
-                  <a:srgbClr val="FFF5D9"/>
-                </a:solidFill>
-                <a:latin typeface="+mj-ea"/>
-                <a:ea typeface="+mj-ea"/>
-              </a:rPr>
-              <a:t>프로젝트 자체평가</a:t>
-            </a:r>
-            <a:endParaRPr lang="ko-KR" altLang="en-US" sz="5400" dirty="0">
-              <a:solidFill>
-                <a:schemeClr val="bg1"/>
-              </a:solidFill>
-              <a:latin typeface="+mj-ea"/>
-              <a:ea typeface="+mj-ea"/>
-            </a:endParaRPr>
-          </a:p>
-        </p:txBody>
-      </p:sp>
-      <p:sp>
-        <p:nvSpPr>
-          <p:cNvPr id="15" name="순서도: 연결자 14"/>
-          <p:cNvSpPr/>
-          <p:nvPr/>
-        </p:nvSpPr>
-        <p:spPr>
-          <a:xfrm>
-            <a:off x="9368782" y="403854"/>
-            <a:ext cx="124836" cy="124836"/>
-          </a:xfrm>
-          <a:prstGeom prst="flowChartConnector">
-            <a:avLst/>
-          </a:prstGeom>
-          <a:solidFill>
-            <a:srgbClr val="FFF5D9"/>
-          </a:solidFill>
-          <a:ln>
-            <a:noFill/>
-          </a:ln>
-        </p:spPr>
-        <p:style>
-          <a:lnRef idx="2">
-            <a:schemeClr val="accent1">
-              <a:shade val="50000"/>
-            </a:schemeClr>
-          </a:lnRef>
-          <a:fillRef idx="1">
-            <a:schemeClr val="accent1"/>
-          </a:fillRef>
-          <a:effectRef idx="0">
-            <a:schemeClr val="accent1"/>
-          </a:effectRef>
-          <a:fontRef idx="minor">
-            <a:schemeClr val="lt1"/>
-          </a:fontRef>
-        </p:style>
-        <p:txBody>
-          <a:bodyPr rtlCol="0" anchor="ctr"/>
-          <a:lstStyle/>
-          <a:p>
-            <a:pPr algn="ctr"/>
-            <a:endParaRPr lang="ko-KR" altLang="en-US"/>
-          </a:p>
-        </p:txBody>
-      </p:sp>
-      <p:sp>
-        <p:nvSpPr>
-          <p:cNvPr id="18" name="모서리가 둥근 직사각형 17"/>
-          <p:cNvSpPr/>
-          <p:nvPr/>
-        </p:nvSpPr>
-        <p:spPr>
-          <a:xfrm>
-            <a:off x="1246033" y="1915900"/>
-            <a:ext cx="2225814" cy="3373717"/>
-          </a:xfrm>
-          <a:prstGeom prst="roundRect">
-            <a:avLst/>
-          </a:prstGeom>
-          <a:solidFill>
-            <a:srgbClr val="FFF5D9"/>
-          </a:solidFill>
-        </p:spPr>
-        <p:style>
-          <a:lnRef idx="2">
-            <a:schemeClr val="accent1">
-              <a:shade val="50000"/>
-            </a:schemeClr>
-          </a:lnRef>
-          <a:fillRef idx="1">
-            <a:schemeClr val="accent1"/>
-          </a:fillRef>
-          <a:effectRef idx="0">
-            <a:schemeClr val="accent1"/>
-          </a:effectRef>
-          <a:fontRef idx="minor">
-            <a:schemeClr val="lt1"/>
-          </a:fontRef>
-        </p:style>
-        <p:txBody>
-          <a:bodyPr rtlCol="0" anchor="ctr"/>
-          <a:lstStyle/>
-          <a:p>
-            <a:pPr algn="ctr"/>
-            <a:endParaRPr lang="ko-KR" altLang="en-US"/>
-          </a:p>
-        </p:txBody>
-      </p:sp>
-      <p:sp>
-        <p:nvSpPr>
-          <p:cNvPr id="19" name="모서리가 둥근 직사각형 18"/>
-          <p:cNvSpPr/>
-          <p:nvPr/>
-        </p:nvSpPr>
-        <p:spPr>
-          <a:xfrm>
-            <a:off x="3688155" y="1915901"/>
-            <a:ext cx="2225814" cy="3373717"/>
-          </a:xfrm>
-          <a:prstGeom prst="roundRect">
-            <a:avLst/>
-          </a:prstGeom>
-          <a:solidFill>
-            <a:srgbClr val="FFF5D9"/>
-          </a:solidFill>
-        </p:spPr>
-        <p:style>
-          <a:lnRef idx="2">
-            <a:schemeClr val="accent1">
-              <a:shade val="50000"/>
-            </a:schemeClr>
-          </a:lnRef>
-          <a:fillRef idx="1">
-            <a:schemeClr val="accent1"/>
-          </a:fillRef>
-          <a:effectRef idx="0">
-            <a:schemeClr val="accent1"/>
-          </a:effectRef>
-          <a:fontRef idx="minor">
-            <a:schemeClr val="lt1"/>
-          </a:fontRef>
-        </p:style>
-        <p:txBody>
-          <a:bodyPr rtlCol="0" anchor="ctr"/>
-          <a:lstStyle/>
-          <a:p>
-            <a:pPr algn="ctr"/>
-            <a:endParaRPr lang="ko-KR" altLang="en-US"/>
-          </a:p>
-        </p:txBody>
-      </p:sp>
-      <p:sp>
-        <p:nvSpPr>
-          <p:cNvPr id="20" name="모서리가 둥근 직사각형 19"/>
-          <p:cNvSpPr/>
-          <p:nvPr/>
-        </p:nvSpPr>
-        <p:spPr>
-          <a:xfrm>
-            <a:off x="6146319" y="1915900"/>
-            <a:ext cx="2225814" cy="3373717"/>
-          </a:xfrm>
-          <a:prstGeom prst="roundRect">
-            <a:avLst/>
-          </a:prstGeom>
-          <a:solidFill>
-            <a:srgbClr val="FFF5D9"/>
-          </a:solidFill>
-        </p:spPr>
-        <p:style>
-          <a:lnRef idx="2">
-            <a:schemeClr val="accent1">
-              <a:shade val="50000"/>
-            </a:schemeClr>
-          </a:lnRef>
-          <a:fillRef idx="1">
-            <a:schemeClr val="accent1"/>
-          </a:fillRef>
-          <a:effectRef idx="0">
-            <a:schemeClr val="accent1"/>
-          </a:effectRef>
-          <a:fontRef idx="minor">
-            <a:schemeClr val="lt1"/>
-          </a:fontRef>
-        </p:style>
-        <p:txBody>
-          <a:bodyPr rtlCol="0" anchor="ctr"/>
-          <a:lstStyle/>
-          <a:p>
-            <a:pPr algn="ctr"/>
-            <a:endParaRPr lang="ko-KR" altLang="en-US"/>
-          </a:p>
-        </p:txBody>
-      </p:sp>
-      <p:sp>
-        <p:nvSpPr>
-          <p:cNvPr id="21" name="모서리가 둥근 직사각형 20"/>
-          <p:cNvSpPr/>
-          <p:nvPr/>
-        </p:nvSpPr>
-        <p:spPr>
-          <a:xfrm>
-            <a:off x="8588441" y="1915900"/>
-            <a:ext cx="2225814" cy="3373717"/>
-          </a:xfrm>
-          <a:prstGeom prst="roundRect">
-            <a:avLst/>
-          </a:prstGeom>
-          <a:solidFill>
-            <a:srgbClr val="FFF5D9"/>
-          </a:solidFill>
-        </p:spPr>
-        <p:style>
-          <a:lnRef idx="2">
-            <a:schemeClr val="accent1">
-              <a:shade val="50000"/>
-            </a:schemeClr>
-          </a:lnRef>
-          <a:fillRef idx="1">
-            <a:schemeClr val="accent1"/>
-          </a:fillRef>
-          <a:effectRef idx="0">
-            <a:schemeClr val="accent1"/>
-          </a:effectRef>
-          <a:fontRef idx="minor">
-            <a:schemeClr val="lt1"/>
-          </a:fontRef>
-        </p:style>
-        <p:txBody>
-          <a:bodyPr rtlCol="0" anchor="ctr"/>
-          <a:lstStyle/>
-          <a:p>
-            <a:pPr algn="ctr"/>
-            <a:endParaRPr lang="ko-KR" altLang="en-US"/>
-          </a:p>
-        </p:txBody>
-      </p:sp>
-    </p:spTree>
-    <p:extLst>
-      <p:ext uri="{BB962C8B-B14F-4D97-AF65-F5344CB8AC3E}">
-        <p14:creationId xmlns:p14="http://schemas.microsoft.com/office/powerpoint/2010/main" val="3046509122"/>
-      </p:ext>
-    </p:extLst>
-  </p:cSld>
-  <p:clrMapOvr>
-    <a:masterClrMapping/>
-  </p:clrMapOvr>
-  <p:timing>
-    <p:tnLst>
-      <p:par>
-        <p:cTn id="1" dur="indefinite" restart="never" nodeType="tmRoot"/>
-      </p:par>
-    </p:tnLst>
-  </p:timing>
-</p:sld>
-</file>
-
-<file path=ppt/slides/slide21.xml><?xml version="1.0" encoding="utf-8"?>
-<p:sld xmlns:a="http://schemas.openxmlformats.org/drawingml/2006/main" xmlns:r="http://schemas.openxmlformats.org/officeDocument/2006/relationships" xmlns:p="http://schemas.openxmlformats.org/presentationml/2006/main">
-  <p:cSld>
-    <p:spTree>
-      <p:nvGrpSpPr>
-        <p:cNvPr id="1" name=""/>
-        <p:cNvGrpSpPr/>
-        <p:nvPr/>
-      </p:nvGrpSpPr>
-      <p:grpSpPr>
-        <a:xfrm>
-          <a:off x="0" y="0"/>
-          <a:ext cx="0" cy="0"/>
-          <a:chOff x="0" y="0"/>
-          <a:chExt cx="0" cy="0"/>
-        </a:xfrm>
-      </p:grpSpPr>
-      <p:sp>
-        <p:nvSpPr>
-          <p:cNvPr id="2" name="자유형 1"/>
-          <p:cNvSpPr/>
-          <p:nvPr/>
-        </p:nvSpPr>
-        <p:spPr>
-          <a:xfrm rot="900000">
-            <a:off x="7738369" y="1138181"/>
-            <a:ext cx="1501374" cy="1924216"/>
-          </a:xfrm>
-          <a:custGeom>
-            <a:avLst/>
-            <a:gdLst>
-              <a:gd name="connsiteX0" fmla="*/ 539266 w 1501374"/>
-              <a:gd name="connsiteY0" fmla="*/ 0 h 1924216"/>
-              <a:gd name="connsiteX1" fmla="*/ 1501374 w 1501374"/>
-              <a:gd name="connsiteY1" fmla="*/ 962108 h 1924216"/>
-              <a:gd name="connsiteX2" fmla="*/ 539266 w 1501374"/>
-              <a:gd name="connsiteY2" fmla="*/ 1924216 h 1924216"/>
-              <a:gd name="connsiteX3" fmla="*/ 1342 w 1501374"/>
-              <a:gd name="connsiteY3" fmla="*/ 1759903 h 1924216"/>
-              <a:gd name="connsiteX4" fmla="*/ 0 w 1501374"/>
-              <a:gd name="connsiteY4" fmla="*/ 1758796 h 1924216"/>
-              <a:gd name="connsiteX5" fmla="*/ 65011 w 1501374"/>
-              <a:gd name="connsiteY5" fmla="*/ 1748874 h 1924216"/>
-              <a:gd name="connsiteX6" fmla="*/ 706244 w 1501374"/>
-              <a:gd name="connsiteY6" fmla="*/ 962108 h 1924216"/>
-              <a:gd name="connsiteX7" fmla="*/ 65011 w 1501374"/>
-              <a:gd name="connsiteY7" fmla="*/ 175342 h 1924216"/>
-              <a:gd name="connsiteX8" fmla="*/ 0 w 1501374"/>
-              <a:gd name="connsiteY8" fmla="*/ 165420 h 1924216"/>
-              <a:gd name="connsiteX9" fmla="*/ 1342 w 1501374"/>
-              <a:gd name="connsiteY9" fmla="*/ 164313 h 1924216"/>
-              <a:gd name="connsiteX10" fmla="*/ 539266 w 1501374"/>
-              <a:gd name="connsiteY10" fmla="*/ 0 h 1924216"/>
-            </a:gdLst>
-            <a:ahLst/>
-            <a:cxnLst>
-              <a:cxn ang="0">
-                <a:pos x="connsiteX0" y="connsiteY0"/>
-              </a:cxn>
-              <a:cxn ang="0">
-                <a:pos x="connsiteX1" y="connsiteY1"/>
-              </a:cxn>
-              <a:cxn ang="0">
-                <a:pos x="connsiteX2" y="connsiteY2"/>
-              </a:cxn>
-              <a:cxn ang="0">
-                <a:pos x="connsiteX3" y="connsiteY3"/>
-              </a:cxn>
-              <a:cxn ang="0">
-                <a:pos x="connsiteX4" y="connsiteY4"/>
-              </a:cxn>
-              <a:cxn ang="0">
-                <a:pos x="connsiteX5" y="connsiteY5"/>
-              </a:cxn>
-              <a:cxn ang="0">
-                <a:pos x="connsiteX6" y="connsiteY6"/>
-              </a:cxn>
-              <a:cxn ang="0">
-                <a:pos x="connsiteX7" y="connsiteY7"/>
-              </a:cxn>
-              <a:cxn ang="0">
-                <a:pos x="connsiteX8" y="connsiteY8"/>
-              </a:cxn>
-              <a:cxn ang="0">
-                <a:pos x="connsiteX9" y="connsiteY9"/>
-              </a:cxn>
-              <a:cxn ang="0">
-                <a:pos x="connsiteX10" y="connsiteY10"/>
-              </a:cxn>
-            </a:cxnLst>
-            <a:rect l="l" t="t" r="r" b="b"/>
-            <a:pathLst>
-              <a:path w="1501374" h="1924216">
-                <a:moveTo>
-                  <a:pt x="539266" y="0"/>
-                </a:moveTo>
-                <a:cubicBezTo>
-                  <a:pt x="1070624" y="0"/>
-                  <a:pt x="1501374" y="430750"/>
-                  <a:pt x="1501374" y="962108"/>
-                </a:cubicBezTo>
-                <a:cubicBezTo>
-                  <a:pt x="1501374" y="1493466"/>
-                  <a:pt x="1070624" y="1924216"/>
-                  <a:pt x="539266" y="1924216"/>
-                </a:cubicBezTo>
-                <a:cubicBezTo>
-                  <a:pt x="340007" y="1924216"/>
-                  <a:pt x="154896" y="1863642"/>
-                  <a:pt x="1342" y="1759903"/>
-                </a:cubicBezTo>
-                <a:lnTo>
-                  <a:pt x="0" y="1758796"/>
-                </a:lnTo>
-                <a:lnTo>
-                  <a:pt x="65011" y="1748874"/>
-                </a:lnTo>
-                <a:cubicBezTo>
-                  <a:pt x="430962" y="1673990"/>
-                  <a:pt x="706244" y="1350197"/>
-                  <a:pt x="706244" y="962108"/>
-                </a:cubicBezTo>
-                <a:cubicBezTo>
-                  <a:pt x="706244" y="574019"/>
-                  <a:pt x="430962" y="250226"/>
-                  <a:pt x="65011" y="175342"/>
-                </a:cubicBezTo>
-                <a:lnTo>
-                  <a:pt x="0" y="165420"/>
-                </a:lnTo>
-                <a:lnTo>
-                  <a:pt x="1342" y="164313"/>
-                </a:lnTo>
-                <a:cubicBezTo>
-                  <a:pt x="154896" y="60574"/>
-                  <a:pt x="340007" y="0"/>
-                  <a:pt x="539266" y="0"/>
-                </a:cubicBezTo>
-                <a:close/>
-              </a:path>
-            </a:pathLst>
-          </a:custGeom>
-          <a:solidFill>
-            <a:srgbClr val="FFF5D9"/>
-          </a:solidFill>
-          <a:ln>
-            <a:noFill/>
-          </a:ln>
-        </p:spPr>
-        <p:style>
-          <a:lnRef idx="2">
-            <a:schemeClr val="accent1">
-              <a:shade val="50000"/>
-            </a:schemeClr>
-          </a:lnRef>
-          <a:fillRef idx="1">
-            <a:schemeClr val="accent1"/>
-          </a:fillRef>
-          <a:effectRef idx="0">
-            <a:schemeClr val="accent1"/>
-          </a:effectRef>
-          <a:fontRef idx="minor">
-            <a:schemeClr val="lt1"/>
-          </a:fontRef>
-        </p:style>
-        <p:txBody>
-          <a:bodyPr rtlCol="0" anchor="ctr"/>
-          <a:lstStyle/>
-          <a:p>
-            <a:pPr algn="ctr"/>
-            <a:endParaRPr lang="ko-KR" altLang="en-US"/>
-          </a:p>
-        </p:txBody>
-      </p:sp>
-      <p:sp>
-        <p:nvSpPr>
-          <p:cNvPr id="3" name="순서도: 연결자 2"/>
-          <p:cNvSpPr/>
-          <p:nvPr/>
-        </p:nvSpPr>
-        <p:spPr>
-          <a:xfrm>
-            <a:off x="4021494" y="1909458"/>
-            <a:ext cx="190831" cy="190831"/>
-          </a:xfrm>
-          <a:prstGeom prst="flowChartConnector">
-            <a:avLst/>
-          </a:prstGeom>
-          <a:solidFill>
-            <a:srgbClr val="FFF5D9"/>
-          </a:solidFill>
-          <a:ln>
-            <a:noFill/>
-          </a:ln>
-        </p:spPr>
-        <p:style>
-          <a:lnRef idx="2">
-            <a:schemeClr val="accent1">
-              <a:shade val="50000"/>
-            </a:schemeClr>
-          </a:lnRef>
-          <a:fillRef idx="1">
-            <a:schemeClr val="accent1"/>
-          </a:fillRef>
-          <a:effectRef idx="0">
-            <a:schemeClr val="accent1"/>
-          </a:effectRef>
-          <a:fontRef idx="minor">
-            <a:schemeClr val="lt1"/>
-          </a:fontRef>
-        </p:style>
-        <p:txBody>
-          <a:bodyPr rtlCol="0" anchor="ctr"/>
-          <a:lstStyle/>
-          <a:p>
-            <a:pPr algn="ctr"/>
-            <a:endParaRPr lang="ko-KR" altLang="en-US"/>
-          </a:p>
-        </p:txBody>
-      </p:sp>
-      <p:sp>
-        <p:nvSpPr>
-          <p:cNvPr id="4" name="자유형 3"/>
-          <p:cNvSpPr/>
-          <p:nvPr/>
-        </p:nvSpPr>
-        <p:spPr>
-          <a:xfrm>
-            <a:off x="6758009" y="1677054"/>
-            <a:ext cx="409577" cy="524787"/>
-          </a:xfrm>
-          <a:custGeom>
-            <a:avLst/>
-            <a:gdLst>
-              <a:gd name="connsiteX0" fmla="*/ 601580 w 1185291"/>
-              <a:gd name="connsiteY0" fmla="*/ 0 h 1518700"/>
-              <a:gd name="connsiteX1" fmla="*/ 602381 w 1185291"/>
-              <a:gd name="connsiteY1" fmla="*/ 41 h 1518700"/>
-              <a:gd name="connsiteX2" fmla="*/ 601580 w 1185291"/>
-              <a:gd name="connsiteY2" fmla="*/ 15901 h 1518700"/>
-              <a:gd name="connsiteX3" fmla="*/ 1144063 w 1185291"/>
-              <a:gd name="connsiteY3" fmla="*/ 743832 h 1518700"/>
-              <a:gd name="connsiteX4" fmla="*/ 1185291 w 1185291"/>
-              <a:gd name="connsiteY4" fmla="*/ 751975 h 1518700"/>
-              <a:gd name="connsiteX5" fmla="*/ 1065357 w 1185291"/>
-              <a:gd name="connsiteY5" fmla="*/ 789205 h 1518700"/>
-              <a:gd name="connsiteX6" fmla="*/ 601580 w 1185291"/>
-              <a:gd name="connsiteY6" fmla="*/ 1488881 h 1518700"/>
-              <a:gd name="connsiteX7" fmla="*/ 603079 w 1185291"/>
-              <a:gd name="connsiteY7" fmla="*/ 1518558 h 1518700"/>
-              <a:gd name="connsiteX8" fmla="*/ 601580 w 1185291"/>
-              <a:gd name="connsiteY8" fmla="*/ 1518700 h 1518700"/>
-              <a:gd name="connsiteX9" fmla="*/ 599878 w 1185291"/>
-              <a:gd name="connsiteY9" fmla="*/ 1518614 h 1518700"/>
-              <a:gd name="connsiteX10" fmla="*/ 601580 w 1185291"/>
-              <a:gd name="connsiteY10" fmla="*/ 1484906 h 1518700"/>
-              <a:gd name="connsiteX11" fmla="*/ 137803 w 1185291"/>
-              <a:gd name="connsiteY11" fmla="*/ 785230 h 1518700"/>
-              <a:gd name="connsiteX12" fmla="*/ 0 w 1185291"/>
-              <a:gd name="connsiteY12" fmla="*/ 742453 h 1518700"/>
-              <a:gd name="connsiteX13" fmla="*/ 137803 w 1185291"/>
-              <a:gd name="connsiteY13" fmla="*/ 699677 h 1518700"/>
-              <a:gd name="connsiteX14" fmla="*/ 601580 w 1185291"/>
-              <a:gd name="connsiteY14" fmla="*/ 0 h 1518700"/>
-            </a:gdLst>
-            <a:ahLst/>
-            <a:cxnLst>
-              <a:cxn ang="0">
-                <a:pos x="connsiteX0" y="connsiteY0"/>
-              </a:cxn>
-              <a:cxn ang="0">
-                <a:pos x="connsiteX1" y="connsiteY1"/>
-              </a:cxn>
-              <a:cxn ang="0">
-                <a:pos x="connsiteX2" y="connsiteY2"/>
-              </a:cxn>
-              <a:cxn ang="0">
-                <a:pos x="connsiteX3" y="connsiteY3"/>
-              </a:cxn>
-              <a:cxn ang="0">
-                <a:pos x="connsiteX4" y="connsiteY4"/>
-              </a:cxn>
-              <a:cxn ang="0">
-                <a:pos x="connsiteX5" y="connsiteY5"/>
-              </a:cxn>
-              <a:cxn ang="0">
-                <a:pos x="connsiteX6" y="connsiteY6"/>
-              </a:cxn>
-              <a:cxn ang="0">
-                <a:pos x="connsiteX7" y="connsiteY7"/>
-              </a:cxn>
-              <a:cxn ang="0">
-                <a:pos x="connsiteX8" y="connsiteY8"/>
-              </a:cxn>
-              <a:cxn ang="0">
-                <a:pos x="connsiteX9" y="connsiteY9"/>
-              </a:cxn>
-              <a:cxn ang="0">
-                <a:pos x="connsiteX10" y="connsiteY10"/>
-              </a:cxn>
-              <a:cxn ang="0">
-                <a:pos x="connsiteX11" y="connsiteY11"/>
-              </a:cxn>
-              <a:cxn ang="0">
-                <a:pos x="connsiteX12" y="connsiteY12"/>
-              </a:cxn>
-              <a:cxn ang="0">
-                <a:pos x="connsiteX13" y="connsiteY13"/>
-              </a:cxn>
-              <a:cxn ang="0">
-                <a:pos x="connsiteX14" y="connsiteY14"/>
-              </a:cxn>
-            </a:cxnLst>
-            <a:rect l="l" t="t" r="r" b="b"/>
-            <a:pathLst>
-              <a:path w="1185291" h="1518700">
-                <a:moveTo>
-                  <a:pt x="601580" y="0"/>
-                </a:moveTo>
-                <a:lnTo>
-                  <a:pt x="602381" y="41"/>
-                </a:lnTo>
-                <a:lnTo>
-                  <a:pt x="601580" y="15901"/>
-                </a:lnTo>
-                <a:cubicBezTo>
-                  <a:pt x="601580" y="359921"/>
-                  <a:pt x="830352" y="650510"/>
-                  <a:pt x="1144063" y="743832"/>
-                </a:cubicBezTo>
-                <a:lnTo>
-                  <a:pt x="1185291" y="751975"/>
-                </a:lnTo>
-                <a:lnTo>
-                  <a:pt x="1065357" y="789205"/>
-                </a:lnTo>
-                <a:cubicBezTo>
-                  <a:pt x="792815" y="904480"/>
-                  <a:pt x="601580" y="1174348"/>
-                  <a:pt x="601580" y="1488881"/>
-                </a:cubicBezTo>
-                <a:lnTo>
-                  <a:pt x="603079" y="1518558"/>
-                </a:lnTo>
-                <a:lnTo>
-                  <a:pt x="601580" y="1518700"/>
-                </a:lnTo>
-                <a:lnTo>
-                  <a:pt x="599878" y="1518614"/>
-                </a:lnTo>
-                <a:lnTo>
-                  <a:pt x="601580" y="1484906"/>
-                </a:lnTo>
-                <a:cubicBezTo>
-                  <a:pt x="601580" y="1170373"/>
-                  <a:pt x="410345" y="900505"/>
-                  <a:pt x="137803" y="785230"/>
-                </a:cubicBezTo>
-                <a:lnTo>
-                  <a:pt x="0" y="742453"/>
-                </a:lnTo>
-                <a:lnTo>
-                  <a:pt x="137803" y="699677"/>
-                </a:lnTo>
-                <a:cubicBezTo>
-                  <a:pt x="410345" y="584401"/>
-                  <a:pt x="601580" y="314533"/>
-                  <a:pt x="601580" y="0"/>
-                </a:cubicBezTo>
-                <a:close/>
-              </a:path>
-            </a:pathLst>
-          </a:custGeom>
-          <a:solidFill>
-            <a:srgbClr val="FFF5D9"/>
-          </a:solidFill>
-          <a:ln>
-            <a:noFill/>
-          </a:ln>
-        </p:spPr>
-        <p:style>
-          <a:lnRef idx="2">
-            <a:schemeClr val="accent1">
-              <a:shade val="50000"/>
-            </a:schemeClr>
-          </a:lnRef>
-          <a:fillRef idx="1">
-            <a:schemeClr val="accent1"/>
-          </a:fillRef>
-          <a:effectRef idx="0">
-            <a:schemeClr val="accent1"/>
-          </a:effectRef>
-          <a:fontRef idx="minor">
-            <a:schemeClr val="lt1"/>
-          </a:fontRef>
-        </p:style>
-        <p:txBody>
-          <a:bodyPr rtlCol="0" anchor="ctr"/>
-          <a:lstStyle/>
-          <a:p>
-            <a:pPr algn="ctr"/>
-            <a:endParaRPr lang="ko-KR" altLang="en-US"/>
-          </a:p>
-        </p:txBody>
-      </p:sp>
-      <p:sp>
-        <p:nvSpPr>
-          <p:cNvPr id="5" name="자유형 4"/>
-          <p:cNvSpPr/>
-          <p:nvPr/>
-        </p:nvSpPr>
-        <p:spPr>
-          <a:xfrm>
-            <a:off x="9729068" y="3223907"/>
-            <a:ext cx="635541" cy="814312"/>
-          </a:xfrm>
-          <a:custGeom>
-            <a:avLst/>
-            <a:gdLst>
-              <a:gd name="connsiteX0" fmla="*/ 601580 w 1185291"/>
-              <a:gd name="connsiteY0" fmla="*/ 0 h 1518700"/>
-              <a:gd name="connsiteX1" fmla="*/ 602381 w 1185291"/>
-              <a:gd name="connsiteY1" fmla="*/ 41 h 1518700"/>
-              <a:gd name="connsiteX2" fmla="*/ 601580 w 1185291"/>
-              <a:gd name="connsiteY2" fmla="*/ 15901 h 1518700"/>
-              <a:gd name="connsiteX3" fmla="*/ 1144063 w 1185291"/>
-              <a:gd name="connsiteY3" fmla="*/ 743832 h 1518700"/>
-              <a:gd name="connsiteX4" fmla="*/ 1185291 w 1185291"/>
-              <a:gd name="connsiteY4" fmla="*/ 751975 h 1518700"/>
-              <a:gd name="connsiteX5" fmla="*/ 1065357 w 1185291"/>
-              <a:gd name="connsiteY5" fmla="*/ 789205 h 1518700"/>
-              <a:gd name="connsiteX6" fmla="*/ 601580 w 1185291"/>
-              <a:gd name="connsiteY6" fmla="*/ 1488881 h 1518700"/>
-              <a:gd name="connsiteX7" fmla="*/ 603079 w 1185291"/>
-              <a:gd name="connsiteY7" fmla="*/ 1518558 h 1518700"/>
-              <a:gd name="connsiteX8" fmla="*/ 601580 w 1185291"/>
-              <a:gd name="connsiteY8" fmla="*/ 1518700 h 1518700"/>
-              <a:gd name="connsiteX9" fmla="*/ 599878 w 1185291"/>
-              <a:gd name="connsiteY9" fmla="*/ 1518614 h 1518700"/>
-              <a:gd name="connsiteX10" fmla="*/ 601580 w 1185291"/>
-              <a:gd name="connsiteY10" fmla="*/ 1484906 h 1518700"/>
-              <a:gd name="connsiteX11" fmla="*/ 137803 w 1185291"/>
-              <a:gd name="connsiteY11" fmla="*/ 785230 h 1518700"/>
-              <a:gd name="connsiteX12" fmla="*/ 0 w 1185291"/>
-              <a:gd name="connsiteY12" fmla="*/ 742453 h 1518700"/>
-              <a:gd name="connsiteX13" fmla="*/ 137803 w 1185291"/>
-              <a:gd name="connsiteY13" fmla="*/ 699677 h 1518700"/>
-              <a:gd name="connsiteX14" fmla="*/ 601580 w 1185291"/>
-              <a:gd name="connsiteY14" fmla="*/ 0 h 1518700"/>
-            </a:gdLst>
-            <a:ahLst/>
-            <a:cxnLst>
-              <a:cxn ang="0">
-                <a:pos x="connsiteX0" y="connsiteY0"/>
-              </a:cxn>
-              <a:cxn ang="0">
-                <a:pos x="connsiteX1" y="connsiteY1"/>
-              </a:cxn>
-              <a:cxn ang="0">
-                <a:pos x="connsiteX2" y="connsiteY2"/>
-              </a:cxn>
-              <a:cxn ang="0">
-                <a:pos x="connsiteX3" y="connsiteY3"/>
-              </a:cxn>
-              <a:cxn ang="0">
-                <a:pos x="connsiteX4" y="connsiteY4"/>
-              </a:cxn>
-              <a:cxn ang="0">
-                <a:pos x="connsiteX5" y="connsiteY5"/>
-              </a:cxn>
-              <a:cxn ang="0">
-                <a:pos x="connsiteX6" y="connsiteY6"/>
-              </a:cxn>
-              <a:cxn ang="0">
-                <a:pos x="connsiteX7" y="connsiteY7"/>
-              </a:cxn>
-              <a:cxn ang="0">
-                <a:pos x="connsiteX8" y="connsiteY8"/>
-              </a:cxn>
-              <a:cxn ang="0">
-                <a:pos x="connsiteX9" y="connsiteY9"/>
-              </a:cxn>
-              <a:cxn ang="0">
-                <a:pos x="connsiteX10" y="connsiteY10"/>
-              </a:cxn>
-              <a:cxn ang="0">
-                <a:pos x="connsiteX11" y="connsiteY11"/>
-              </a:cxn>
-              <a:cxn ang="0">
-                <a:pos x="connsiteX12" y="connsiteY12"/>
-              </a:cxn>
-              <a:cxn ang="0">
-                <a:pos x="connsiteX13" y="connsiteY13"/>
-              </a:cxn>
-              <a:cxn ang="0">
-                <a:pos x="connsiteX14" y="connsiteY14"/>
-              </a:cxn>
-            </a:cxnLst>
-            <a:rect l="l" t="t" r="r" b="b"/>
-            <a:pathLst>
-              <a:path w="1185291" h="1518700">
-                <a:moveTo>
-                  <a:pt x="601580" y="0"/>
-                </a:moveTo>
-                <a:lnTo>
-                  <a:pt x="602381" y="41"/>
-                </a:lnTo>
-                <a:lnTo>
-                  <a:pt x="601580" y="15901"/>
-                </a:lnTo>
-                <a:cubicBezTo>
-                  <a:pt x="601580" y="359921"/>
-                  <a:pt x="830352" y="650510"/>
-                  <a:pt x="1144063" y="743832"/>
-                </a:cubicBezTo>
-                <a:lnTo>
-                  <a:pt x="1185291" y="751975"/>
-                </a:lnTo>
-                <a:lnTo>
-                  <a:pt x="1065357" y="789205"/>
-                </a:lnTo>
-                <a:cubicBezTo>
-                  <a:pt x="792815" y="904480"/>
-                  <a:pt x="601580" y="1174348"/>
-                  <a:pt x="601580" y="1488881"/>
-                </a:cubicBezTo>
-                <a:lnTo>
-                  <a:pt x="603079" y="1518558"/>
-                </a:lnTo>
-                <a:lnTo>
-                  <a:pt x="601580" y="1518700"/>
-                </a:lnTo>
-                <a:lnTo>
-                  <a:pt x="599878" y="1518614"/>
-                </a:lnTo>
-                <a:lnTo>
-                  <a:pt x="601580" y="1484906"/>
-                </a:lnTo>
-                <a:cubicBezTo>
-                  <a:pt x="601580" y="1170373"/>
-                  <a:pt x="410345" y="900505"/>
-                  <a:pt x="137803" y="785230"/>
-                </a:cubicBezTo>
-                <a:lnTo>
-                  <a:pt x="0" y="742453"/>
-                </a:lnTo>
-                <a:lnTo>
-                  <a:pt x="137803" y="699677"/>
-                </a:lnTo>
-                <a:cubicBezTo>
-                  <a:pt x="410345" y="584401"/>
-                  <a:pt x="601580" y="314533"/>
-                  <a:pt x="601580" y="0"/>
-                </a:cubicBezTo>
-                <a:close/>
-              </a:path>
-            </a:pathLst>
-          </a:custGeom>
-          <a:solidFill>
-            <a:srgbClr val="FFF5D9"/>
-          </a:solidFill>
-          <a:ln>
-            <a:noFill/>
-          </a:ln>
-        </p:spPr>
-        <p:style>
-          <a:lnRef idx="2">
-            <a:schemeClr val="accent1">
-              <a:shade val="50000"/>
-            </a:schemeClr>
-          </a:lnRef>
-          <a:fillRef idx="1">
-            <a:schemeClr val="accent1"/>
-          </a:fillRef>
-          <a:effectRef idx="0">
-            <a:schemeClr val="accent1"/>
-          </a:effectRef>
-          <a:fontRef idx="minor">
-            <a:schemeClr val="lt1"/>
-          </a:fontRef>
-        </p:style>
-        <p:txBody>
-          <a:bodyPr rtlCol="0" anchor="ctr"/>
-          <a:lstStyle/>
-          <a:p>
-            <a:pPr algn="ctr"/>
-            <a:endParaRPr lang="ko-KR" altLang="en-US"/>
-          </a:p>
-        </p:txBody>
-      </p:sp>
-      <p:sp>
-        <p:nvSpPr>
           <p:cNvPr id="6" name="포인트가 4개인 별 5"/>
           <p:cNvSpPr/>
           <p:nvPr/>
@@ -18429,7 +19416,7 @@
 </p:sld>
 </file>
 
-<file path=ppt/slides/slide22.xml><?xml version="1.0" encoding="utf-8"?>
+<file path=ppt/slides/slide23.xml><?xml version="1.0" encoding="utf-8"?>
 <p:sld xmlns:a="http://schemas.openxmlformats.org/drawingml/2006/main" xmlns:r="http://schemas.openxmlformats.org/officeDocument/2006/relationships" xmlns:p="http://schemas.openxmlformats.org/presentationml/2006/main">
   <p:cSld>
     <p:spTree>

--- a/doc/꿀잠_todolist_ppt.pptx
+++ b/doc/꿀잠_todolist_ppt.pptx
@@ -36,20 +36,20 @@
   <p:notesSz cx="6858000" cy="9144000"/>
   <p:embeddedFontLst>
     <p:embeddedFont>
+      <p:font typeface="맑은 고딕" panose="020B0503020000020004" pitchFamily="50" charset="-127"/>
+      <p:regular r:id="rId26"/>
+      <p:bold r:id="rId27"/>
+    </p:embeddedFont>
+    <p:embeddedFont>
       <p:font typeface="둥근모꼴" panose="020B0500000000000000" pitchFamily="50" charset="-127"/>
-      <p:regular r:id="rId26"/>
+      <p:regular r:id="rId28"/>
     </p:embeddedFont>
     <p:embeddedFont>
       <p:font typeface="Calibri" panose="020F0502020204030204" pitchFamily="34" charset="0"/>
-      <p:regular r:id="rId27"/>
-      <p:bold r:id="rId28"/>
-      <p:italic r:id="rId29"/>
-      <p:boldItalic r:id="rId30"/>
-    </p:embeddedFont>
-    <p:embeddedFont>
-      <p:font typeface="맑은 고딕" panose="020B0503020000020004" pitchFamily="50" charset="-127"/>
-      <p:regular r:id="rId31"/>
-      <p:bold r:id="rId32"/>
+      <p:regular r:id="rId29"/>
+      <p:bold r:id="rId30"/>
+      <p:italic r:id="rId31"/>
+      <p:boldItalic r:id="rId32"/>
     </p:embeddedFont>
   </p:embeddedFontLst>
   <p:defaultTextStyle>
@@ -274,7 +274,7 @@
           <a:p>
             <a:fld id="{2173DF58-44C3-4E54-AA6C-D3D5222573FB}" type="datetimeFigureOut">
               <a:rPr lang="ko-KR" altLang="en-US" smtClean="0"/>
-              <a:t>2023-10-12</a:t>
+              <a:t>2023-10-13</a:t>
             </a:fld>
             <a:endParaRPr lang="ko-KR" altLang="en-US"/>
           </a:p>
@@ -979,7 +979,7 @@
           <a:p>
             <a:fld id="{992997B0-E1F0-4BE5-A26B-EA582F2DFE9C}" type="datetimeFigureOut">
               <a:rPr lang="ko-KR" altLang="en-US" smtClean="0"/>
-              <a:t>2023-10-12</a:t>
+              <a:t>2023-10-13</a:t>
             </a:fld>
             <a:endParaRPr lang="ko-KR" altLang="en-US"/>
           </a:p>
@@ -1159,7 +1159,7 @@
           <a:p>
             <a:fld id="{992997B0-E1F0-4BE5-A26B-EA582F2DFE9C}" type="datetimeFigureOut">
               <a:rPr lang="ko-KR" altLang="en-US" smtClean="0"/>
-              <a:t>2023-10-12</a:t>
+              <a:t>2023-10-13</a:t>
             </a:fld>
             <a:endParaRPr lang="ko-KR" altLang="en-US"/>
           </a:p>
@@ -1329,7 +1329,7 @@
           <a:p>
             <a:fld id="{992997B0-E1F0-4BE5-A26B-EA582F2DFE9C}" type="datetimeFigureOut">
               <a:rPr lang="ko-KR" altLang="en-US" smtClean="0"/>
-              <a:t>2023-10-12</a:t>
+              <a:t>2023-10-13</a:t>
             </a:fld>
             <a:endParaRPr lang="ko-KR" altLang="en-US"/>
           </a:p>
@@ -1575,7 +1575,7 @@
           <a:p>
             <a:fld id="{992997B0-E1F0-4BE5-A26B-EA582F2DFE9C}" type="datetimeFigureOut">
               <a:rPr lang="ko-KR" altLang="en-US" smtClean="0"/>
-              <a:t>2023-10-12</a:t>
+              <a:t>2023-10-13</a:t>
             </a:fld>
             <a:endParaRPr lang="ko-KR" altLang="en-US"/>
           </a:p>
@@ -1807,7 +1807,7 @@
           <a:p>
             <a:fld id="{992997B0-E1F0-4BE5-A26B-EA582F2DFE9C}" type="datetimeFigureOut">
               <a:rPr lang="ko-KR" altLang="en-US" smtClean="0"/>
-              <a:t>2023-10-12</a:t>
+              <a:t>2023-10-13</a:t>
             </a:fld>
             <a:endParaRPr lang="ko-KR" altLang="en-US"/>
           </a:p>
@@ -2174,7 +2174,7 @@
           <a:p>
             <a:fld id="{992997B0-E1F0-4BE5-A26B-EA582F2DFE9C}" type="datetimeFigureOut">
               <a:rPr lang="ko-KR" altLang="en-US" smtClean="0"/>
-              <a:t>2023-10-12</a:t>
+              <a:t>2023-10-13</a:t>
             </a:fld>
             <a:endParaRPr lang="ko-KR" altLang="en-US"/>
           </a:p>
@@ -2292,7 +2292,7 @@
           <a:p>
             <a:fld id="{992997B0-E1F0-4BE5-A26B-EA582F2DFE9C}" type="datetimeFigureOut">
               <a:rPr lang="ko-KR" altLang="en-US" smtClean="0"/>
-              <a:t>2023-10-12</a:t>
+              <a:t>2023-10-13</a:t>
             </a:fld>
             <a:endParaRPr lang="ko-KR" altLang="en-US"/>
           </a:p>
@@ -2645,7 +2645,7 @@
           <a:p>
             <a:fld id="{992997B0-E1F0-4BE5-A26B-EA582F2DFE9C}" type="datetimeFigureOut">
               <a:rPr lang="ko-KR" altLang="en-US" smtClean="0"/>
-              <a:t>2023-10-12</a:t>
+              <a:t>2023-10-13</a:t>
             </a:fld>
             <a:endParaRPr lang="ko-KR" altLang="en-US"/>
           </a:p>
@@ -2898,7 +2898,7 @@
           <a:p>
             <a:fld id="{992997B0-E1F0-4BE5-A26B-EA582F2DFE9C}" type="datetimeFigureOut">
               <a:rPr lang="ko-KR" altLang="en-US" smtClean="0"/>
-              <a:t>2023-10-12</a:t>
+              <a:t>2023-10-13</a:t>
             </a:fld>
             <a:endParaRPr lang="ko-KR" altLang="en-US"/>
           </a:p>
@@ -3111,7 +3111,7 @@
           <a:p>
             <a:fld id="{992997B0-E1F0-4BE5-A26B-EA582F2DFE9C}" type="datetimeFigureOut">
               <a:rPr lang="ko-KR" altLang="en-US" smtClean="0"/>
-              <a:t>2023-10-12</a:t>
+              <a:t>2023-10-13</a:t>
             </a:fld>
             <a:endParaRPr lang="ko-KR" altLang="en-US"/>
           </a:p>
@@ -21535,55 +21535,6 @@
       </p:sp>
       <p:sp>
         <p:nvSpPr>
-          <p:cNvPr id="23" name="타원 22"/>
-          <p:cNvSpPr/>
-          <p:nvPr/>
-        </p:nvSpPr>
-        <p:spPr>
-          <a:xfrm>
-            <a:off x="8947690" y="1963967"/>
-            <a:ext cx="1594119" cy="1508252"/>
-          </a:xfrm>
-          <a:prstGeom prst="ellipse">
-            <a:avLst/>
-          </a:prstGeom>
-          <a:blipFill>
-            <a:blip r:embed="rId2"/>
-            <a:stretch>
-              <a:fillRect/>
-            </a:stretch>
-          </a:blipFill>
-          <a:ln>
-            <a:noFill/>
-          </a:ln>
-        </p:spPr>
-        <p:style>
-          <a:lnRef idx="2">
-            <a:schemeClr val="accent1">
-              <a:shade val="50000"/>
-            </a:schemeClr>
-          </a:lnRef>
-          <a:fillRef idx="1">
-            <a:schemeClr val="accent1"/>
-          </a:fillRef>
-          <a:effectRef idx="0">
-            <a:schemeClr val="accent1"/>
-          </a:effectRef>
-          <a:fontRef idx="minor">
-            <a:schemeClr val="lt1"/>
-          </a:fontRef>
-        </p:style>
-        <p:txBody>
-          <a:bodyPr rtlCol="0" anchor="ctr"/>
-          <a:lstStyle/>
-          <a:p>
-            <a:pPr algn="ctr"/>
-            <a:endParaRPr lang="ko-KR" altLang="en-US"/>
-          </a:p>
-        </p:txBody>
-      </p:sp>
-      <p:sp>
-        <p:nvSpPr>
           <p:cNvPr id="25" name="TextBox 24"/>
           <p:cNvSpPr txBox="1"/>
           <p:nvPr/>
@@ -21866,7 +21817,37 @@
       </p:sp>
       <p:pic>
         <p:nvPicPr>
-          <p:cNvPr id="30" name="그림 29"/>
+          <p:cNvPr id="20" name="그림 19"/>
+          <p:cNvPicPr>
+            <a:picLocks noChangeAspect="1"/>
+          </p:cNvPicPr>
+          <p:nvPr/>
+        </p:nvPicPr>
+        <p:blipFill>
+          <a:blip r:embed="rId2" cstate="print">
+            <a:extLst>
+              <a:ext uri="{28A0092B-C50C-407E-A947-70E740481C1C}">
+                <a14:useLocalDpi xmlns:a14="http://schemas.microsoft.com/office/drawing/2010/main" val="0"/>
+              </a:ext>
+            </a:extLst>
+          </a:blip>
+          <a:stretch>
+            <a:fillRect/>
+          </a:stretch>
+        </p:blipFill>
+        <p:spPr>
+          <a:xfrm>
+            <a:off x="6071616" y="3390900"/>
+            <a:ext cx="48768" cy="76200"/>
+          </a:xfrm>
+          <a:prstGeom prst="rect">
+            <a:avLst/>
+          </a:prstGeom>
+        </p:spPr>
+      </p:pic>
+      <p:pic>
+        <p:nvPicPr>
+          <p:cNvPr id="29" name="그림 28"/>
           <p:cNvPicPr>
             <a:picLocks noChangeAspect="1"/>
           </p:cNvPicPr>
@@ -21886,8 +21867,8 @@
         </p:blipFill>
         <p:spPr>
           <a:xfrm>
-            <a:off x="6307326" y="1856344"/>
-            <a:ext cx="1914825" cy="1914825"/>
+            <a:off x="1596938" y="2101389"/>
+            <a:ext cx="1524003" cy="1524003"/>
           </a:xfrm>
           <a:prstGeom prst="rect">
             <a:avLst/>
@@ -21896,7 +21877,7 @@
       </p:pic>
       <p:pic>
         <p:nvPicPr>
-          <p:cNvPr id="31" name="그림 30"/>
+          <p:cNvPr id="32" name="그림 31"/>
           <p:cNvPicPr>
             <a:picLocks noChangeAspect="1"/>
           </p:cNvPicPr>
@@ -21916,8 +21897,8 @@
         </p:blipFill>
         <p:spPr>
           <a:xfrm>
-            <a:off x="1383413" y="1915900"/>
-            <a:ext cx="1890192" cy="1890192"/>
+            <a:off x="8777255" y="1867209"/>
+            <a:ext cx="1929141" cy="1929141"/>
           </a:xfrm>
           <a:prstGeom prst="rect">
             <a:avLst/>
@@ -21926,7 +21907,7 @@
       </p:pic>
       <p:pic>
         <p:nvPicPr>
-          <p:cNvPr id="34" name="그림 33"/>
+          <p:cNvPr id="33" name="그림 32"/>
           <p:cNvPicPr>
             <a:picLocks noChangeAspect="1"/>
           </p:cNvPicPr>
@@ -21946,8 +21927,38 @@
         </p:blipFill>
         <p:spPr>
           <a:xfrm>
-            <a:off x="4159997" y="1983027"/>
-            <a:ext cx="1372123" cy="1470132"/>
+            <a:off x="6249854" y="1882621"/>
+            <a:ext cx="1961536" cy="1961536"/>
+          </a:xfrm>
+          <a:prstGeom prst="rect">
+            <a:avLst/>
+          </a:prstGeom>
+        </p:spPr>
+      </p:pic>
+      <p:pic>
+        <p:nvPicPr>
+          <p:cNvPr id="35" name="그림 34"/>
+          <p:cNvPicPr>
+            <a:picLocks noChangeAspect="1"/>
+          </p:cNvPicPr>
+          <p:nvPr/>
+        </p:nvPicPr>
+        <p:blipFill>
+          <a:blip r:embed="rId6" cstate="print">
+            <a:extLst>
+              <a:ext uri="{28A0092B-C50C-407E-A947-70E740481C1C}">
+                <a14:useLocalDpi xmlns:a14="http://schemas.microsoft.com/office/drawing/2010/main" val="0"/>
+              </a:ext>
+            </a:extLst>
+          </a:blip>
+          <a:stretch>
+            <a:fillRect/>
+          </a:stretch>
+        </p:blipFill>
+        <p:spPr>
+          <a:xfrm>
+            <a:off x="3855078" y="1891323"/>
+            <a:ext cx="1955356" cy="1955356"/>
           </a:xfrm>
           <a:prstGeom prst="rect">
             <a:avLst/>

--- a/doc/꿀잠_todolist_ppt.pptx
+++ b/doc/꿀잠_todolist_ppt.pptx
@@ -36,20 +36,20 @@
   <p:notesSz cx="6858000" cy="9144000"/>
   <p:embeddedFontLst>
     <p:embeddedFont>
-      <p:font typeface="맑은 고딕" panose="020B0503020000020004" pitchFamily="50" charset="-127"/>
+      <p:font typeface="Calibri" panose="020F0502020204030204" pitchFamily="34" charset="0"/>
       <p:regular r:id="rId26"/>
       <p:bold r:id="rId27"/>
+      <p:italic r:id="rId28"/>
+      <p:boldItalic r:id="rId29"/>
     </p:embeddedFont>
     <p:embeddedFont>
       <p:font typeface="둥근모꼴" panose="020B0500000000000000" pitchFamily="50" charset="-127"/>
-      <p:regular r:id="rId28"/>
+      <p:regular r:id="rId30"/>
     </p:embeddedFont>
     <p:embeddedFont>
-      <p:font typeface="Calibri" panose="020F0502020204030204" pitchFamily="34" charset="0"/>
-      <p:regular r:id="rId29"/>
-      <p:bold r:id="rId30"/>
-      <p:italic r:id="rId31"/>
-      <p:boldItalic r:id="rId32"/>
+      <p:font typeface="맑은 고딕" panose="020B0503020000020004" pitchFamily="50" charset="-127"/>
+      <p:regular r:id="rId31"/>
+      <p:bold r:id="rId32"/>
     </p:embeddedFont>
   </p:embeddedFontLst>
   <p:defaultTextStyle>
@@ -21618,8 +21618,12 @@
           <a:lstStyle/>
           <a:p>
             <a:r>
+              <a:rPr lang="ko-KR" altLang="en-US" dirty="0"/>
+              <a:t>팀</a:t>
+            </a:r>
+            <a:r>
               <a:rPr lang="ko-KR" altLang="en-US" dirty="0" smtClean="0"/>
-              <a:t>조원 </a:t>
+              <a:t>원 </a:t>
             </a:r>
             <a:r>
               <a:rPr lang="en-US" altLang="ko-KR" dirty="0" smtClean="0"/>
@@ -21691,8 +21695,12 @@
           <a:lstStyle/>
           <a:p>
             <a:r>
+              <a:rPr lang="ko-KR" altLang="en-US" dirty="0"/>
+              <a:t>팀</a:t>
+            </a:r>
+            <a:r>
               <a:rPr lang="ko-KR" altLang="en-US" dirty="0" smtClean="0"/>
-              <a:t>조원 </a:t>
+              <a:t>원 </a:t>
             </a:r>
             <a:r>
               <a:rPr lang="en-US" altLang="ko-KR" dirty="0" smtClean="0"/>
@@ -21764,8 +21772,12 @@
           <a:lstStyle/>
           <a:p>
             <a:r>
+              <a:rPr lang="ko-KR" altLang="en-US" dirty="0"/>
+              <a:t>팀</a:t>
+            </a:r>
+            <a:r>
               <a:rPr lang="ko-KR" altLang="en-US" dirty="0" smtClean="0"/>
-              <a:t>조원 </a:t>
+              <a:t>원 </a:t>
             </a:r>
             <a:r>
               <a:rPr lang="en-US" altLang="ko-KR" dirty="0" smtClean="0"/>

--- a/doc/꿀잠_todolist_ppt.pptx
+++ b/doc/꿀잠_todolist_ppt.pptx
@@ -36,15 +36,15 @@
   <p:notesSz cx="6858000" cy="9144000"/>
   <p:embeddedFontLst>
     <p:embeddedFont>
-      <p:font typeface="Calibri" panose="020F0502020204030204" pitchFamily="34" charset="0"/>
+      <p:font typeface="둥근모꼴" panose="020B0600000101010101" charset="-127"/>
       <p:regular r:id="rId26"/>
-      <p:bold r:id="rId27"/>
-      <p:italic r:id="rId28"/>
-      <p:boldItalic r:id="rId29"/>
     </p:embeddedFont>
     <p:embeddedFont>
-      <p:font typeface="둥근모꼴" panose="020B0500000000000000" pitchFamily="50" charset="-127"/>
-      <p:regular r:id="rId30"/>
+      <p:font typeface="Calibri" panose="020F0502020204030204" pitchFamily="34" charset="0"/>
+      <p:regular r:id="rId27"/>
+      <p:bold r:id="rId28"/>
+      <p:italic r:id="rId29"/>
+      <p:boldItalic r:id="rId30"/>
     </p:embeddedFont>
     <p:embeddedFont>
       <p:font typeface="맑은 고딕" panose="020B0503020000020004" pitchFamily="50" charset="-127"/>
@@ -274,7 +274,7 @@
           <a:p>
             <a:fld id="{2173DF58-44C3-4E54-AA6C-D3D5222573FB}" type="datetimeFigureOut">
               <a:rPr lang="ko-KR" altLang="en-US" smtClean="0"/>
-              <a:t>2023-10-13</a:t>
+              <a:t>2023-10-16</a:t>
             </a:fld>
             <a:endParaRPr lang="ko-KR" altLang="en-US"/>
           </a:p>
@@ -979,7 +979,7 @@
           <a:p>
             <a:fld id="{992997B0-E1F0-4BE5-A26B-EA582F2DFE9C}" type="datetimeFigureOut">
               <a:rPr lang="ko-KR" altLang="en-US" smtClean="0"/>
-              <a:t>2023-10-13</a:t>
+              <a:t>2023-10-16</a:t>
             </a:fld>
             <a:endParaRPr lang="ko-KR" altLang="en-US"/>
           </a:p>
@@ -1159,7 +1159,7 @@
           <a:p>
             <a:fld id="{992997B0-E1F0-4BE5-A26B-EA582F2DFE9C}" type="datetimeFigureOut">
               <a:rPr lang="ko-KR" altLang="en-US" smtClean="0"/>
-              <a:t>2023-10-13</a:t>
+              <a:t>2023-10-16</a:t>
             </a:fld>
             <a:endParaRPr lang="ko-KR" altLang="en-US"/>
           </a:p>
@@ -1329,7 +1329,7 @@
           <a:p>
             <a:fld id="{992997B0-E1F0-4BE5-A26B-EA582F2DFE9C}" type="datetimeFigureOut">
               <a:rPr lang="ko-KR" altLang="en-US" smtClean="0"/>
-              <a:t>2023-10-13</a:t>
+              <a:t>2023-10-16</a:t>
             </a:fld>
             <a:endParaRPr lang="ko-KR" altLang="en-US"/>
           </a:p>
@@ -1575,7 +1575,7 @@
           <a:p>
             <a:fld id="{992997B0-E1F0-4BE5-A26B-EA582F2DFE9C}" type="datetimeFigureOut">
               <a:rPr lang="ko-KR" altLang="en-US" smtClean="0"/>
-              <a:t>2023-10-13</a:t>
+              <a:t>2023-10-16</a:t>
             </a:fld>
             <a:endParaRPr lang="ko-KR" altLang="en-US"/>
           </a:p>
@@ -1807,7 +1807,7 @@
           <a:p>
             <a:fld id="{992997B0-E1F0-4BE5-A26B-EA582F2DFE9C}" type="datetimeFigureOut">
               <a:rPr lang="ko-KR" altLang="en-US" smtClean="0"/>
-              <a:t>2023-10-13</a:t>
+              <a:t>2023-10-16</a:t>
             </a:fld>
             <a:endParaRPr lang="ko-KR" altLang="en-US"/>
           </a:p>
@@ -2174,7 +2174,7 @@
           <a:p>
             <a:fld id="{992997B0-E1F0-4BE5-A26B-EA582F2DFE9C}" type="datetimeFigureOut">
               <a:rPr lang="ko-KR" altLang="en-US" smtClean="0"/>
-              <a:t>2023-10-13</a:t>
+              <a:t>2023-10-16</a:t>
             </a:fld>
             <a:endParaRPr lang="ko-KR" altLang="en-US"/>
           </a:p>
@@ -2292,7 +2292,7 @@
           <a:p>
             <a:fld id="{992997B0-E1F0-4BE5-A26B-EA582F2DFE9C}" type="datetimeFigureOut">
               <a:rPr lang="ko-KR" altLang="en-US" smtClean="0"/>
-              <a:t>2023-10-13</a:t>
+              <a:t>2023-10-16</a:t>
             </a:fld>
             <a:endParaRPr lang="ko-KR" altLang="en-US"/>
           </a:p>
@@ -2645,7 +2645,7 @@
           <a:p>
             <a:fld id="{992997B0-E1F0-4BE5-A26B-EA582F2DFE9C}" type="datetimeFigureOut">
               <a:rPr lang="ko-KR" altLang="en-US" smtClean="0"/>
-              <a:t>2023-10-13</a:t>
+              <a:t>2023-10-16</a:t>
             </a:fld>
             <a:endParaRPr lang="ko-KR" altLang="en-US"/>
           </a:p>
@@ -2898,7 +2898,7 @@
           <a:p>
             <a:fld id="{992997B0-E1F0-4BE5-A26B-EA582F2DFE9C}" type="datetimeFigureOut">
               <a:rPr lang="ko-KR" altLang="en-US" smtClean="0"/>
-              <a:t>2023-10-13</a:t>
+              <a:t>2023-10-16</a:t>
             </a:fld>
             <a:endParaRPr lang="ko-KR" altLang="en-US"/>
           </a:p>
@@ -3111,7 +3111,7 @@
           <a:p>
             <a:fld id="{992997B0-E1F0-4BE5-A26B-EA582F2DFE9C}" type="datetimeFigureOut">
               <a:rPr lang="ko-KR" altLang="en-US" smtClean="0"/>
-              <a:t>2023-10-13</a:t>
+              <a:t>2023-10-16</a:t>
             </a:fld>
             <a:endParaRPr lang="ko-KR" altLang="en-US"/>
           </a:p>
@@ -21591,6 +21591,10 @@
               <a:buFontTx/>
               <a:buChar char="-"/>
             </a:pPr>
+            <a:r>
+              <a:rPr lang="ko-KR" altLang="en-US" dirty="0" smtClean="0"/>
+              <a:t>페이지 디자인</a:t>
+            </a:r>
             <a:endParaRPr lang="ko-KR" altLang="en-US" dirty="0"/>
           </a:p>
         </p:txBody>

--- a/doc/꿀잠_todolist_ppt.pptx
+++ b/doc/꿀잠_todolist_ppt.pptx
@@ -44,17 +44,17 @@
       <p:boldItalic r:id="rId30"/>
     </p:embeddedFont>
     <p:embeddedFont>
-      <p:font typeface="Neo둥근모 Pro" panose="02010503060201040203" pitchFamily="2" charset="-127"/>
+      <p:font typeface="둥근모꼴" panose="020B0500000000000000" pitchFamily="50" charset="-127"/>
       <p:regular r:id="rId31"/>
     </p:embeddedFont>
     <p:embeddedFont>
-      <p:font typeface="둥근모꼴" panose="020B0500000000000000" charset="-127"/>
+      <p:font typeface="맑은 고딕" panose="020B0503020000020004" pitchFamily="50" charset="-127"/>
       <p:regular r:id="rId32"/>
+      <p:bold r:id="rId33"/>
     </p:embeddedFont>
     <p:embeddedFont>
-      <p:font typeface="맑은 고딕" panose="020B0503020000020004" pitchFamily="50" charset="-127"/>
-      <p:regular r:id="rId33"/>
-      <p:bold r:id="rId34"/>
+      <p:font typeface="Neo둥근모 Pro" panose="020B0600000101010101" charset="-127"/>
+      <p:regular r:id="rId34"/>
     </p:embeddedFont>
   </p:embeddedFontLst>
   <p:defaultTextStyle>
@@ -15682,8 +15682,8 @@
         </p:nvSpPr>
         <p:spPr>
           <a:xfrm>
-            <a:off x="3787795" y="1538020"/>
-            <a:ext cx="5087869" cy="584775"/>
+            <a:off x="4405201" y="1502038"/>
+            <a:ext cx="4029838" cy="584775"/>
           </a:xfrm>
           <a:prstGeom prst="rect">
             <a:avLst/>
@@ -15722,8 +15722,8 @@
         </p:nvSpPr>
         <p:spPr>
           <a:xfrm>
-            <a:off x="3760319" y="2498881"/>
-            <a:ext cx="4432501" cy="584775"/>
+            <a:off x="4377724" y="2462899"/>
+            <a:ext cx="4057315" cy="584775"/>
           </a:xfrm>
           <a:prstGeom prst="rect">
             <a:avLst/>
@@ -15765,8 +15765,8 @@
         </p:nvSpPr>
         <p:spPr>
           <a:xfrm>
-            <a:off x="3787795" y="3494999"/>
-            <a:ext cx="4432501" cy="584775"/>
+            <a:off x="4405201" y="3459017"/>
+            <a:ext cx="4029838" cy="584775"/>
           </a:xfrm>
           <a:prstGeom prst="rect">
             <a:avLst/>
@@ -15805,7 +15805,7 @@
         </p:nvSpPr>
         <p:spPr>
           <a:xfrm>
-            <a:off x="3073415" y="1538020"/>
+            <a:off x="3690820" y="1502038"/>
             <a:ext cx="520602" cy="520602"/>
           </a:xfrm>
           <a:prstGeom prst="star5">
@@ -15859,7 +15859,7 @@
         </p:nvSpPr>
         <p:spPr>
           <a:xfrm>
-            <a:off x="3073415" y="3494998"/>
+            <a:off x="3690820" y="3459016"/>
             <a:ext cx="520602" cy="520602"/>
           </a:xfrm>
           <a:prstGeom prst="star5">
@@ -15913,7 +15913,7 @@
         </p:nvSpPr>
         <p:spPr>
           <a:xfrm rot="900000">
-            <a:off x="3129969" y="2599046"/>
+            <a:off x="3747374" y="2563064"/>
             <a:ext cx="380019" cy="487047"/>
           </a:xfrm>
           <a:custGeom>
@@ -16070,7 +16070,7 @@
         </p:nvSpPr>
         <p:spPr>
           <a:xfrm rot="900000">
-            <a:off x="3129969" y="4531999"/>
+            <a:off x="3747374" y="4496017"/>
             <a:ext cx="380019" cy="487047"/>
           </a:xfrm>
           <a:custGeom>
@@ -16227,8 +16227,8 @@
         </p:nvSpPr>
         <p:spPr>
           <a:xfrm>
-            <a:off x="3787795" y="4491117"/>
-            <a:ext cx="4432501" cy="584775"/>
+            <a:off x="4405200" y="4455135"/>
+            <a:ext cx="4029839" cy="584775"/>
           </a:xfrm>
           <a:prstGeom prst="rect">
             <a:avLst/>
@@ -16267,7 +16267,7 @@
         </p:nvSpPr>
         <p:spPr>
           <a:xfrm>
-            <a:off x="3073414" y="5449846"/>
+            <a:off x="3690819" y="5413864"/>
             <a:ext cx="520602" cy="520602"/>
           </a:xfrm>
           <a:prstGeom prst="star5">
@@ -16321,8 +16321,8 @@
         </p:nvSpPr>
         <p:spPr>
           <a:xfrm>
-            <a:off x="3787794" y="5449846"/>
-            <a:ext cx="4432501" cy="584775"/>
+            <a:off x="4405200" y="5413864"/>
+            <a:ext cx="4029840" cy="584775"/>
           </a:xfrm>
           <a:prstGeom prst="rect">
             <a:avLst/>
@@ -22907,17 +22907,7 @@
                 <a:latin typeface="Neo둥근모 Pro" panose="02010503060201040203" pitchFamily="2" charset="-127"/>
                 <a:ea typeface="Neo둥근모 Pro" panose="02010503060201040203" pitchFamily="2" charset="-127"/>
               </a:rPr>
-              <a:t>수면 </a:t>
-            </a:r>
-            <a:r>
-              <a:rPr lang="ko-KR" altLang="en-US" sz="2500" dirty="0" smtClean="0">
-                <a:solidFill>
-                  <a:srgbClr val="E9E9EF"/>
-                </a:solidFill>
-                <a:latin typeface="Neo둥근모 Pro" panose="02010503060201040203" pitchFamily="2" charset="-127"/>
-                <a:ea typeface="Neo둥근모 Pro" panose="02010503060201040203" pitchFamily="2" charset="-127"/>
-              </a:rPr>
-              <a:t>습관 형성</a:t>
+              <a:t>수면 습관 형성</a:t>
             </a:r>
             <a:endParaRPr lang="ko-KR" altLang="en-US" sz="2500" dirty="0">
               <a:solidFill>

--- a/doc/꿀잠_todolist_ppt.pptx
+++ b/doc/꿀잠_todolist_ppt.pptx
@@ -53,7 +53,7 @@
       <p:bold r:id="rId33"/>
     </p:embeddedFont>
     <p:embeddedFont>
-      <p:font typeface="Neo둥근모 Pro" panose="020B0600000101010101" charset="-127"/>
+      <p:font typeface="Neo둥근모 Pro" panose="02010503060201040203" pitchFamily="2" charset="-127"/>
       <p:regular r:id="rId34"/>
     </p:embeddedFont>
   </p:embeddedFontLst>
@@ -24796,7 +24796,7 @@
         <p:spPr>
           <a:xfrm>
             <a:off x="1451365" y="3602758"/>
-            <a:ext cx="1938215" cy="1200329"/>
+            <a:ext cx="1938215" cy="1477328"/>
           </a:xfrm>
           <a:prstGeom prst="rect">
             <a:avLst/>
@@ -24847,7 +24847,22 @@
             </a:pPr>
             <a:r>
               <a:rPr lang="ko-KR" altLang="en-US" dirty="0" smtClean="0"/>
-              <a:t>페이지 디자인</a:t>
+              <a:t>페이지 </a:t>
+            </a:r>
+            <a:r>
+              <a:rPr lang="ko-KR" altLang="en-US" dirty="0" smtClean="0"/>
+              <a:t>디자인</a:t>
+            </a:r>
+            <a:endParaRPr lang="en-US" altLang="ko-KR" dirty="0"/>
+          </a:p>
+          <a:p>
+            <a:pPr marL="285750" indent="-285750">
+              <a:buFontTx/>
+              <a:buChar char="-"/>
+            </a:pPr>
+            <a:r>
+              <a:rPr lang="ko-KR" altLang="en-US" smtClean="0"/>
+              <a:t>메인 페이지</a:t>
             </a:r>
             <a:endParaRPr lang="ko-KR" altLang="en-US" dirty="0"/>
           </a:p>
